--- a/digfinalpresentation/explanation/image/slide_master.pptx
+++ b/digfinalpresentation/explanation/image/slide_master.pptx
@@ -8,8 +8,9 @@
     <p:sldId id="256" r:id="rId2"/>
     <p:sldId id="260" r:id="rId3"/>
     <p:sldId id="257" r:id="rId4"/>
-    <p:sldId id="258" r:id="rId5"/>
-    <p:sldId id="259" r:id="rId6"/>
+    <p:sldId id="261" r:id="rId5"/>
+    <p:sldId id="258" r:id="rId6"/>
+    <p:sldId id="259" r:id="rId7"/>
   </p:sldIdLst>
   <p:sldSz cx="12192000" cy="6858000"/>
   <p:notesSz cx="6858000" cy="9144000"/>
@@ -108,12 +109,18 @@
       </a:defRPr>
     </a:lvl9pPr>
   </p:defaultTextStyle>
+  <p:extLst>
+    <p:ext uri="{EFAFB233-063F-42B5-8137-9DF3F51BA10A}">
+      <p15:sldGuideLst xmlns:p15="http://schemas.microsoft.com/office/powerpoint/2012/main"/>
+    </p:ext>
+  </p:extLst>
 </p:presentation>
 </file>
 
 <file path=ppt/revisionInfo.xml><?xml version="1.0" encoding="utf-8"?>
 <p1510:revInfo xmlns:a="http://schemas.openxmlformats.org/drawingml/2006/main" xmlns:r="http://schemas.openxmlformats.org/officeDocument/2006/relationships" xmlns:p1510="http://schemas.microsoft.com/office/powerpoint/2015/10/main">
   <p1510:revLst>
+    <p1510:client id="{0C8EFB15-30FB-4D9E-9F76-1DD8E9D546D5}" v="2" dt="2023-02-11T13:28:49.034"/>
     <p1510:client id="{FDB79154-E811-4D2E-9C2C-BC03B6DF5F60}" v="7" dt="2023-02-10T23:47:40.004"/>
   </p1510:revLst>
 </p1510:revInfo>
@@ -186,6 +193,37 @@
             <ac:spMk id="4" creationId="{A2F18131-683B-DF19-3FE2-D3054F0769FD}"/>
           </ac:spMkLst>
         </pc:spChg>
+      </pc:sldChg>
+    </pc:docChg>
+  </pc:docChgLst>
+  <pc:docChgLst>
+    <pc:chgData name="緒方 和義" userId="f76643218ff399e9" providerId="LiveId" clId="{0C8EFB15-30FB-4D9E-9F76-1DD8E9D546D5}"/>
+    <pc:docChg chg="addSld modSld">
+      <pc:chgData name="緒方 和義" userId="f76643218ff399e9" providerId="LiveId" clId="{0C8EFB15-30FB-4D9E-9F76-1DD8E9D546D5}" dt="2023-02-11T13:33:00.604" v="1613" actId="20577"/>
+      <pc:docMkLst>
+        <pc:docMk/>
+      </pc:docMkLst>
+      <pc:sldChg chg="addSp modSp mod">
+        <pc:chgData name="緒方 和義" userId="f76643218ff399e9" providerId="LiveId" clId="{0C8EFB15-30FB-4D9E-9F76-1DD8E9D546D5}" dt="2023-02-11T13:33:00.604" v="1613" actId="20577"/>
+        <pc:sldMkLst>
+          <pc:docMk/>
+          <pc:sldMk cId="1709256831" sldId="257"/>
+        </pc:sldMkLst>
+        <pc:spChg chg="add mod">
+          <ac:chgData name="緒方 和義" userId="f76643218ff399e9" providerId="LiveId" clId="{0C8EFB15-30FB-4D9E-9F76-1DD8E9D546D5}" dt="2023-02-11T13:33:00.604" v="1613" actId="20577"/>
+          <ac:spMkLst>
+            <pc:docMk/>
+            <pc:sldMk cId="1709256831" sldId="257"/>
+            <ac:spMk id="2" creationId="{324EF3E5-AE04-F06D-CCF2-31C7B141A4FF}"/>
+          </ac:spMkLst>
+        </pc:spChg>
+      </pc:sldChg>
+      <pc:sldChg chg="add">
+        <pc:chgData name="緒方 和義" userId="f76643218ff399e9" providerId="LiveId" clId="{0C8EFB15-30FB-4D9E-9F76-1DD8E9D546D5}" dt="2023-02-11T13:28:49.027" v="776"/>
+        <pc:sldMkLst>
+          <pc:docMk/>
+          <pc:sldMk cId="3524710904" sldId="261"/>
+        </pc:sldMkLst>
       </pc:sldChg>
     </pc:docChg>
   </pc:docChgLst>
@@ -3976,6 +4014,202 @@
           <a:chExt cx="0" cy="0"/>
         </a:xfrm>
       </p:grpSpPr>
+      <p:sp>
+        <p:nvSpPr>
+          <p:cNvPr id="2" name="テキスト ボックス 1">
+            <a:extLst>
+              <a:ext uri="{FF2B5EF4-FFF2-40B4-BE49-F238E27FC236}">
+                <a16:creationId xmlns:a16="http://schemas.microsoft.com/office/drawing/2014/main" id="{324EF3E5-AE04-F06D-CCF2-31C7B141A4FF}"/>
+              </a:ext>
+            </a:extLst>
+          </p:cNvPr>
+          <p:cNvSpPr txBox="1"/>
+          <p:nvPr/>
+        </p:nvSpPr>
+        <p:spPr>
+          <a:xfrm flipH="1">
+            <a:off x="461553" y="487680"/>
+            <a:ext cx="11199223" cy="5909310"/>
+          </a:xfrm>
+          <a:prstGeom prst="rect">
+            <a:avLst/>
+          </a:prstGeom>
+          <a:noFill/>
+        </p:spPr>
+        <p:txBody>
+          <a:bodyPr wrap="square" rtlCol="0">
+            <a:spAutoFit/>
+          </a:bodyPr>
+          <a:lstStyle/>
+          <a:p>
+            <a:r>
+              <a:rPr lang="ja-JP" altLang="en-US" dirty="0"/>
+              <a:t>◆</a:t>
+            </a:r>
+            <a:r>
+              <a:rPr kumimoji="1" lang="ja-JP" altLang="en-US" dirty="0"/>
+              <a:t>こだわり</a:t>
+            </a:r>
+            <a:endParaRPr kumimoji="1" lang="en-US" altLang="ja-JP" dirty="0"/>
+          </a:p>
+          <a:p>
+            <a:r>
+              <a:rPr lang="ja-JP" altLang="en-US" dirty="0"/>
+              <a:t>・使い続けたいと思えるアプリにする。</a:t>
+            </a:r>
+            <a:endParaRPr lang="en-US" altLang="ja-JP" dirty="0"/>
+          </a:p>
+          <a:p>
+            <a:r>
+              <a:rPr lang="ja-JP" altLang="en-US" dirty="0"/>
+              <a:t>　ーめんどくさくない</a:t>
+            </a:r>
+            <a:endParaRPr lang="en-US" altLang="ja-JP" dirty="0"/>
+          </a:p>
+          <a:p>
+            <a:r>
+              <a:rPr lang="ja-JP" altLang="en-US" dirty="0"/>
+              <a:t>　ー操作が視覚的にわかりやすい</a:t>
+            </a:r>
+            <a:endParaRPr lang="en-US" altLang="ja-JP" dirty="0"/>
+          </a:p>
+          <a:p>
+            <a:r>
+              <a:rPr lang="ja-JP" altLang="en-US" dirty="0"/>
+              <a:t>　ーインタラクティブ</a:t>
+            </a:r>
+            <a:endParaRPr lang="en-US" altLang="ja-JP" dirty="0"/>
+          </a:p>
+          <a:p>
+            <a:endParaRPr lang="en-US" altLang="ja-JP" dirty="0"/>
+          </a:p>
+          <a:p>
+            <a:endParaRPr lang="en-US" altLang="ja-JP" dirty="0"/>
+          </a:p>
+          <a:p>
+            <a:endParaRPr lang="en-US" altLang="ja-JP" dirty="0"/>
+          </a:p>
+          <a:p>
+            <a:endParaRPr lang="en-US" altLang="ja-JP" dirty="0"/>
+          </a:p>
+          <a:p>
+            <a:endParaRPr lang="en-US" altLang="ja-JP" dirty="0"/>
+          </a:p>
+          <a:p>
+            <a:endParaRPr lang="en-US" altLang="ja-JP" dirty="0"/>
+          </a:p>
+          <a:p>
+            <a:r>
+              <a:rPr lang="ja-JP" altLang="en-US" dirty="0"/>
+              <a:t>◆苦労した点</a:t>
+            </a:r>
+            <a:endParaRPr lang="en-US" altLang="ja-JP" dirty="0"/>
+          </a:p>
+          <a:p>
+            <a:r>
+              <a:rPr lang="ja-JP" altLang="en-US" dirty="0"/>
+              <a:t>・任意の測定結果を削除する</a:t>
+            </a:r>
+            <a:endParaRPr lang="en-US" altLang="ja-JP" dirty="0"/>
+          </a:p>
+          <a:p>
+            <a:r>
+              <a:rPr lang="ja-JP" altLang="en-US" dirty="0"/>
+              <a:t>　</a:t>
+            </a:r>
+            <a:r>
+              <a:rPr lang="en-US" altLang="ja-JP" dirty="0"/>
+              <a:t>Canvas</a:t>
+            </a:r>
+            <a:r>
+              <a:rPr lang="ja-JP" altLang="en-US" dirty="0"/>
+              <a:t>上でどう表現する？・・測定点データ全部もっとかんと消せない</a:t>
+            </a:r>
+            <a:endParaRPr lang="en-US" altLang="ja-JP" dirty="0"/>
+          </a:p>
+          <a:p>
+            <a:r>
+              <a:rPr lang="ja-JP" altLang="en-US" dirty="0"/>
+              <a:t>　→実は、、、</a:t>
+            </a:r>
+            <a:endParaRPr lang="en-US" altLang="ja-JP" dirty="0"/>
+          </a:p>
+          <a:p>
+            <a:r>
+              <a:rPr lang="ja-JP" altLang="en-US" dirty="0"/>
+              <a:t>　　①毎回</a:t>
+            </a:r>
+            <a:r>
+              <a:rPr lang="en-US" altLang="ja-JP" dirty="0"/>
+              <a:t>Canvas</a:t>
+            </a:r>
+            <a:r>
+              <a:rPr lang="ja-JP" altLang="en-US" dirty="0"/>
+              <a:t>上の要素は削除してます！！</a:t>
+            </a:r>
+            <a:endParaRPr lang="en-US" altLang="ja-JP" dirty="0"/>
+          </a:p>
+          <a:p>
+            <a:r>
+              <a:rPr lang="ja-JP" altLang="en-US" dirty="0"/>
+              <a:t>　　②その後、全点の線</a:t>
+            </a:r>
+            <a:r>
+              <a:rPr lang="en-US" altLang="ja-JP" dirty="0"/>
+              <a:t>/</a:t>
+            </a:r>
+            <a:r>
+              <a:rPr lang="ja-JP" altLang="en-US" dirty="0"/>
+              <a:t>点を引き直してます。</a:t>
+            </a:r>
+            <a:endParaRPr lang="en-US" altLang="ja-JP" dirty="0"/>
+          </a:p>
+          <a:p>
+            <a:r>
+              <a:rPr lang="ja-JP" altLang="en-US" dirty="0"/>
+              <a:t>　　早すぎてみえねー－</a:t>
+            </a:r>
+            <a:endParaRPr lang="en-US" altLang="ja-JP" dirty="0"/>
+          </a:p>
+          <a:p>
+            <a:r>
+              <a:rPr lang="ja-JP" altLang="en-US" dirty="0"/>
+              <a:t>・測定結果を好きな位置に動かす＆どの線の測定結果かわかるように、線を引っ張る</a:t>
+            </a:r>
+            <a:endParaRPr lang="en-US" altLang="ja-JP" dirty="0"/>
+          </a:p>
+          <a:p>
+            <a:r>
+              <a:rPr lang="ja-JP" altLang="en-US" dirty="0"/>
+              <a:t>・セッティングメニュー機能追加</a:t>
+            </a:r>
+            <a:endParaRPr lang="en-US" altLang="ja-JP" dirty="0"/>
+          </a:p>
+          <a:p>
+            <a:r>
+              <a:rPr lang="ja-JP" altLang="en-US" dirty="0"/>
+              <a:t>・そもそも</a:t>
+            </a:r>
+            <a:r>
+              <a:rPr lang="en-US" altLang="ja-JP" dirty="0"/>
+              <a:t>Html</a:t>
+            </a:r>
+            <a:r>
+              <a:rPr lang="ja-JP" altLang="en-US" dirty="0"/>
+              <a:t>、</a:t>
+            </a:r>
+            <a:r>
+              <a:rPr lang="en-US" altLang="ja-JP" dirty="0"/>
+              <a:t>CSS</a:t>
+            </a:r>
+            <a:r>
+              <a:rPr lang="ja-JP" altLang="en-US" dirty="0"/>
+              <a:t>のレイアウトを雑にやりすぎた、、、</a:t>
+            </a:r>
+            <a:endParaRPr lang="en-US" altLang="ja-JP" dirty="0"/>
+          </a:p>
+        </p:txBody>
+      </p:sp>
     </p:spTree>
     <p:extLst>
       <p:ext uri="{BB962C8B-B14F-4D97-AF65-F5344CB8AC3E}">
@@ -4006,6 +4240,209 @@
           <a:chExt cx="0" cy="0"/>
         </a:xfrm>
       </p:grpSpPr>
+      <p:sp>
+        <p:nvSpPr>
+          <p:cNvPr id="2" name="テキスト ボックス 1">
+            <a:extLst>
+              <a:ext uri="{FF2B5EF4-FFF2-40B4-BE49-F238E27FC236}">
+                <a16:creationId xmlns:a16="http://schemas.microsoft.com/office/drawing/2014/main" id="{324EF3E5-AE04-F06D-CCF2-31C7B141A4FF}"/>
+              </a:ext>
+            </a:extLst>
+          </p:cNvPr>
+          <p:cNvSpPr txBox="1"/>
+          <p:nvPr/>
+        </p:nvSpPr>
+        <p:spPr>
+          <a:xfrm flipH="1">
+            <a:off x="461554" y="487680"/>
+            <a:ext cx="8473440" cy="5078313"/>
+          </a:xfrm>
+          <a:prstGeom prst="rect">
+            <a:avLst/>
+          </a:prstGeom>
+          <a:noFill/>
+        </p:spPr>
+        <p:txBody>
+          <a:bodyPr wrap="square" rtlCol="0">
+            <a:spAutoFit/>
+          </a:bodyPr>
+          <a:lstStyle/>
+          <a:p>
+            <a:r>
+              <a:rPr lang="ja-JP" altLang="en-US" dirty="0"/>
+              <a:t>◆</a:t>
+            </a:r>
+            <a:r>
+              <a:rPr kumimoji="1" lang="ja-JP" altLang="en-US" dirty="0"/>
+              <a:t>学んだこと</a:t>
+            </a:r>
+            <a:endParaRPr lang="en-US" altLang="ja-JP" dirty="0"/>
+          </a:p>
+          <a:p>
+            <a:r>
+              <a:rPr kumimoji="1" lang="ja-JP" altLang="en-US" dirty="0"/>
+              <a:t>・</a:t>
+            </a:r>
+            <a:r>
+              <a:rPr kumimoji="1" lang="en-US" altLang="ja-JP" dirty="0"/>
+              <a:t>camelCase</a:t>
+            </a:r>
+          </a:p>
+          <a:p>
+            <a:r>
+              <a:rPr lang="ja-JP" altLang="en-US" dirty="0"/>
+              <a:t>・</a:t>
+            </a:r>
+            <a:r>
+              <a:rPr lang="en-US" altLang="ja-JP" dirty="0"/>
+              <a:t>TDD</a:t>
+            </a:r>
+          </a:p>
+          <a:p>
+            <a:r>
+              <a:rPr kumimoji="1" lang="ja-JP" altLang="en-US" dirty="0"/>
+              <a:t>・配列へのアクセス</a:t>
+            </a:r>
+            <a:endParaRPr kumimoji="1" lang="en-US" altLang="ja-JP" dirty="0"/>
+          </a:p>
+          <a:p>
+            <a:r>
+              <a:rPr lang="ja-JP" altLang="en-US" dirty="0"/>
+              <a:t>・オブジェクトへのアクセス</a:t>
+            </a:r>
+            <a:endParaRPr lang="en-US" altLang="ja-JP" dirty="0"/>
+          </a:p>
+          <a:p>
+            <a:r>
+              <a:rPr kumimoji="1" lang="ja-JP" altLang="en-US" dirty="0"/>
+              <a:t>・プリミティブ型 </a:t>
+            </a:r>
+            <a:r>
+              <a:rPr kumimoji="1" lang="en-US" altLang="ja-JP" dirty="0"/>
+              <a:t>vs </a:t>
+            </a:r>
+            <a:r>
+              <a:rPr kumimoji="1" lang="ja-JP" altLang="en-US" dirty="0"/>
+              <a:t>オブジェクト型　（値渡し　参照渡し）</a:t>
+            </a:r>
+            <a:endParaRPr kumimoji="1" lang="en-US" altLang="ja-JP" dirty="0"/>
+          </a:p>
+          <a:p>
+            <a:r>
+              <a:rPr lang="ja-JP" altLang="en-US" dirty="0"/>
+              <a:t>・プログラミングって本当に楽しいんだ！</a:t>
+            </a:r>
+            <a:endParaRPr lang="en-US" altLang="ja-JP" dirty="0"/>
+          </a:p>
+          <a:p>
+            <a:r>
+              <a:rPr kumimoji="1" lang="ja-JP" altLang="en-US" dirty="0"/>
+              <a:t>・日々めんどくせーと思ってることも、意外と楽にできる方法あるかも。</a:t>
+            </a:r>
+            <a:endParaRPr kumimoji="1" lang="en-US" altLang="ja-JP" dirty="0"/>
+          </a:p>
+          <a:p>
+            <a:r>
+              <a:rPr lang="ja-JP" altLang="en-US" dirty="0"/>
+              <a:t>　その手段がプログラミング</a:t>
+            </a:r>
+            <a:endParaRPr lang="en-US" altLang="ja-JP" dirty="0"/>
+          </a:p>
+          <a:p>
+            <a:endParaRPr kumimoji="1" lang="en-US" altLang="ja-JP" dirty="0"/>
+          </a:p>
+          <a:p>
+            <a:endParaRPr lang="en-US" altLang="ja-JP" dirty="0"/>
+          </a:p>
+          <a:p>
+            <a:r>
+              <a:rPr kumimoji="1" lang="ja-JP" altLang="en-US" dirty="0"/>
+              <a:t>◆今後積み上げたいスキル</a:t>
+            </a:r>
+            <a:endParaRPr lang="en-US" altLang="ja-JP" dirty="0"/>
+          </a:p>
+          <a:p>
+            <a:r>
+              <a:rPr kumimoji="1" lang="ja-JP" altLang="en-US" dirty="0"/>
+              <a:t>・高度なコード</a:t>
+            </a:r>
+            <a:endParaRPr kumimoji="1" lang="en-US" altLang="ja-JP" dirty="0"/>
+          </a:p>
+          <a:p>
+            <a:r>
+              <a:rPr lang="ja-JP" altLang="en-US" dirty="0"/>
+              <a:t>・</a:t>
+            </a:r>
+            <a:r>
+              <a:rPr lang="en-US" altLang="ja-JP" dirty="0"/>
+              <a:t>Html</a:t>
+            </a:r>
+            <a:r>
+              <a:rPr lang="ja-JP" altLang="en-US" dirty="0"/>
+              <a:t>、</a:t>
+            </a:r>
+            <a:r>
+              <a:rPr lang="en-US" altLang="ja-JP" dirty="0"/>
+              <a:t>CSS</a:t>
+            </a:r>
+            <a:r>
+              <a:rPr lang="ja-JP" altLang="en-US" dirty="0"/>
+              <a:t>を駆使したレイアウト（突貫工事）</a:t>
+            </a:r>
+            <a:endParaRPr lang="en-US" altLang="ja-JP" dirty="0"/>
+          </a:p>
+          <a:p>
+            <a:r>
+              <a:rPr kumimoji="1" lang="ja-JP" altLang="en-US" dirty="0"/>
+              <a:t>・サーバーサイドの構築</a:t>
+            </a:r>
+            <a:endParaRPr kumimoji="1" lang="en-US" altLang="ja-JP" dirty="0"/>
+          </a:p>
+          <a:p>
+            <a:r>
+              <a:rPr lang="ja-JP" altLang="en-US" dirty="0"/>
+              <a:t>・日々の業務効率につながるソフトウェアを企画できる力</a:t>
+            </a:r>
+            <a:endParaRPr kumimoji="1" lang="en-US" altLang="ja-JP" dirty="0"/>
+          </a:p>
+          <a:p>
+            <a:endParaRPr kumimoji="1" lang="en-US" altLang="ja-JP" dirty="0"/>
+          </a:p>
+          <a:p>
+            <a:endParaRPr lang="en-US" altLang="ja-JP" dirty="0"/>
+          </a:p>
+        </p:txBody>
+      </p:sp>
+    </p:spTree>
+    <p:extLst>
+      <p:ext uri="{BB962C8B-B14F-4D97-AF65-F5344CB8AC3E}">
+        <p14:creationId xmlns:p14="http://schemas.microsoft.com/office/powerpoint/2010/main" val="3524710904"/>
+      </p:ext>
+    </p:extLst>
+  </p:cSld>
+  <p:clrMapOvr>
+    <a:masterClrMapping/>
+  </p:clrMapOvr>
+</p:sld>
+</file>
+
+<file path=ppt/slides/slide5.xml><?xml version="1.0" encoding="utf-8"?>
+<p:sld xmlns:a="http://schemas.openxmlformats.org/drawingml/2006/main" xmlns:r="http://schemas.openxmlformats.org/officeDocument/2006/relationships" xmlns:p="http://schemas.openxmlformats.org/presentationml/2006/main">
+  <p:cSld>
+    <p:spTree>
+      <p:nvGrpSpPr>
+        <p:cNvPr id="1" name=""/>
+        <p:cNvGrpSpPr/>
+        <p:nvPr/>
+      </p:nvGrpSpPr>
+      <p:grpSpPr>
+        <a:xfrm>
+          <a:off x="0" y="0"/>
+          <a:ext cx="0" cy="0"/>
+          <a:chOff x="0" y="0"/>
+          <a:chExt cx="0" cy="0"/>
+        </a:xfrm>
+      </p:grpSpPr>
     </p:spTree>
     <p:extLst>
       <p:ext uri="{BB962C8B-B14F-4D97-AF65-F5344CB8AC3E}">
@@ -4019,7 +4456,7 @@
 </p:sld>
 </file>
 
-<file path=ppt/slides/slide5.xml><?xml version="1.0" encoding="utf-8"?>
+<file path=ppt/slides/slide6.xml><?xml version="1.0" encoding="utf-8"?>
 <p:sld xmlns:a="http://schemas.openxmlformats.org/drawingml/2006/main" xmlns:r="http://schemas.openxmlformats.org/officeDocument/2006/relationships" xmlns:p="http://schemas.openxmlformats.org/presentationml/2006/main">
   <p:cSld>
     <p:spTree>

--- a/digfinalpresentation/explanation/image/slide_master.pptx
+++ b/digfinalpresentation/explanation/image/slide_master.pptx
@@ -8,16 +8,17 @@
     <p:sldId id="256" r:id="rId2"/>
     <p:sldId id="262" r:id="rId3"/>
     <p:sldId id="264" r:id="rId4"/>
-    <p:sldId id="266" r:id="rId5"/>
+    <p:sldId id="269" r:id="rId5"/>
     <p:sldId id="267" r:id="rId6"/>
-    <p:sldId id="260" r:id="rId7"/>
-    <p:sldId id="263" r:id="rId8"/>
-    <p:sldId id="268" r:id="rId9"/>
-    <p:sldId id="265" r:id="rId10"/>
-    <p:sldId id="257" r:id="rId11"/>
-    <p:sldId id="261" r:id="rId12"/>
-    <p:sldId id="258" r:id="rId13"/>
-    <p:sldId id="259" r:id="rId14"/>
+    <p:sldId id="266" r:id="rId7"/>
+    <p:sldId id="260" r:id="rId8"/>
+    <p:sldId id="263" r:id="rId9"/>
+    <p:sldId id="268" r:id="rId10"/>
+    <p:sldId id="265" r:id="rId11"/>
+    <p:sldId id="257" r:id="rId12"/>
+    <p:sldId id="261" r:id="rId13"/>
+    <p:sldId id="258" r:id="rId14"/>
+    <p:sldId id="259" r:id="rId15"/>
   </p:sldIdLst>
   <p:sldSz cx="12192000" cy="6858000"/>
   <p:notesSz cx="6858000" cy="9144000"/>
@@ -6103,8 +6104,8 @@
         </p:nvSpPr>
         <p:spPr>
           <a:xfrm>
-            <a:off x="2584579" y="513184"/>
-            <a:ext cx="6827510" cy="923330"/>
+            <a:off x="2068391" y="558063"/>
+            <a:ext cx="7545655" cy="923330"/>
           </a:xfrm>
           <a:prstGeom prst="rect">
             <a:avLst/>
@@ -6119,7 +6120,7 @@
           <a:p>
             <a:r>
               <a:rPr kumimoji="1" lang="ja-JP" altLang="en-US" sz="2800" dirty="0"/>
-              <a:t>ちょっと　</a:t>
+              <a:t>ちょっとした　</a:t>
             </a:r>
             <a:r>
               <a:rPr kumimoji="1" lang="ja-JP" altLang="en-US" sz="5400" b="1" dirty="0"/>
@@ -6143,6 +6144,1964 @@
 </file>
 
 <file path=ppt/slides/slide10.xml><?xml version="1.0" encoding="utf-8"?>
+<p:sld xmlns:a="http://schemas.openxmlformats.org/drawingml/2006/main" xmlns:r="http://schemas.openxmlformats.org/officeDocument/2006/relationships" xmlns:p="http://schemas.openxmlformats.org/presentationml/2006/main">
+  <p:cSld>
+    <p:spTree>
+      <p:nvGrpSpPr>
+        <p:cNvPr id="1" name=""/>
+        <p:cNvGrpSpPr/>
+        <p:nvPr/>
+      </p:nvGrpSpPr>
+      <p:grpSpPr>
+        <a:xfrm>
+          <a:off x="0" y="0"/>
+          <a:ext cx="0" cy="0"/>
+          <a:chOff x="0" y="0"/>
+          <a:chExt cx="0" cy="0"/>
+        </a:xfrm>
+      </p:grpSpPr>
+      <p:grpSp>
+        <p:nvGrpSpPr>
+          <p:cNvPr id="20" name="グループ化 19">
+            <a:extLst>
+              <a:ext uri="{FF2B5EF4-FFF2-40B4-BE49-F238E27FC236}">
+                <a16:creationId xmlns:a16="http://schemas.microsoft.com/office/drawing/2014/main" id="{6D6F9C7A-7057-2093-F8C2-2FAAD92E8BAE}"/>
+              </a:ext>
+            </a:extLst>
+          </p:cNvPr>
+          <p:cNvGrpSpPr/>
+          <p:nvPr/>
+        </p:nvGrpSpPr>
+        <p:grpSpPr>
+          <a:xfrm>
+            <a:off x="1902149" y="93749"/>
+            <a:ext cx="8974857" cy="6736035"/>
+            <a:chOff x="1902149" y="93750"/>
+            <a:chExt cx="7565701" cy="5678400"/>
+          </a:xfrm>
+        </p:grpSpPr>
+        <p:sp>
+          <p:nvSpPr>
+            <p:cNvPr id="2" name="正方形/長方形 1">
+              <a:extLst>
+                <a:ext uri="{FF2B5EF4-FFF2-40B4-BE49-F238E27FC236}">
+                  <a16:creationId xmlns:a16="http://schemas.microsoft.com/office/drawing/2014/main" id="{4DB57607-F25E-C4E9-768E-86D9524E018A}"/>
+                </a:ext>
+              </a:extLst>
+            </p:cNvPr>
+            <p:cNvSpPr/>
+            <p:nvPr/>
+          </p:nvSpPr>
+          <p:spPr>
+            <a:xfrm>
+              <a:off x="3682909" y="828675"/>
+              <a:ext cx="3422469" cy="2379073"/>
+            </a:xfrm>
+            <a:prstGeom prst="rect">
+              <a:avLst/>
+            </a:prstGeom>
+            <a:noFill/>
+            <a:ln w="28575">
+              <a:solidFill>
+                <a:schemeClr val="tx1"/>
+              </a:solidFill>
+            </a:ln>
+          </p:spPr>
+          <p:style>
+            <a:lnRef idx="2">
+              <a:schemeClr val="accent1">
+                <a:shade val="50000"/>
+              </a:schemeClr>
+            </a:lnRef>
+            <a:fillRef idx="1">
+              <a:schemeClr val="accent1"/>
+            </a:fillRef>
+            <a:effectRef idx="0">
+              <a:schemeClr val="accent1"/>
+            </a:effectRef>
+            <a:fontRef idx="minor">
+              <a:schemeClr val="lt1"/>
+            </a:fontRef>
+          </p:style>
+          <p:txBody>
+            <a:bodyPr rtlCol="0" anchor="ctr"/>
+            <a:lstStyle/>
+            <a:p>
+              <a:pPr algn="ctr"/>
+              <a:endParaRPr kumimoji="1" lang="ja-JP" altLang="en-US"/>
+            </a:p>
+          </p:txBody>
+        </p:sp>
+        <p:sp>
+          <p:nvSpPr>
+            <p:cNvPr id="3" name="正方形/長方形 2">
+              <a:extLst>
+                <a:ext uri="{FF2B5EF4-FFF2-40B4-BE49-F238E27FC236}">
+                  <a16:creationId xmlns:a16="http://schemas.microsoft.com/office/drawing/2014/main" id="{DA8E6B9C-ACFA-8BFC-FAF7-C7FCFDC74536}"/>
+                </a:ext>
+              </a:extLst>
+            </p:cNvPr>
+            <p:cNvSpPr/>
+            <p:nvPr/>
+          </p:nvSpPr>
+          <p:spPr>
+            <a:xfrm>
+              <a:off x="3682909" y="828674"/>
+              <a:ext cx="592183" cy="2379074"/>
+            </a:xfrm>
+            <a:prstGeom prst="rect">
+              <a:avLst/>
+            </a:prstGeom>
+            <a:noFill/>
+            <a:ln w="28575">
+              <a:solidFill>
+                <a:schemeClr val="tx1"/>
+              </a:solidFill>
+            </a:ln>
+          </p:spPr>
+          <p:style>
+            <a:lnRef idx="2">
+              <a:schemeClr val="accent1">
+                <a:shade val="50000"/>
+              </a:schemeClr>
+            </a:lnRef>
+            <a:fillRef idx="1">
+              <a:schemeClr val="accent1"/>
+            </a:fillRef>
+            <a:effectRef idx="0">
+              <a:schemeClr val="accent1"/>
+            </a:effectRef>
+            <a:fontRef idx="minor">
+              <a:schemeClr val="lt1"/>
+            </a:fontRef>
+          </p:style>
+          <p:txBody>
+            <a:bodyPr rtlCol="0" anchor="ctr"/>
+            <a:lstStyle/>
+            <a:p>
+              <a:pPr algn="ctr"/>
+              <a:endParaRPr kumimoji="1" lang="ja-JP" altLang="en-US"/>
+            </a:p>
+          </p:txBody>
+        </p:sp>
+        <p:sp>
+          <p:nvSpPr>
+            <p:cNvPr id="4" name="正方形/長方形 3">
+              <a:extLst>
+                <a:ext uri="{FF2B5EF4-FFF2-40B4-BE49-F238E27FC236}">
+                  <a16:creationId xmlns:a16="http://schemas.microsoft.com/office/drawing/2014/main" id="{793EE186-2968-0096-8C6B-439D128A5612}"/>
+                </a:ext>
+              </a:extLst>
+            </p:cNvPr>
+            <p:cNvSpPr/>
+            <p:nvPr/>
+          </p:nvSpPr>
+          <p:spPr>
+            <a:xfrm>
+              <a:off x="3682909" y="4331154"/>
+              <a:ext cx="592183" cy="984068"/>
+            </a:xfrm>
+            <a:prstGeom prst="rect">
+              <a:avLst/>
+            </a:prstGeom>
+            <a:noFill/>
+            <a:ln w="28575">
+              <a:solidFill>
+                <a:schemeClr val="tx1"/>
+              </a:solidFill>
+            </a:ln>
+          </p:spPr>
+          <p:style>
+            <a:lnRef idx="2">
+              <a:schemeClr val="accent1">
+                <a:shade val="50000"/>
+              </a:schemeClr>
+            </a:lnRef>
+            <a:fillRef idx="1">
+              <a:schemeClr val="accent1"/>
+            </a:fillRef>
+            <a:effectRef idx="0">
+              <a:schemeClr val="accent1"/>
+            </a:effectRef>
+            <a:fontRef idx="minor">
+              <a:schemeClr val="lt1"/>
+            </a:fontRef>
+          </p:style>
+          <p:txBody>
+            <a:bodyPr rtlCol="0" anchor="ctr"/>
+            <a:lstStyle/>
+            <a:p>
+              <a:pPr algn="ctr"/>
+              <a:endParaRPr kumimoji="1" lang="ja-JP" altLang="en-US"/>
+            </a:p>
+          </p:txBody>
+        </p:sp>
+        <p:sp>
+          <p:nvSpPr>
+            <p:cNvPr id="5" name="正方形/長方形 4">
+              <a:extLst>
+                <a:ext uri="{FF2B5EF4-FFF2-40B4-BE49-F238E27FC236}">
+                  <a16:creationId xmlns:a16="http://schemas.microsoft.com/office/drawing/2014/main" id="{BB7E20F9-A390-E420-6C1C-34B87D868B93}"/>
+                </a:ext>
+              </a:extLst>
+            </p:cNvPr>
+            <p:cNvSpPr/>
+            <p:nvPr/>
+          </p:nvSpPr>
+          <p:spPr>
+            <a:xfrm>
+              <a:off x="4275092" y="4871084"/>
+              <a:ext cx="2830286" cy="444137"/>
+            </a:xfrm>
+            <a:prstGeom prst="rect">
+              <a:avLst/>
+            </a:prstGeom>
+            <a:noFill/>
+            <a:ln w="28575">
+              <a:solidFill>
+                <a:schemeClr val="tx1"/>
+              </a:solidFill>
+            </a:ln>
+          </p:spPr>
+          <p:style>
+            <a:lnRef idx="2">
+              <a:schemeClr val="accent1">
+                <a:shade val="50000"/>
+              </a:schemeClr>
+            </a:lnRef>
+            <a:fillRef idx="1">
+              <a:schemeClr val="accent1"/>
+            </a:fillRef>
+            <a:effectRef idx="0">
+              <a:schemeClr val="accent1"/>
+            </a:effectRef>
+            <a:fontRef idx="minor">
+              <a:schemeClr val="lt1"/>
+            </a:fontRef>
+          </p:style>
+          <p:txBody>
+            <a:bodyPr rtlCol="0" anchor="ctr"/>
+            <a:lstStyle/>
+            <a:p>
+              <a:pPr algn="ctr"/>
+              <a:endParaRPr kumimoji="1" lang="ja-JP" altLang="en-US"/>
+            </a:p>
+          </p:txBody>
+        </p:sp>
+        <p:sp>
+          <p:nvSpPr>
+            <p:cNvPr id="6" name="正方形/長方形 5">
+              <a:extLst>
+                <a:ext uri="{FF2B5EF4-FFF2-40B4-BE49-F238E27FC236}">
+                  <a16:creationId xmlns:a16="http://schemas.microsoft.com/office/drawing/2014/main" id="{9071A62F-35CC-AAF1-7B5F-0839E68129A2}"/>
+                </a:ext>
+              </a:extLst>
+            </p:cNvPr>
+            <p:cNvSpPr/>
+            <p:nvPr/>
+          </p:nvSpPr>
+          <p:spPr>
+            <a:xfrm>
+              <a:off x="4179298" y="4902833"/>
+              <a:ext cx="200297" cy="383542"/>
+            </a:xfrm>
+            <a:prstGeom prst="rect">
+              <a:avLst/>
+            </a:prstGeom>
+            <a:solidFill>
+              <a:schemeClr val="bg1"/>
+            </a:solidFill>
+            <a:ln>
+              <a:solidFill>
+                <a:schemeClr val="bg1"/>
+              </a:solidFill>
+            </a:ln>
+          </p:spPr>
+          <p:style>
+            <a:lnRef idx="2">
+              <a:schemeClr val="accent1">
+                <a:shade val="50000"/>
+              </a:schemeClr>
+            </a:lnRef>
+            <a:fillRef idx="1">
+              <a:schemeClr val="accent1"/>
+            </a:fillRef>
+            <a:effectRef idx="0">
+              <a:schemeClr val="accent1"/>
+            </a:effectRef>
+            <a:fontRef idx="minor">
+              <a:schemeClr val="lt1"/>
+            </a:fontRef>
+          </p:style>
+          <p:txBody>
+            <a:bodyPr rtlCol="0" anchor="ctr"/>
+            <a:lstStyle/>
+            <a:p>
+              <a:pPr algn="ctr"/>
+              <a:endParaRPr kumimoji="1" lang="ja-JP" altLang="en-US"/>
+            </a:p>
+          </p:txBody>
+        </p:sp>
+        <p:sp>
+          <p:nvSpPr>
+            <p:cNvPr id="7" name="正方形/長方形 6">
+              <a:extLst>
+                <a:ext uri="{FF2B5EF4-FFF2-40B4-BE49-F238E27FC236}">
+                  <a16:creationId xmlns:a16="http://schemas.microsoft.com/office/drawing/2014/main" id="{B458BE5D-C30F-26DB-72C0-F492C4E723F4}"/>
+                </a:ext>
+              </a:extLst>
+            </p:cNvPr>
+            <p:cNvSpPr/>
+            <p:nvPr/>
+          </p:nvSpPr>
+          <p:spPr>
+            <a:xfrm>
+              <a:off x="8162924" y="828674"/>
+              <a:ext cx="982800" cy="2379074"/>
+            </a:xfrm>
+            <a:prstGeom prst="rect">
+              <a:avLst/>
+            </a:prstGeom>
+            <a:noFill/>
+            <a:ln w="28575">
+              <a:solidFill>
+                <a:schemeClr val="tx1"/>
+              </a:solidFill>
+            </a:ln>
+          </p:spPr>
+          <p:style>
+            <a:lnRef idx="2">
+              <a:schemeClr val="accent1">
+                <a:shade val="50000"/>
+              </a:schemeClr>
+            </a:lnRef>
+            <a:fillRef idx="1">
+              <a:schemeClr val="accent1"/>
+            </a:fillRef>
+            <a:effectRef idx="0">
+              <a:schemeClr val="accent1"/>
+            </a:effectRef>
+            <a:fontRef idx="minor">
+              <a:schemeClr val="lt1"/>
+            </a:fontRef>
+          </p:style>
+          <p:txBody>
+            <a:bodyPr rtlCol="0" anchor="ctr"/>
+            <a:lstStyle/>
+            <a:p>
+              <a:pPr algn="ctr"/>
+              <a:endParaRPr kumimoji="1" lang="ja-JP" altLang="en-US"/>
+            </a:p>
+          </p:txBody>
+        </p:sp>
+        <p:sp>
+          <p:nvSpPr>
+            <p:cNvPr id="8" name="正方形/長方形 7">
+              <a:extLst>
+                <a:ext uri="{FF2B5EF4-FFF2-40B4-BE49-F238E27FC236}">
+                  <a16:creationId xmlns:a16="http://schemas.microsoft.com/office/drawing/2014/main" id="{3A2B13F5-D9E3-707E-00FC-5DE057A45746}"/>
+                </a:ext>
+              </a:extLst>
+            </p:cNvPr>
+            <p:cNvSpPr/>
+            <p:nvPr/>
+          </p:nvSpPr>
+          <p:spPr>
+            <a:xfrm>
+              <a:off x="8705849" y="828674"/>
+              <a:ext cx="442800" cy="2379074"/>
+            </a:xfrm>
+            <a:prstGeom prst="rect">
+              <a:avLst/>
+            </a:prstGeom>
+            <a:noFill/>
+            <a:ln w="28575">
+              <a:solidFill>
+                <a:schemeClr val="tx1"/>
+              </a:solidFill>
+            </a:ln>
+          </p:spPr>
+          <p:style>
+            <a:lnRef idx="2">
+              <a:schemeClr val="accent1">
+                <a:shade val="50000"/>
+              </a:schemeClr>
+            </a:lnRef>
+            <a:fillRef idx="1">
+              <a:schemeClr val="accent1"/>
+            </a:fillRef>
+            <a:effectRef idx="0">
+              <a:schemeClr val="accent1"/>
+            </a:effectRef>
+            <a:fontRef idx="minor">
+              <a:schemeClr val="lt1"/>
+            </a:fontRef>
+          </p:style>
+          <p:txBody>
+            <a:bodyPr rtlCol="0" anchor="ctr"/>
+            <a:lstStyle/>
+            <a:p>
+              <a:pPr algn="ctr"/>
+              <a:endParaRPr kumimoji="1" lang="ja-JP" altLang="en-US"/>
+            </a:p>
+          </p:txBody>
+        </p:sp>
+        <p:cxnSp>
+          <p:nvCxnSpPr>
+            <p:cNvPr id="12" name="直線コネクタ 11">
+              <a:extLst>
+                <a:ext uri="{FF2B5EF4-FFF2-40B4-BE49-F238E27FC236}">
+                  <a16:creationId xmlns:a16="http://schemas.microsoft.com/office/drawing/2014/main" id="{BC8C1C69-3E78-7A19-30E3-9CCEFD47D7CC}"/>
+                </a:ext>
+              </a:extLst>
+            </p:cNvPr>
+            <p:cNvCxnSpPr/>
+            <p:nvPr/>
+          </p:nvCxnSpPr>
+          <p:spPr>
+            <a:xfrm>
+              <a:off x="3481523" y="438150"/>
+              <a:ext cx="0" cy="5334000"/>
+            </a:xfrm>
+            <a:prstGeom prst="line">
+              <a:avLst/>
+            </a:prstGeom>
+            <a:ln>
+              <a:solidFill>
+                <a:schemeClr val="tx1"/>
+              </a:solidFill>
+            </a:ln>
+          </p:spPr>
+          <p:style>
+            <a:lnRef idx="1">
+              <a:schemeClr val="accent1"/>
+            </a:lnRef>
+            <a:fillRef idx="0">
+              <a:schemeClr val="accent1"/>
+            </a:fillRef>
+            <a:effectRef idx="0">
+              <a:schemeClr val="accent1"/>
+            </a:effectRef>
+            <a:fontRef idx="minor">
+              <a:schemeClr val="tx1"/>
+            </a:fontRef>
+          </p:style>
+        </p:cxnSp>
+        <p:cxnSp>
+          <p:nvCxnSpPr>
+            <p:cNvPr id="13" name="直線コネクタ 12">
+              <a:extLst>
+                <a:ext uri="{FF2B5EF4-FFF2-40B4-BE49-F238E27FC236}">
+                  <a16:creationId xmlns:a16="http://schemas.microsoft.com/office/drawing/2014/main" id="{7498423C-B603-CB15-F260-D3CB17A96F6B}"/>
+                </a:ext>
+              </a:extLst>
+            </p:cNvPr>
+            <p:cNvCxnSpPr/>
+            <p:nvPr/>
+          </p:nvCxnSpPr>
+          <p:spPr>
+            <a:xfrm>
+              <a:off x="5192758" y="438150"/>
+              <a:ext cx="0" cy="5334000"/>
+            </a:xfrm>
+            <a:prstGeom prst="line">
+              <a:avLst/>
+            </a:prstGeom>
+            <a:ln>
+              <a:solidFill>
+                <a:schemeClr val="tx1"/>
+              </a:solidFill>
+            </a:ln>
+          </p:spPr>
+          <p:style>
+            <a:lnRef idx="1">
+              <a:schemeClr val="accent1"/>
+            </a:lnRef>
+            <a:fillRef idx="0">
+              <a:schemeClr val="accent1"/>
+            </a:fillRef>
+            <a:effectRef idx="0">
+              <a:schemeClr val="accent1"/>
+            </a:effectRef>
+            <a:fontRef idx="minor">
+              <a:schemeClr val="tx1"/>
+            </a:fontRef>
+          </p:style>
+        </p:cxnSp>
+        <p:cxnSp>
+          <p:nvCxnSpPr>
+            <p:cNvPr id="15" name="直線コネクタ 14">
+              <a:extLst>
+                <a:ext uri="{FF2B5EF4-FFF2-40B4-BE49-F238E27FC236}">
+                  <a16:creationId xmlns:a16="http://schemas.microsoft.com/office/drawing/2014/main" id="{1B3997BE-5A50-C725-C0F1-54C6BE46DDA3}"/>
+                </a:ext>
+              </a:extLst>
+            </p:cNvPr>
+            <p:cNvCxnSpPr/>
+            <p:nvPr/>
+          </p:nvCxnSpPr>
+          <p:spPr>
+            <a:xfrm>
+              <a:off x="6903993" y="438150"/>
+              <a:ext cx="0" cy="5334000"/>
+            </a:xfrm>
+            <a:prstGeom prst="line">
+              <a:avLst/>
+            </a:prstGeom>
+            <a:ln>
+              <a:solidFill>
+                <a:schemeClr val="tx1"/>
+              </a:solidFill>
+            </a:ln>
+          </p:spPr>
+          <p:style>
+            <a:lnRef idx="1">
+              <a:schemeClr val="accent1"/>
+            </a:lnRef>
+            <a:fillRef idx="0">
+              <a:schemeClr val="accent1"/>
+            </a:fillRef>
+            <a:effectRef idx="0">
+              <a:schemeClr val="accent1"/>
+            </a:effectRef>
+            <a:fontRef idx="minor">
+              <a:schemeClr val="tx1"/>
+            </a:fontRef>
+          </p:style>
+        </p:cxnSp>
+        <p:cxnSp>
+          <p:nvCxnSpPr>
+            <p:cNvPr id="17" name="直線コネクタ 16">
+              <a:extLst>
+                <a:ext uri="{FF2B5EF4-FFF2-40B4-BE49-F238E27FC236}">
+                  <a16:creationId xmlns:a16="http://schemas.microsoft.com/office/drawing/2014/main" id="{C600F649-26D9-ADF4-7F8D-51FB6C6E7E0D}"/>
+                </a:ext>
+              </a:extLst>
+            </p:cNvPr>
+            <p:cNvCxnSpPr>
+              <a:cxnSpLocks/>
+            </p:cNvCxnSpPr>
+            <p:nvPr/>
+          </p:nvCxnSpPr>
+          <p:spPr>
+            <a:xfrm>
+              <a:off x="2486025" y="1072588"/>
+              <a:ext cx="6981825" cy="0"/>
+            </a:xfrm>
+            <a:prstGeom prst="line">
+              <a:avLst/>
+            </a:prstGeom>
+            <a:ln>
+              <a:solidFill>
+                <a:schemeClr val="tx1"/>
+              </a:solidFill>
+            </a:ln>
+          </p:spPr>
+          <p:style>
+            <a:lnRef idx="1">
+              <a:schemeClr val="accent1"/>
+            </a:lnRef>
+            <a:fillRef idx="0">
+              <a:schemeClr val="accent1"/>
+            </a:fillRef>
+            <a:effectRef idx="0">
+              <a:schemeClr val="accent1"/>
+            </a:effectRef>
+            <a:fontRef idx="minor">
+              <a:schemeClr val="tx1"/>
+            </a:fontRef>
+          </p:style>
+        </p:cxnSp>
+        <p:cxnSp>
+          <p:nvCxnSpPr>
+            <p:cNvPr id="19" name="直線コネクタ 18">
+              <a:extLst>
+                <a:ext uri="{FF2B5EF4-FFF2-40B4-BE49-F238E27FC236}">
+                  <a16:creationId xmlns:a16="http://schemas.microsoft.com/office/drawing/2014/main" id="{BAA62C0B-8620-3B8C-96DC-C25327878964}"/>
+                </a:ext>
+              </a:extLst>
+            </p:cNvPr>
+            <p:cNvCxnSpPr>
+              <a:cxnSpLocks/>
+            </p:cNvCxnSpPr>
+            <p:nvPr/>
+          </p:nvCxnSpPr>
+          <p:spPr>
+            <a:xfrm>
+              <a:off x="2657475" y="2782588"/>
+              <a:ext cx="6810375" cy="0"/>
+            </a:xfrm>
+            <a:prstGeom prst="line">
+              <a:avLst/>
+            </a:prstGeom>
+            <a:ln>
+              <a:solidFill>
+                <a:schemeClr val="tx1"/>
+              </a:solidFill>
+            </a:ln>
+          </p:spPr>
+          <p:style>
+            <a:lnRef idx="1">
+              <a:schemeClr val="accent1"/>
+            </a:lnRef>
+            <a:fillRef idx="0">
+              <a:schemeClr val="accent1"/>
+            </a:fillRef>
+            <a:effectRef idx="0">
+              <a:schemeClr val="accent1"/>
+            </a:effectRef>
+            <a:fontRef idx="minor">
+              <a:schemeClr val="tx1"/>
+            </a:fontRef>
+          </p:style>
+        </p:cxnSp>
+        <p:sp>
+          <p:nvSpPr>
+            <p:cNvPr id="23" name="楕円 22">
+              <a:extLst>
+                <a:ext uri="{FF2B5EF4-FFF2-40B4-BE49-F238E27FC236}">
+                  <a16:creationId xmlns:a16="http://schemas.microsoft.com/office/drawing/2014/main" id="{D6F17E38-3403-D6BB-143F-5A1E92B9E500}"/>
+                </a:ext>
+              </a:extLst>
+            </p:cNvPr>
+            <p:cNvSpPr/>
+            <p:nvPr/>
+          </p:nvSpPr>
+          <p:spPr>
+            <a:xfrm>
+              <a:off x="4726256" y="1790701"/>
+              <a:ext cx="418653" cy="418653"/>
+            </a:xfrm>
+            <a:prstGeom prst="ellipse">
+              <a:avLst/>
+            </a:prstGeom>
+            <a:noFill/>
+            <a:ln w="28575">
+              <a:solidFill>
+                <a:schemeClr val="tx1"/>
+              </a:solidFill>
+            </a:ln>
+          </p:spPr>
+          <p:style>
+            <a:lnRef idx="2">
+              <a:schemeClr val="accent1">
+                <a:shade val="50000"/>
+              </a:schemeClr>
+            </a:lnRef>
+            <a:fillRef idx="1">
+              <a:schemeClr val="accent1"/>
+            </a:fillRef>
+            <a:effectRef idx="0">
+              <a:schemeClr val="accent1"/>
+            </a:effectRef>
+            <a:fontRef idx="minor">
+              <a:schemeClr val="lt1"/>
+            </a:fontRef>
+          </p:style>
+          <p:txBody>
+            <a:bodyPr rtlCol="0" anchor="ctr"/>
+            <a:lstStyle/>
+            <a:p>
+              <a:pPr algn="ctr"/>
+              <a:endParaRPr kumimoji="1" lang="ja-JP" altLang="en-US"/>
+            </a:p>
+          </p:txBody>
+        </p:sp>
+        <p:sp>
+          <p:nvSpPr>
+            <p:cNvPr id="25" name="楕円 24">
+              <a:extLst>
+                <a:ext uri="{FF2B5EF4-FFF2-40B4-BE49-F238E27FC236}">
+                  <a16:creationId xmlns:a16="http://schemas.microsoft.com/office/drawing/2014/main" id="{024CD2FE-89CC-5CED-65EF-E79F8620455D}"/>
+                </a:ext>
+              </a:extLst>
+            </p:cNvPr>
+            <p:cNvSpPr/>
+            <p:nvPr/>
+          </p:nvSpPr>
+          <p:spPr>
+            <a:xfrm>
+              <a:off x="6437316" y="1790701"/>
+              <a:ext cx="418653" cy="418653"/>
+            </a:xfrm>
+            <a:prstGeom prst="ellipse">
+              <a:avLst/>
+            </a:prstGeom>
+            <a:noFill/>
+            <a:ln w="28575">
+              <a:solidFill>
+                <a:schemeClr val="tx1"/>
+              </a:solidFill>
+            </a:ln>
+          </p:spPr>
+          <p:style>
+            <a:lnRef idx="2">
+              <a:schemeClr val="accent1">
+                <a:shade val="50000"/>
+              </a:schemeClr>
+            </a:lnRef>
+            <a:fillRef idx="1">
+              <a:schemeClr val="accent1"/>
+            </a:fillRef>
+            <a:effectRef idx="0">
+              <a:schemeClr val="accent1"/>
+            </a:effectRef>
+            <a:fontRef idx="minor">
+              <a:schemeClr val="lt1"/>
+            </a:fontRef>
+          </p:style>
+          <p:txBody>
+            <a:bodyPr rtlCol="0" anchor="ctr"/>
+            <a:lstStyle/>
+            <a:p>
+              <a:pPr algn="ctr"/>
+              <a:endParaRPr kumimoji="1" lang="ja-JP" altLang="en-US"/>
+            </a:p>
+          </p:txBody>
+        </p:sp>
+        <p:sp>
+          <p:nvSpPr>
+            <p:cNvPr id="26" name="正方形/長方形 25">
+              <a:extLst>
+                <a:ext uri="{FF2B5EF4-FFF2-40B4-BE49-F238E27FC236}">
+                  <a16:creationId xmlns:a16="http://schemas.microsoft.com/office/drawing/2014/main" id="{2873AF15-9EF9-3E08-3353-6C74C643ACD4}"/>
+                </a:ext>
+              </a:extLst>
+            </p:cNvPr>
+            <p:cNvSpPr/>
+            <p:nvPr/>
+          </p:nvSpPr>
+          <p:spPr>
+            <a:xfrm>
+              <a:off x="8702924" y="1790700"/>
+              <a:ext cx="442800" cy="418651"/>
+            </a:xfrm>
+            <a:prstGeom prst="rect">
+              <a:avLst/>
+            </a:prstGeom>
+            <a:noFill/>
+            <a:ln w="28575">
+              <a:solidFill>
+                <a:schemeClr val="tx1"/>
+              </a:solidFill>
+            </a:ln>
+          </p:spPr>
+          <p:style>
+            <a:lnRef idx="2">
+              <a:schemeClr val="accent1">
+                <a:shade val="50000"/>
+              </a:schemeClr>
+            </a:lnRef>
+            <a:fillRef idx="1">
+              <a:schemeClr val="accent1"/>
+            </a:fillRef>
+            <a:effectRef idx="0">
+              <a:schemeClr val="accent1"/>
+            </a:effectRef>
+            <a:fontRef idx="minor">
+              <a:schemeClr val="lt1"/>
+            </a:fontRef>
+          </p:style>
+          <p:txBody>
+            <a:bodyPr rtlCol="0" anchor="ctr"/>
+            <a:lstStyle/>
+            <a:p>
+              <a:pPr algn="ctr"/>
+              <a:endParaRPr kumimoji="1" lang="ja-JP" altLang="en-US"/>
+            </a:p>
+          </p:txBody>
+        </p:sp>
+        <p:sp>
+          <p:nvSpPr>
+            <p:cNvPr id="27" name="正方形/長方形 26">
+              <a:extLst>
+                <a:ext uri="{FF2B5EF4-FFF2-40B4-BE49-F238E27FC236}">
+                  <a16:creationId xmlns:a16="http://schemas.microsoft.com/office/drawing/2014/main" id="{5DB27AA3-345B-A34E-1A01-EB5CA1BB2054}"/>
+                </a:ext>
+              </a:extLst>
+            </p:cNvPr>
+            <p:cNvSpPr/>
+            <p:nvPr/>
+          </p:nvSpPr>
+          <p:spPr>
+            <a:xfrm rot="5400000">
+              <a:off x="4713505" y="4880609"/>
+              <a:ext cx="442800" cy="418651"/>
+            </a:xfrm>
+            <a:prstGeom prst="rect">
+              <a:avLst/>
+            </a:prstGeom>
+            <a:noFill/>
+            <a:ln w="28575">
+              <a:solidFill>
+                <a:schemeClr val="tx1"/>
+              </a:solidFill>
+            </a:ln>
+          </p:spPr>
+          <p:style>
+            <a:lnRef idx="2">
+              <a:schemeClr val="accent1">
+                <a:shade val="50000"/>
+              </a:schemeClr>
+            </a:lnRef>
+            <a:fillRef idx="1">
+              <a:schemeClr val="accent1"/>
+            </a:fillRef>
+            <a:effectRef idx="0">
+              <a:schemeClr val="accent1"/>
+            </a:effectRef>
+            <a:fontRef idx="minor">
+              <a:schemeClr val="lt1"/>
+            </a:fontRef>
+          </p:style>
+          <p:txBody>
+            <a:bodyPr rtlCol="0" anchor="ctr"/>
+            <a:lstStyle/>
+            <a:p>
+              <a:pPr algn="ctr"/>
+              <a:endParaRPr kumimoji="1" lang="ja-JP" altLang="en-US"/>
+            </a:p>
+          </p:txBody>
+        </p:sp>
+        <p:sp>
+          <p:nvSpPr>
+            <p:cNvPr id="28" name="正方形/長方形 27">
+              <a:extLst>
+                <a:ext uri="{FF2B5EF4-FFF2-40B4-BE49-F238E27FC236}">
+                  <a16:creationId xmlns:a16="http://schemas.microsoft.com/office/drawing/2014/main" id="{9BF00707-EA19-990A-DB27-0500F14E4A93}"/>
+                </a:ext>
+              </a:extLst>
+            </p:cNvPr>
+            <p:cNvSpPr/>
+            <p:nvPr/>
+          </p:nvSpPr>
+          <p:spPr>
+            <a:xfrm rot="5400000">
+              <a:off x="6424739" y="4880610"/>
+              <a:ext cx="442800" cy="418651"/>
+            </a:xfrm>
+            <a:prstGeom prst="rect">
+              <a:avLst/>
+            </a:prstGeom>
+            <a:noFill/>
+            <a:ln w="28575">
+              <a:solidFill>
+                <a:schemeClr val="tx1"/>
+              </a:solidFill>
+            </a:ln>
+          </p:spPr>
+          <p:style>
+            <a:lnRef idx="2">
+              <a:schemeClr val="accent1">
+                <a:shade val="50000"/>
+              </a:schemeClr>
+            </a:lnRef>
+            <a:fillRef idx="1">
+              <a:schemeClr val="accent1"/>
+            </a:fillRef>
+            <a:effectRef idx="0">
+              <a:schemeClr val="accent1"/>
+            </a:effectRef>
+            <a:fontRef idx="minor">
+              <a:schemeClr val="lt1"/>
+            </a:fontRef>
+          </p:style>
+          <p:txBody>
+            <a:bodyPr rtlCol="0" anchor="ctr"/>
+            <a:lstStyle/>
+            <a:p>
+              <a:pPr algn="ctr"/>
+              <a:endParaRPr kumimoji="1" lang="ja-JP" altLang="en-US"/>
+            </a:p>
+          </p:txBody>
+        </p:sp>
+        <p:cxnSp>
+          <p:nvCxnSpPr>
+            <p:cNvPr id="30" name="直線コネクタ 29">
+              <a:extLst>
+                <a:ext uri="{FF2B5EF4-FFF2-40B4-BE49-F238E27FC236}">
+                  <a16:creationId xmlns:a16="http://schemas.microsoft.com/office/drawing/2014/main" id="{7EB04F2E-5481-D647-D752-96ECAC36A42C}"/>
+                </a:ext>
+              </a:extLst>
+            </p:cNvPr>
+            <p:cNvCxnSpPr>
+              <a:cxnSpLocks/>
+            </p:cNvCxnSpPr>
+            <p:nvPr/>
+          </p:nvCxnSpPr>
+          <p:spPr>
+            <a:xfrm>
+              <a:off x="4476750" y="2000025"/>
+              <a:ext cx="917393" cy="0"/>
+            </a:xfrm>
+            <a:prstGeom prst="line">
+              <a:avLst/>
+            </a:prstGeom>
+            <a:ln>
+              <a:solidFill>
+                <a:schemeClr val="tx1"/>
+              </a:solidFill>
+              <a:prstDash val="lgDashDot"/>
+            </a:ln>
+          </p:spPr>
+          <p:style>
+            <a:lnRef idx="1">
+              <a:schemeClr val="accent1"/>
+            </a:lnRef>
+            <a:fillRef idx="0">
+              <a:schemeClr val="accent1"/>
+            </a:fillRef>
+            <a:effectRef idx="0">
+              <a:schemeClr val="accent1"/>
+            </a:effectRef>
+            <a:fontRef idx="minor">
+              <a:schemeClr val="tx1"/>
+            </a:fontRef>
+          </p:style>
+        </p:cxnSp>
+        <p:cxnSp>
+          <p:nvCxnSpPr>
+            <p:cNvPr id="32" name="直線コネクタ 31">
+              <a:extLst>
+                <a:ext uri="{FF2B5EF4-FFF2-40B4-BE49-F238E27FC236}">
+                  <a16:creationId xmlns:a16="http://schemas.microsoft.com/office/drawing/2014/main" id="{7A131E2A-6FAE-86F7-29FB-C48FA6E463F5}"/>
+                </a:ext>
+              </a:extLst>
+            </p:cNvPr>
+            <p:cNvCxnSpPr>
+              <a:cxnSpLocks/>
+            </p:cNvCxnSpPr>
+            <p:nvPr/>
+          </p:nvCxnSpPr>
+          <p:spPr>
+            <a:xfrm>
+              <a:off x="6187985" y="2000025"/>
+              <a:ext cx="917393" cy="0"/>
+            </a:xfrm>
+            <a:prstGeom prst="line">
+              <a:avLst/>
+            </a:prstGeom>
+            <a:ln>
+              <a:solidFill>
+                <a:schemeClr val="tx1"/>
+              </a:solidFill>
+              <a:prstDash val="lgDashDot"/>
+            </a:ln>
+          </p:spPr>
+          <p:style>
+            <a:lnRef idx="1">
+              <a:schemeClr val="accent1"/>
+            </a:lnRef>
+            <a:fillRef idx="0">
+              <a:schemeClr val="accent1"/>
+            </a:fillRef>
+            <a:effectRef idx="0">
+              <a:schemeClr val="accent1"/>
+            </a:effectRef>
+            <a:fontRef idx="minor">
+              <a:schemeClr val="tx1"/>
+            </a:fontRef>
+          </p:style>
+        </p:cxnSp>
+        <p:cxnSp>
+          <p:nvCxnSpPr>
+            <p:cNvPr id="33" name="直線コネクタ 32">
+              <a:extLst>
+                <a:ext uri="{FF2B5EF4-FFF2-40B4-BE49-F238E27FC236}">
+                  <a16:creationId xmlns:a16="http://schemas.microsoft.com/office/drawing/2014/main" id="{8168459F-91D9-6E70-E67F-DAE4DEA426D5}"/>
+                </a:ext>
+              </a:extLst>
+            </p:cNvPr>
+            <p:cNvCxnSpPr>
+              <a:cxnSpLocks/>
+            </p:cNvCxnSpPr>
+            <p:nvPr/>
+          </p:nvCxnSpPr>
+          <p:spPr>
+            <a:xfrm>
+              <a:off x="8465627" y="2000025"/>
+              <a:ext cx="917393" cy="0"/>
+            </a:xfrm>
+            <a:prstGeom prst="line">
+              <a:avLst/>
+            </a:prstGeom>
+            <a:ln>
+              <a:solidFill>
+                <a:schemeClr val="tx1"/>
+              </a:solidFill>
+              <a:prstDash val="lgDashDot"/>
+            </a:ln>
+          </p:spPr>
+          <p:style>
+            <a:lnRef idx="1">
+              <a:schemeClr val="accent1"/>
+            </a:lnRef>
+            <a:fillRef idx="0">
+              <a:schemeClr val="accent1"/>
+            </a:fillRef>
+            <a:effectRef idx="0">
+              <a:schemeClr val="accent1"/>
+            </a:effectRef>
+            <a:fontRef idx="minor">
+              <a:schemeClr val="tx1"/>
+            </a:fontRef>
+          </p:style>
+        </p:cxnSp>
+        <p:cxnSp>
+          <p:nvCxnSpPr>
+            <p:cNvPr id="34" name="直線コネクタ 33">
+              <a:extLst>
+                <a:ext uri="{FF2B5EF4-FFF2-40B4-BE49-F238E27FC236}">
+                  <a16:creationId xmlns:a16="http://schemas.microsoft.com/office/drawing/2014/main" id="{69E23056-8BE4-C7A9-2A67-B56026FD25A5}"/>
+                </a:ext>
+              </a:extLst>
+            </p:cNvPr>
+            <p:cNvCxnSpPr>
+              <a:cxnSpLocks/>
+            </p:cNvCxnSpPr>
+            <p:nvPr/>
+          </p:nvCxnSpPr>
+          <p:spPr>
+            <a:xfrm>
+              <a:off x="6646139" y="1634129"/>
+              <a:ext cx="0" cy="768163"/>
+            </a:xfrm>
+            <a:prstGeom prst="line">
+              <a:avLst/>
+            </a:prstGeom>
+            <a:ln>
+              <a:solidFill>
+                <a:schemeClr val="tx1"/>
+              </a:solidFill>
+              <a:prstDash val="lgDashDot"/>
+            </a:ln>
+          </p:spPr>
+          <p:style>
+            <a:lnRef idx="1">
+              <a:schemeClr val="accent1"/>
+            </a:lnRef>
+            <a:fillRef idx="0">
+              <a:schemeClr val="accent1"/>
+            </a:fillRef>
+            <a:effectRef idx="0">
+              <a:schemeClr val="accent1"/>
+            </a:effectRef>
+            <a:fontRef idx="minor">
+              <a:schemeClr val="tx1"/>
+            </a:fontRef>
+          </p:style>
+        </p:cxnSp>
+        <p:cxnSp>
+          <p:nvCxnSpPr>
+            <p:cNvPr id="38" name="直線コネクタ 37">
+              <a:extLst>
+                <a:ext uri="{FF2B5EF4-FFF2-40B4-BE49-F238E27FC236}">
+                  <a16:creationId xmlns:a16="http://schemas.microsoft.com/office/drawing/2014/main" id="{17AE14D7-D5EB-CB44-BCB7-B662E78B9403}"/>
+                </a:ext>
+              </a:extLst>
+            </p:cNvPr>
+            <p:cNvCxnSpPr>
+              <a:cxnSpLocks/>
+            </p:cNvCxnSpPr>
+            <p:nvPr/>
+          </p:nvCxnSpPr>
+          <p:spPr>
+            <a:xfrm>
+              <a:off x="4934905" y="1634129"/>
+              <a:ext cx="0" cy="768163"/>
+            </a:xfrm>
+            <a:prstGeom prst="line">
+              <a:avLst/>
+            </a:prstGeom>
+            <a:ln>
+              <a:solidFill>
+                <a:schemeClr val="tx1"/>
+              </a:solidFill>
+              <a:prstDash val="lgDashDot"/>
+            </a:ln>
+          </p:spPr>
+          <p:style>
+            <a:lnRef idx="1">
+              <a:schemeClr val="accent1"/>
+            </a:lnRef>
+            <a:fillRef idx="0">
+              <a:schemeClr val="accent1"/>
+            </a:fillRef>
+            <a:effectRef idx="0">
+              <a:schemeClr val="accent1"/>
+            </a:effectRef>
+            <a:fontRef idx="minor">
+              <a:schemeClr val="tx1"/>
+            </a:fontRef>
+          </p:style>
+        </p:cxnSp>
+        <p:cxnSp>
+          <p:nvCxnSpPr>
+            <p:cNvPr id="39" name="直線コネクタ 38">
+              <a:extLst>
+                <a:ext uri="{FF2B5EF4-FFF2-40B4-BE49-F238E27FC236}">
+                  <a16:creationId xmlns:a16="http://schemas.microsoft.com/office/drawing/2014/main" id="{C2C5AEB5-9192-0027-F4F4-4DD2EE90C9CF}"/>
+                </a:ext>
+              </a:extLst>
+            </p:cNvPr>
+            <p:cNvCxnSpPr>
+              <a:cxnSpLocks/>
+            </p:cNvCxnSpPr>
+            <p:nvPr/>
+          </p:nvCxnSpPr>
+          <p:spPr>
+            <a:xfrm>
+              <a:off x="6646139" y="4705852"/>
+              <a:ext cx="0" cy="768163"/>
+            </a:xfrm>
+            <a:prstGeom prst="line">
+              <a:avLst/>
+            </a:prstGeom>
+            <a:ln>
+              <a:solidFill>
+                <a:schemeClr val="tx1"/>
+              </a:solidFill>
+              <a:prstDash val="lgDashDot"/>
+            </a:ln>
+          </p:spPr>
+          <p:style>
+            <a:lnRef idx="1">
+              <a:schemeClr val="accent1"/>
+            </a:lnRef>
+            <a:fillRef idx="0">
+              <a:schemeClr val="accent1"/>
+            </a:fillRef>
+            <a:effectRef idx="0">
+              <a:schemeClr val="accent1"/>
+            </a:effectRef>
+            <a:fontRef idx="minor">
+              <a:schemeClr val="tx1"/>
+            </a:fontRef>
+          </p:style>
+        </p:cxnSp>
+        <p:cxnSp>
+          <p:nvCxnSpPr>
+            <p:cNvPr id="40" name="直線コネクタ 39">
+              <a:extLst>
+                <a:ext uri="{FF2B5EF4-FFF2-40B4-BE49-F238E27FC236}">
+                  <a16:creationId xmlns:a16="http://schemas.microsoft.com/office/drawing/2014/main" id="{3DD33349-951A-270A-0130-872E5BE96F5E}"/>
+                </a:ext>
+              </a:extLst>
+            </p:cNvPr>
+            <p:cNvCxnSpPr>
+              <a:cxnSpLocks/>
+            </p:cNvCxnSpPr>
+            <p:nvPr/>
+          </p:nvCxnSpPr>
+          <p:spPr>
+            <a:xfrm>
+              <a:off x="4934905" y="4705852"/>
+              <a:ext cx="0" cy="768163"/>
+            </a:xfrm>
+            <a:prstGeom prst="line">
+              <a:avLst/>
+            </a:prstGeom>
+            <a:ln>
+              <a:solidFill>
+                <a:schemeClr val="tx1"/>
+              </a:solidFill>
+              <a:prstDash val="lgDashDot"/>
+            </a:ln>
+          </p:spPr>
+          <p:style>
+            <a:lnRef idx="1">
+              <a:schemeClr val="accent1"/>
+            </a:lnRef>
+            <a:fillRef idx="0">
+              <a:schemeClr val="accent1"/>
+            </a:fillRef>
+            <a:effectRef idx="0">
+              <a:schemeClr val="accent1"/>
+            </a:effectRef>
+            <a:fontRef idx="minor">
+              <a:schemeClr val="tx1"/>
+            </a:fontRef>
+          </p:style>
+        </p:cxnSp>
+        <p:cxnSp>
+          <p:nvCxnSpPr>
+            <p:cNvPr id="42" name="直線コネクタ 41">
+              <a:extLst>
+                <a:ext uri="{FF2B5EF4-FFF2-40B4-BE49-F238E27FC236}">
+                  <a16:creationId xmlns:a16="http://schemas.microsoft.com/office/drawing/2014/main" id="{1ACBCEB9-6094-AD86-E5F4-0EE5698ABE16}"/>
+                </a:ext>
+              </a:extLst>
+            </p:cNvPr>
+            <p:cNvCxnSpPr>
+              <a:cxnSpLocks/>
+            </p:cNvCxnSpPr>
+            <p:nvPr/>
+          </p:nvCxnSpPr>
+          <p:spPr>
+            <a:xfrm>
+              <a:off x="3682909" y="561975"/>
+              <a:ext cx="0" cy="266699"/>
+            </a:xfrm>
+            <a:prstGeom prst="line">
+              <a:avLst/>
+            </a:prstGeom>
+            <a:ln w="9525">
+              <a:solidFill>
+                <a:schemeClr val="tx1"/>
+              </a:solidFill>
+            </a:ln>
+          </p:spPr>
+          <p:style>
+            <a:lnRef idx="1">
+              <a:schemeClr val="accent1"/>
+            </a:lnRef>
+            <a:fillRef idx="0">
+              <a:schemeClr val="accent1"/>
+            </a:fillRef>
+            <a:effectRef idx="0">
+              <a:schemeClr val="accent1"/>
+            </a:effectRef>
+            <a:fontRef idx="minor">
+              <a:schemeClr val="tx1"/>
+            </a:fontRef>
+          </p:style>
+        </p:cxnSp>
+        <p:cxnSp>
+          <p:nvCxnSpPr>
+            <p:cNvPr id="44" name="直線コネクタ 43">
+              <a:extLst>
+                <a:ext uri="{FF2B5EF4-FFF2-40B4-BE49-F238E27FC236}">
+                  <a16:creationId xmlns:a16="http://schemas.microsoft.com/office/drawing/2014/main" id="{D3BCE461-52FA-8F78-E4BB-659BD3CF00A3}"/>
+                </a:ext>
+              </a:extLst>
+            </p:cNvPr>
+            <p:cNvCxnSpPr>
+              <a:cxnSpLocks/>
+            </p:cNvCxnSpPr>
+            <p:nvPr/>
+          </p:nvCxnSpPr>
+          <p:spPr>
+            <a:xfrm>
+              <a:off x="7105378" y="561975"/>
+              <a:ext cx="0" cy="266699"/>
+            </a:xfrm>
+            <a:prstGeom prst="line">
+              <a:avLst/>
+            </a:prstGeom>
+            <a:ln w="9525">
+              <a:solidFill>
+                <a:schemeClr val="tx1"/>
+              </a:solidFill>
+            </a:ln>
+          </p:spPr>
+          <p:style>
+            <a:lnRef idx="1">
+              <a:schemeClr val="accent1"/>
+            </a:lnRef>
+            <a:fillRef idx="0">
+              <a:schemeClr val="accent1"/>
+            </a:fillRef>
+            <a:effectRef idx="0">
+              <a:schemeClr val="accent1"/>
+            </a:effectRef>
+            <a:fontRef idx="minor">
+              <a:schemeClr val="tx1"/>
+            </a:fontRef>
+          </p:style>
+        </p:cxnSp>
+        <p:cxnSp>
+          <p:nvCxnSpPr>
+            <p:cNvPr id="46" name="直線コネクタ 45">
+              <a:extLst>
+                <a:ext uri="{FF2B5EF4-FFF2-40B4-BE49-F238E27FC236}">
+                  <a16:creationId xmlns:a16="http://schemas.microsoft.com/office/drawing/2014/main" id="{6ED0A5BD-E7A0-90DD-9F35-868CE9370280}"/>
+                </a:ext>
+              </a:extLst>
+            </p:cNvPr>
+            <p:cNvCxnSpPr/>
+            <p:nvPr/>
+          </p:nvCxnSpPr>
+          <p:spPr>
+            <a:xfrm>
+              <a:off x="3682909" y="695324"/>
+              <a:ext cx="3422469" cy="0"/>
+            </a:xfrm>
+            <a:prstGeom prst="line">
+              <a:avLst/>
+            </a:prstGeom>
+            <a:ln w="9525">
+              <a:solidFill>
+                <a:schemeClr val="tx1"/>
+              </a:solidFill>
+              <a:headEnd type="arrow"/>
+              <a:tailEnd type="arrow"/>
+            </a:ln>
+          </p:spPr>
+          <p:style>
+            <a:lnRef idx="1">
+              <a:schemeClr val="accent1"/>
+            </a:lnRef>
+            <a:fillRef idx="0">
+              <a:schemeClr val="accent1"/>
+            </a:fillRef>
+            <a:effectRef idx="0">
+              <a:schemeClr val="accent1"/>
+            </a:effectRef>
+            <a:fontRef idx="minor">
+              <a:schemeClr val="tx1"/>
+            </a:fontRef>
+          </p:style>
+        </p:cxnSp>
+        <p:sp>
+          <p:nvSpPr>
+            <p:cNvPr id="47" name="テキスト ボックス 46">
+              <a:extLst>
+                <a:ext uri="{FF2B5EF4-FFF2-40B4-BE49-F238E27FC236}">
+                  <a16:creationId xmlns:a16="http://schemas.microsoft.com/office/drawing/2014/main" id="{41AEC420-FCBB-1F44-EC02-A5112A7B6932}"/>
+                </a:ext>
+              </a:extLst>
+            </p:cNvPr>
+            <p:cNvSpPr txBox="1"/>
+            <p:nvPr/>
+          </p:nvSpPr>
+          <p:spPr>
+            <a:xfrm>
+              <a:off x="5235619" y="410506"/>
+              <a:ext cx="583814" cy="369332"/>
+            </a:xfrm>
+            <a:prstGeom prst="rect">
+              <a:avLst/>
+            </a:prstGeom>
+            <a:noFill/>
+          </p:spPr>
+          <p:txBody>
+            <a:bodyPr wrap="none" rtlCol="0">
+              <a:spAutoFit/>
+            </a:bodyPr>
+            <a:lstStyle/>
+            <a:p>
+              <a:r>
+                <a:rPr kumimoji="1" lang="en-US" altLang="ja-JP" b="1" dirty="0"/>
+                <a:t>200</a:t>
+              </a:r>
+              <a:endParaRPr kumimoji="1" lang="ja-JP" altLang="en-US" b="1" dirty="0"/>
+            </a:p>
+          </p:txBody>
+        </p:sp>
+        <p:cxnSp>
+          <p:nvCxnSpPr>
+            <p:cNvPr id="48" name="直線コネクタ 47">
+              <a:extLst>
+                <a:ext uri="{FF2B5EF4-FFF2-40B4-BE49-F238E27FC236}">
+                  <a16:creationId xmlns:a16="http://schemas.microsoft.com/office/drawing/2014/main" id="{B5125F43-9BB5-39A1-260E-DC43A8B3AB28}"/>
+                </a:ext>
+              </a:extLst>
+            </p:cNvPr>
+            <p:cNvCxnSpPr>
+              <a:cxnSpLocks/>
+            </p:cNvCxnSpPr>
+            <p:nvPr/>
+          </p:nvCxnSpPr>
+          <p:spPr>
+            <a:xfrm>
+              <a:off x="3682909" y="3074399"/>
+              <a:ext cx="0" cy="583201"/>
+            </a:xfrm>
+            <a:prstGeom prst="line">
+              <a:avLst/>
+            </a:prstGeom>
+            <a:ln w="9525">
+              <a:solidFill>
+                <a:schemeClr val="tx1"/>
+              </a:solidFill>
+            </a:ln>
+          </p:spPr>
+          <p:style>
+            <a:lnRef idx="1">
+              <a:schemeClr val="accent1"/>
+            </a:lnRef>
+            <a:fillRef idx="0">
+              <a:schemeClr val="accent1"/>
+            </a:fillRef>
+            <a:effectRef idx="0">
+              <a:schemeClr val="accent1"/>
+            </a:effectRef>
+            <a:fontRef idx="minor">
+              <a:schemeClr val="tx1"/>
+            </a:fontRef>
+          </p:style>
+        </p:cxnSp>
+        <p:cxnSp>
+          <p:nvCxnSpPr>
+            <p:cNvPr id="49" name="直線コネクタ 48">
+              <a:extLst>
+                <a:ext uri="{FF2B5EF4-FFF2-40B4-BE49-F238E27FC236}">
+                  <a16:creationId xmlns:a16="http://schemas.microsoft.com/office/drawing/2014/main" id="{6BCF6D91-926A-F302-6BF7-6FB8F83A3FEF}"/>
+                </a:ext>
+              </a:extLst>
+            </p:cNvPr>
+            <p:cNvCxnSpPr>
+              <a:cxnSpLocks/>
+            </p:cNvCxnSpPr>
+            <p:nvPr/>
+          </p:nvCxnSpPr>
+          <p:spPr>
+            <a:xfrm>
+              <a:off x="3682908" y="3607798"/>
+              <a:ext cx="592184" cy="0"/>
+            </a:xfrm>
+            <a:prstGeom prst="line">
+              <a:avLst/>
+            </a:prstGeom>
+            <a:ln w="57150">
+              <a:solidFill>
+                <a:srgbClr val="FF0000"/>
+              </a:solidFill>
+              <a:headEnd type="arrow"/>
+              <a:tailEnd type="arrow"/>
+            </a:ln>
+          </p:spPr>
+          <p:style>
+            <a:lnRef idx="1">
+              <a:schemeClr val="accent1"/>
+            </a:lnRef>
+            <a:fillRef idx="0">
+              <a:schemeClr val="accent1"/>
+            </a:fillRef>
+            <a:effectRef idx="0">
+              <a:schemeClr val="accent1"/>
+            </a:effectRef>
+            <a:fontRef idx="minor">
+              <a:schemeClr val="tx1"/>
+            </a:fontRef>
+          </p:style>
+        </p:cxnSp>
+        <p:cxnSp>
+          <p:nvCxnSpPr>
+            <p:cNvPr id="52" name="直線コネクタ 51">
+              <a:extLst>
+                <a:ext uri="{FF2B5EF4-FFF2-40B4-BE49-F238E27FC236}">
+                  <a16:creationId xmlns:a16="http://schemas.microsoft.com/office/drawing/2014/main" id="{142B5AB1-E279-29B9-810D-7620B27AEF59}"/>
+                </a:ext>
+              </a:extLst>
+            </p:cNvPr>
+            <p:cNvCxnSpPr>
+              <a:cxnSpLocks/>
+            </p:cNvCxnSpPr>
+            <p:nvPr/>
+          </p:nvCxnSpPr>
+          <p:spPr>
+            <a:xfrm>
+              <a:off x="4274820" y="3232649"/>
+              <a:ext cx="0" cy="424951"/>
+            </a:xfrm>
+            <a:prstGeom prst="line">
+              <a:avLst/>
+            </a:prstGeom>
+            <a:ln w="9525">
+              <a:solidFill>
+                <a:schemeClr val="tx1"/>
+              </a:solidFill>
+            </a:ln>
+          </p:spPr>
+          <p:style>
+            <a:lnRef idx="1">
+              <a:schemeClr val="accent1"/>
+            </a:lnRef>
+            <a:fillRef idx="0">
+              <a:schemeClr val="accent1"/>
+            </a:fillRef>
+            <a:effectRef idx="0">
+              <a:schemeClr val="accent1"/>
+            </a:effectRef>
+            <a:fontRef idx="minor">
+              <a:schemeClr val="tx1"/>
+            </a:fontRef>
+          </p:style>
+        </p:cxnSp>
+        <p:sp>
+          <p:nvSpPr>
+            <p:cNvPr id="54" name="テキスト ボックス 53">
+              <a:extLst>
+                <a:ext uri="{FF2B5EF4-FFF2-40B4-BE49-F238E27FC236}">
+                  <a16:creationId xmlns:a16="http://schemas.microsoft.com/office/drawing/2014/main" id="{A1823864-633F-F144-6259-1EE95E16B095}"/>
+                </a:ext>
+              </a:extLst>
+            </p:cNvPr>
+            <p:cNvSpPr txBox="1"/>
+            <p:nvPr/>
+          </p:nvSpPr>
+          <p:spPr>
+            <a:xfrm>
+              <a:off x="3829782" y="3188665"/>
+              <a:ext cx="316112" cy="369332"/>
+            </a:xfrm>
+            <a:prstGeom prst="rect">
+              <a:avLst/>
+            </a:prstGeom>
+            <a:noFill/>
+          </p:spPr>
+          <p:txBody>
+            <a:bodyPr wrap="none" rtlCol="0">
+              <a:spAutoFit/>
+            </a:bodyPr>
+            <a:lstStyle/>
+            <a:p>
+              <a:r>
+                <a:rPr kumimoji="1" lang="en-US" altLang="ja-JP" b="1" dirty="0">
+                  <a:solidFill>
+                    <a:srgbClr val="FF0000"/>
+                  </a:solidFill>
+                </a:rPr>
+                <a:t>?</a:t>
+              </a:r>
+            </a:p>
+          </p:txBody>
+        </p:sp>
+        <p:cxnSp>
+          <p:nvCxnSpPr>
+            <p:cNvPr id="55" name="直線コネクタ 54">
+              <a:extLst>
+                <a:ext uri="{FF2B5EF4-FFF2-40B4-BE49-F238E27FC236}">
+                  <a16:creationId xmlns:a16="http://schemas.microsoft.com/office/drawing/2014/main" id="{1D7A3A58-A7C5-3F60-D15C-C2CD1BEA9642}"/>
+                </a:ext>
+              </a:extLst>
+            </p:cNvPr>
+            <p:cNvCxnSpPr>
+              <a:cxnSpLocks/>
+            </p:cNvCxnSpPr>
+            <p:nvPr/>
+          </p:nvCxnSpPr>
+          <p:spPr>
+            <a:xfrm flipH="1">
+              <a:off x="7677150" y="828674"/>
+              <a:ext cx="485774" cy="0"/>
+            </a:xfrm>
+            <a:prstGeom prst="line">
+              <a:avLst/>
+            </a:prstGeom>
+            <a:ln w="9525">
+              <a:solidFill>
+                <a:schemeClr val="tx1"/>
+              </a:solidFill>
+            </a:ln>
+          </p:spPr>
+          <p:style>
+            <a:lnRef idx="1">
+              <a:schemeClr val="accent1"/>
+            </a:lnRef>
+            <a:fillRef idx="0">
+              <a:schemeClr val="accent1"/>
+            </a:fillRef>
+            <a:effectRef idx="0">
+              <a:schemeClr val="accent1"/>
+            </a:effectRef>
+            <a:fontRef idx="minor">
+              <a:schemeClr val="tx1"/>
+            </a:fontRef>
+          </p:style>
+        </p:cxnSp>
+        <p:cxnSp>
+          <p:nvCxnSpPr>
+            <p:cNvPr id="56" name="直線コネクタ 55">
+              <a:extLst>
+                <a:ext uri="{FF2B5EF4-FFF2-40B4-BE49-F238E27FC236}">
+                  <a16:creationId xmlns:a16="http://schemas.microsoft.com/office/drawing/2014/main" id="{DBF7CB01-E2D4-73F6-D09E-9431C097F7A2}"/>
+                </a:ext>
+              </a:extLst>
+            </p:cNvPr>
+            <p:cNvCxnSpPr>
+              <a:cxnSpLocks/>
+            </p:cNvCxnSpPr>
+            <p:nvPr/>
+          </p:nvCxnSpPr>
+          <p:spPr>
+            <a:xfrm flipH="1">
+              <a:off x="7677150" y="3207715"/>
+              <a:ext cx="474344" cy="0"/>
+            </a:xfrm>
+            <a:prstGeom prst="line">
+              <a:avLst/>
+            </a:prstGeom>
+            <a:ln w="9525">
+              <a:solidFill>
+                <a:schemeClr val="tx1"/>
+              </a:solidFill>
+            </a:ln>
+          </p:spPr>
+          <p:style>
+            <a:lnRef idx="1">
+              <a:schemeClr val="accent1"/>
+            </a:lnRef>
+            <a:fillRef idx="0">
+              <a:schemeClr val="accent1"/>
+            </a:fillRef>
+            <a:effectRef idx="0">
+              <a:schemeClr val="accent1"/>
+            </a:effectRef>
+            <a:fontRef idx="minor">
+              <a:schemeClr val="tx1"/>
+            </a:fontRef>
+          </p:style>
+        </p:cxnSp>
+        <p:cxnSp>
+          <p:nvCxnSpPr>
+            <p:cNvPr id="59" name="直線コネクタ 58">
+              <a:extLst>
+                <a:ext uri="{FF2B5EF4-FFF2-40B4-BE49-F238E27FC236}">
+                  <a16:creationId xmlns:a16="http://schemas.microsoft.com/office/drawing/2014/main" id="{F901F00A-EEEF-7109-4B58-25D89B6EE36E}"/>
+                </a:ext>
+              </a:extLst>
+            </p:cNvPr>
+            <p:cNvCxnSpPr>
+              <a:cxnSpLocks/>
+            </p:cNvCxnSpPr>
+            <p:nvPr/>
+          </p:nvCxnSpPr>
+          <p:spPr>
+            <a:xfrm>
+              <a:off x="7970792" y="828674"/>
+              <a:ext cx="0" cy="2379041"/>
+            </a:xfrm>
+            <a:prstGeom prst="line">
+              <a:avLst/>
+            </a:prstGeom>
+            <a:ln w="57150">
+              <a:solidFill>
+                <a:srgbClr val="FF0000"/>
+              </a:solidFill>
+              <a:headEnd type="arrow"/>
+              <a:tailEnd type="arrow"/>
+            </a:ln>
+          </p:spPr>
+          <p:style>
+            <a:lnRef idx="1">
+              <a:schemeClr val="accent1"/>
+            </a:lnRef>
+            <a:fillRef idx="0">
+              <a:schemeClr val="accent1"/>
+            </a:fillRef>
+            <a:effectRef idx="0">
+              <a:schemeClr val="accent1"/>
+            </a:effectRef>
+            <a:fontRef idx="minor">
+              <a:schemeClr val="tx1"/>
+            </a:fontRef>
+          </p:style>
+        </p:cxnSp>
+        <p:sp>
+          <p:nvSpPr>
+            <p:cNvPr id="62" name="テキスト ボックス 61">
+              <a:extLst>
+                <a:ext uri="{FF2B5EF4-FFF2-40B4-BE49-F238E27FC236}">
+                  <a16:creationId xmlns:a16="http://schemas.microsoft.com/office/drawing/2014/main" id="{F6CE58D3-03DA-EA94-CED3-1CDFFF82F072}"/>
+                </a:ext>
+              </a:extLst>
+            </p:cNvPr>
+            <p:cNvSpPr txBox="1"/>
+            <p:nvPr/>
+          </p:nvSpPr>
+          <p:spPr>
+            <a:xfrm rot="16200000">
+              <a:off x="7572644" y="1833528"/>
+              <a:ext cx="316112" cy="369332"/>
+            </a:xfrm>
+            <a:prstGeom prst="rect">
+              <a:avLst/>
+            </a:prstGeom>
+            <a:noFill/>
+          </p:spPr>
+          <p:txBody>
+            <a:bodyPr wrap="none" rtlCol="0">
+              <a:spAutoFit/>
+            </a:bodyPr>
+            <a:lstStyle/>
+            <a:p>
+              <a:r>
+                <a:rPr kumimoji="1" lang="en-US" altLang="ja-JP" b="1" dirty="0">
+                  <a:solidFill>
+                    <a:srgbClr val="FF0000"/>
+                  </a:solidFill>
+                </a:rPr>
+                <a:t>?</a:t>
+              </a:r>
+            </a:p>
+          </p:txBody>
+        </p:sp>
+        <p:cxnSp>
+          <p:nvCxnSpPr>
+            <p:cNvPr id="64" name="直線コネクタ 63">
+              <a:extLst>
+                <a:ext uri="{FF2B5EF4-FFF2-40B4-BE49-F238E27FC236}">
+                  <a16:creationId xmlns:a16="http://schemas.microsoft.com/office/drawing/2014/main" id="{20679719-E5ED-0CE2-A57E-9BFD967E18D8}"/>
+                </a:ext>
+              </a:extLst>
+            </p:cNvPr>
+            <p:cNvCxnSpPr>
+              <a:cxnSpLocks/>
+            </p:cNvCxnSpPr>
+            <p:nvPr/>
+          </p:nvCxnSpPr>
+          <p:spPr>
+            <a:xfrm>
+              <a:off x="2657475" y="5254735"/>
+              <a:ext cx="4610100" cy="0"/>
+            </a:xfrm>
+            <a:prstGeom prst="line">
+              <a:avLst/>
+            </a:prstGeom>
+            <a:ln>
+              <a:solidFill>
+                <a:schemeClr val="tx1"/>
+              </a:solidFill>
+            </a:ln>
+          </p:spPr>
+          <p:style>
+            <a:lnRef idx="1">
+              <a:schemeClr val="accent1"/>
+            </a:lnRef>
+            <a:fillRef idx="0">
+              <a:schemeClr val="accent1"/>
+            </a:fillRef>
+            <a:effectRef idx="0">
+              <a:schemeClr val="accent1"/>
+            </a:effectRef>
+            <a:fontRef idx="minor">
+              <a:schemeClr val="tx1"/>
+            </a:fontRef>
+          </p:style>
+        </p:cxnSp>
+        <p:sp>
+          <p:nvSpPr>
+            <p:cNvPr id="9" name="テキスト ボックス 8">
+              <a:extLst>
+                <a:ext uri="{FF2B5EF4-FFF2-40B4-BE49-F238E27FC236}">
+                  <a16:creationId xmlns:a16="http://schemas.microsoft.com/office/drawing/2014/main" id="{79739A97-FBC8-3EB5-FA70-303A5B0F0531}"/>
+                </a:ext>
+              </a:extLst>
+            </p:cNvPr>
+            <p:cNvSpPr txBox="1"/>
+            <p:nvPr/>
+          </p:nvSpPr>
+          <p:spPr>
+            <a:xfrm>
+              <a:off x="3192020" y="93750"/>
+              <a:ext cx="579005" cy="369332"/>
+            </a:xfrm>
+            <a:prstGeom prst="rect">
+              <a:avLst/>
+            </a:prstGeom>
+            <a:noFill/>
+          </p:spPr>
+          <p:txBody>
+            <a:bodyPr wrap="none" rtlCol="0">
+              <a:spAutoFit/>
+            </a:bodyPr>
+            <a:lstStyle/>
+            <a:p>
+              <a:r>
+                <a:rPr kumimoji="1" lang="en-US" altLang="ja-JP" dirty="0"/>
+                <a:t>L10</a:t>
+              </a:r>
+              <a:endParaRPr kumimoji="1" lang="ja-JP" altLang="en-US" dirty="0"/>
+            </a:p>
+          </p:txBody>
+        </p:sp>
+        <p:sp>
+          <p:nvSpPr>
+            <p:cNvPr id="10" name="テキスト ボックス 9">
+              <a:extLst>
+                <a:ext uri="{FF2B5EF4-FFF2-40B4-BE49-F238E27FC236}">
+                  <a16:creationId xmlns:a16="http://schemas.microsoft.com/office/drawing/2014/main" id="{0D07D8E3-CF90-65C6-8265-A12CE52B80B5}"/>
+                </a:ext>
+              </a:extLst>
+            </p:cNvPr>
+            <p:cNvSpPr txBox="1"/>
+            <p:nvPr/>
+          </p:nvSpPr>
+          <p:spPr>
+            <a:xfrm>
+              <a:off x="4855585" y="93750"/>
+              <a:ext cx="579005" cy="369332"/>
+            </a:xfrm>
+            <a:prstGeom prst="rect">
+              <a:avLst/>
+            </a:prstGeom>
+            <a:noFill/>
+          </p:spPr>
+          <p:txBody>
+            <a:bodyPr wrap="none" rtlCol="0">
+              <a:spAutoFit/>
+            </a:bodyPr>
+            <a:lstStyle/>
+            <a:p>
+              <a:r>
+                <a:rPr kumimoji="1" lang="en-US" altLang="ja-JP" dirty="0"/>
+                <a:t>L11</a:t>
+              </a:r>
+              <a:endParaRPr kumimoji="1" lang="ja-JP" altLang="en-US" dirty="0"/>
+            </a:p>
+          </p:txBody>
+        </p:sp>
+        <p:sp>
+          <p:nvSpPr>
+            <p:cNvPr id="11" name="テキスト ボックス 10">
+              <a:extLst>
+                <a:ext uri="{FF2B5EF4-FFF2-40B4-BE49-F238E27FC236}">
+                  <a16:creationId xmlns:a16="http://schemas.microsoft.com/office/drawing/2014/main" id="{155699D6-735F-0FD3-1080-3925F99C43CB}"/>
+                </a:ext>
+              </a:extLst>
+            </p:cNvPr>
+            <p:cNvSpPr txBox="1"/>
+            <p:nvPr/>
+          </p:nvSpPr>
+          <p:spPr>
+            <a:xfrm>
+              <a:off x="6641298" y="93750"/>
+              <a:ext cx="579005" cy="369332"/>
+            </a:xfrm>
+            <a:prstGeom prst="rect">
+              <a:avLst/>
+            </a:prstGeom>
+            <a:noFill/>
+          </p:spPr>
+          <p:txBody>
+            <a:bodyPr wrap="none" rtlCol="0">
+              <a:spAutoFit/>
+            </a:bodyPr>
+            <a:lstStyle/>
+            <a:p>
+              <a:r>
+                <a:rPr kumimoji="1" lang="en-US" altLang="ja-JP" dirty="0"/>
+                <a:t>L12</a:t>
+              </a:r>
+              <a:endParaRPr kumimoji="1" lang="ja-JP" altLang="en-US" dirty="0"/>
+            </a:p>
+          </p:txBody>
+        </p:sp>
+        <p:sp>
+          <p:nvSpPr>
+            <p:cNvPr id="14" name="テキスト ボックス 13">
+              <a:extLst>
+                <a:ext uri="{FF2B5EF4-FFF2-40B4-BE49-F238E27FC236}">
+                  <a16:creationId xmlns:a16="http://schemas.microsoft.com/office/drawing/2014/main" id="{4476FA6F-D223-5C4E-1ACD-50CEF1836890}"/>
+                </a:ext>
+              </a:extLst>
+            </p:cNvPr>
+            <p:cNvSpPr txBox="1"/>
+            <p:nvPr/>
+          </p:nvSpPr>
+          <p:spPr>
+            <a:xfrm>
+              <a:off x="1902149" y="887922"/>
+              <a:ext cx="681597" cy="369332"/>
+            </a:xfrm>
+            <a:prstGeom prst="rect">
+              <a:avLst/>
+            </a:prstGeom>
+            <a:noFill/>
+          </p:spPr>
+          <p:txBody>
+            <a:bodyPr wrap="none" rtlCol="0">
+              <a:spAutoFit/>
+            </a:bodyPr>
+            <a:lstStyle/>
+            <a:p>
+              <a:r>
+                <a:rPr kumimoji="1" lang="en-US" altLang="ja-JP" dirty="0"/>
+                <a:t>W3R</a:t>
+              </a:r>
+              <a:endParaRPr kumimoji="1" lang="ja-JP" altLang="en-US" dirty="0"/>
+            </a:p>
+          </p:txBody>
+        </p:sp>
+        <p:sp>
+          <p:nvSpPr>
+            <p:cNvPr id="16" name="テキスト ボックス 15">
+              <a:extLst>
+                <a:ext uri="{FF2B5EF4-FFF2-40B4-BE49-F238E27FC236}">
+                  <a16:creationId xmlns:a16="http://schemas.microsoft.com/office/drawing/2014/main" id="{28496E6A-5AB8-E3F7-6720-60B97E4AADF6}"/>
+                </a:ext>
+              </a:extLst>
+            </p:cNvPr>
+            <p:cNvSpPr txBox="1"/>
+            <p:nvPr/>
+          </p:nvSpPr>
+          <p:spPr>
+            <a:xfrm>
+              <a:off x="1902149" y="2609664"/>
+              <a:ext cx="681597" cy="369332"/>
+            </a:xfrm>
+            <a:prstGeom prst="rect">
+              <a:avLst/>
+            </a:prstGeom>
+            <a:noFill/>
+          </p:spPr>
+          <p:txBody>
+            <a:bodyPr wrap="none" rtlCol="0">
+              <a:spAutoFit/>
+            </a:bodyPr>
+            <a:lstStyle/>
+            <a:p>
+              <a:r>
+                <a:rPr kumimoji="1" lang="en-US" altLang="ja-JP" dirty="0"/>
+                <a:t>W2R</a:t>
+              </a:r>
+              <a:endParaRPr kumimoji="1" lang="ja-JP" altLang="en-US" dirty="0"/>
+            </a:p>
+          </p:txBody>
+        </p:sp>
+        <p:sp>
+          <p:nvSpPr>
+            <p:cNvPr id="18" name="テキスト ボックス 17">
+              <a:extLst>
+                <a:ext uri="{FF2B5EF4-FFF2-40B4-BE49-F238E27FC236}">
+                  <a16:creationId xmlns:a16="http://schemas.microsoft.com/office/drawing/2014/main" id="{8188B26F-4840-A0FE-840D-687AE3F095E7}"/>
+                </a:ext>
+              </a:extLst>
+            </p:cNvPr>
+            <p:cNvSpPr txBox="1"/>
+            <p:nvPr/>
+          </p:nvSpPr>
+          <p:spPr>
+            <a:xfrm>
+              <a:off x="1902149" y="5089933"/>
+              <a:ext cx="612668" cy="369332"/>
+            </a:xfrm>
+            <a:prstGeom prst="rect">
+              <a:avLst/>
+            </a:prstGeom>
+            <a:noFill/>
+          </p:spPr>
+          <p:txBody>
+            <a:bodyPr wrap="none" rtlCol="0">
+              <a:spAutoFit/>
+            </a:bodyPr>
+            <a:lstStyle/>
+            <a:p>
+              <a:r>
+                <a:rPr kumimoji="1" lang="en-US" altLang="ja-JP" dirty="0"/>
+                <a:t>H15</a:t>
+              </a:r>
+              <a:endParaRPr kumimoji="1" lang="ja-JP" altLang="en-US" dirty="0"/>
+            </a:p>
+          </p:txBody>
+        </p:sp>
+      </p:grpSp>
+    </p:spTree>
+    <p:extLst>
+      <p:ext uri="{BB962C8B-B14F-4D97-AF65-F5344CB8AC3E}">
+        <p14:creationId xmlns:p14="http://schemas.microsoft.com/office/powerpoint/2010/main" val="1429438145"/>
+      </p:ext>
+    </p:extLst>
+  </p:cSld>
+  <p:clrMapOvr>
+    <a:masterClrMapping/>
+  </p:clrMapOvr>
+</p:sld>
+</file>
+
+<file path=ppt/slides/slide11.xml><?xml version="1.0" encoding="utf-8"?>
 <p:sld xmlns:a="http://schemas.openxmlformats.org/drawingml/2006/main" xmlns:r="http://schemas.openxmlformats.org/officeDocument/2006/relationships" xmlns:p="http://schemas.openxmlformats.org/presentationml/2006/main">
   <p:cSld>
     <p:spTree>
@@ -6368,7 +8327,7 @@
 </p:sld>
 </file>
 
-<file path=ppt/slides/slide11.xml><?xml version="1.0" encoding="utf-8"?>
+<file path=ppt/slides/slide12.xml><?xml version="1.0" encoding="utf-8"?>
 <p:sld xmlns:a="http://schemas.openxmlformats.org/drawingml/2006/main" xmlns:r="http://schemas.openxmlformats.org/officeDocument/2006/relationships" xmlns:p="http://schemas.openxmlformats.org/presentationml/2006/main">
   <p:cSld>
     <p:spTree>
@@ -6571,7 +8530,7 @@
 </p:sld>
 </file>
 
-<file path=ppt/slides/slide12.xml><?xml version="1.0" encoding="utf-8"?>
+<file path=ppt/slides/slide13.xml><?xml version="1.0" encoding="utf-8"?>
 <p:sld xmlns:a="http://schemas.openxmlformats.org/drawingml/2006/main" xmlns:r="http://schemas.openxmlformats.org/officeDocument/2006/relationships" xmlns:p="http://schemas.openxmlformats.org/presentationml/2006/main">
   <p:cSld>
     <p:spTree>
@@ -6601,7 +8560,7 @@
 </p:sld>
 </file>
 
-<file path=ppt/slides/slide13.xml><?xml version="1.0" encoding="utf-8"?>
+<file path=ppt/slides/slide14.xml><?xml version="1.0" encoding="utf-8"?>
 <p:sld xmlns:a="http://schemas.openxmlformats.org/drawingml/2006/main" xmlns:r="http://schemas.openxmlformats.org/officeDocument/2006/relationships" xmlns:p="http://schemas.openxmlformats.org/presentationml/2006/main">
   <p:cSld>
     <p:spTree>
@@ -8665,7 +10624,7 @@
         <p:spPr>
           <a:xfrm flipH="1">
             <a:off x="278671" y="460985"/>
-            <a:ext cx="11199223" cy="5539978"/>
+            <a:ext cx="11199223" cy="5355312"/>
           </a:xfrm>
           <a:prstGeom prst="rect">
             <a:avLst/>
@@ -8694,27 +10653,27 @@
           <a:p>
             <a:r>
               <a:rPr lang="ja-JP" altLang="en-US" sz="2400" dirty="0"/>
-              <a:t>使い続けたいと思えるアプリにする</a:t>
+              <a:t>使い続けたいと思える</a:t>
             </a:r>
             <a:endParaRPr lang="en-US" altLang="ja-JP" sz="2400" dirty="0"/>
           </a:p>
           <a:p>
             <a:r>
-              <a:rPr lang="ja-JP" altLang="en-US" dirty="0"/>
+              <a:rPr lang="ja-JP" altLang="en-US" sz="2400" dirty="0"/>
               <a:t>　ー操作がめんどくさくない</a:t>
             </a:r>
-            <a:endParaRPr lang="en-US" altLang="ja-JP" dirty="0"/>
-          </a:p>
-          <a:p>
-            <a:r>
-              <a:rPr lang="ja-JP" altLang="en-US" dirty="0"/>
+            <a:endParaRPr lang="en-US" altLang="ja-JP" sz="2400" dirty="0"/>
+          </a:p>
+          <a:p>
+            <a:r>
+              <a:rPr lang="ja-JP" altLang="en-US" sz="2400" dirty="0"/>
               <a:t>　ー視覚的にわかりやすい</a:t>
             </a:r>
-            <a:endParaRPr lang="en-US" altLang="ja-JP" dirty="0"/>
-          </a:p>
-          <a:p>
-            <a:r>
-              <a:rPr lang="ja-JP" altLang="en-US" dirty="0"/>
+            <a:endParaRPr lang="en-US" altLang="ja-JP" sz="2400" dirty="0"/>
+          </a:p>
+          <a:p>
+            <a:r>
+              <a:rPr lang="ja-JP" altLang="en-US" sz="2400" dirty="0"/>
               <a:t>　ー</a:t>
             </a:r>
             <a:r>
@@ -8769,25 +10728,6 @@
             <a:r>
               <a:rPr lang="ja-JP" altLang="en-US" dirty="0"/>
               <a:t>できる</a:t>
-            </a:r>
-            <a:endParaRPr lang="en-US" altLang="ja-JP" dirty="0"/>
-          </a:p>
-          <a:p>
-            <a:r>
-              <a:rPr lang="ja-JP" altLang="en-US" dirty="0"/>
-              <a:t>・任意の</a:t>
-            </a:r>
-            <a:r>
-              <a:rPr lang="ja-JP" altLang="en-US" sz="2400" b="1" dirty="0">
-                <a:solidFill>
-                  <a:srgbClr val="FF0000"/>
-                </a:solidFill>
-              </a:rPr>
-              <a:t>測定結果を削除</a:t>
-            </a:r>
-            <a:r>
-              <a:rPr lang="ja-JP" altLang="en-US" dirty="0"/>
-              <a:t>できる←ここのロジックは少し悩みました</a:t>
             </a:r>
             <a:endParaRPr lang="en-US" altLang="ja-JP" dirty="0"/>
           </a:p>
@@ -10667,10 +12607,10 @@
       </p:grpSpPr>
       <p:sp>
         <p:nvSpPr>
-          <p:cNvPr id="2" name="テキスト ボックス 1">
+          <p:cNvPr id="4" name="テキスト ボックス 3">
             <a:extLst>
               <a:ext uri="{FF2B5EF4-FFF2-40B4-BE49-F238E27FC236}">
-                <a16:creationId xmlns:a16="http://schemas.microsoft.com/office/drawing/2014/main" id="{18A3300E-64B7-5885-9171-619CCF386B78}"/>
+                <a16:creationId xmlns:a16="http://schemas.microsoft.com/office/drawing/2014/main" id="{D3FB8BD2-18FF-F176-C826-E32829D895E2}"/>
               </a:ext>
             </a:extLst>
           </p:cNvPr>
@@ -10679,8 +12619,8 @@
         </p:nvSpPr>
         <p:spPr>
           <a:xfrm flipH="1">
-            <a:off x="461553" y="487680"/>
-            <a:ext cx="11199223" cy="5262979"/>
+            <a:off x="290173" y="461895"/>
+            <a:ext cx="11199223" cy="5170646"/>
           </a:xfrm>
           <a:prstGeom prst="rect">
             <a:avLst/>
@@ -10709,16 +12649,6 @@
             </a:r>
             <a:r>
               <a:rPr lang="en-US" altLang="ja-JP" sz="2400" dirty="0"/>
-              <a:t>camelCase</a:t>
-            </a:r>
-          </a:p>
-          <a:p>
-            <a:r>
-              <a:rPr lang="ja-JP" altLang="en-US" sz="2400" dirty="0"/>
-              <a:t>・</a:t>
-            </a:r>
-            <a:r>
-              <a:rPr lang="en-US" altLang="ja-JP" sz="2400" dirty="0"/>
               <a:t>TDD</a:t>
             </a:r>
           </a:p>
@@ -10777,55 +12707,1694 @@
           </a:p>
           <a:p>
             <a:r>
-              <a:rPr lang="ja-JP" altLang="en-US" dirty="0"/>
+              <a:rPr lang="ja-JP" altLang="en-US" sz="2400" dirty="0"/>
               <a:t>・</a:t>
             </a:r>
             <a:r>
-              <a:rPr lang="en-US" altLang="ja-JP" dirty="0"/>
+              <a:rPr lang="en-US" altLang="ja-JP" sz="2400" dirty="0"/>
               <a:t>Html</a:t>
             </a:r>
             <a:r>
-              <a:rPr lang="ja-JP" altLang="en-US" dirty="0"/>
+              <a:rPr lang="ja-JP" altLang="en-US" sz="2400" dirty="0"/>
               <a:t>、</a:t>
             </a:r>
             <a:r>
-              <a:rPr lang="en-US" altLang="ja-JP" dirty="0"/>
+              <a:rPr lang="en-US" altLang="ja-JP" sz="2400" dirty="0"/>
               <a:t>CSS</a:t>
             </a:r>
             <a:r>
-              <a:rPr lang="ja-JP" altLang="en-US" dirty="0"/>
+              <a:rPr lang="ja-JP" altLang="en-US" sz="2400" dirty="0"/>
               <a:t>を駆使したレイアウト（突貫工事）</a:t>
             </a:r>
-            <a:endParaRPr lang="en-US" altLang="ja-JP" dirty="0"/>
-          </a:p>
-          <a:p>
-            <a:r>
-              <a:rPr kumimoji="1" lang="ja-JP" altLang="en-US" dirty="0"/>
-              <a:t>・サーバーサイドの構築</a:t>
-            </a:r>
-            <a:endParaRPr kumimoji="1" lang="en-US" altLang="ja-JP" dirty="0"/>
-          </a:p>
-          <a:p>
-            <a:r>
-              <a:rPr lang="ja-JP" altLang="en-US" dirty="0"/>
-              <a:t>・日々の業務効率につながるソフトウェアを企画できるスキル</a:t>
-            </a:r>
-            <a:r>
-              <a:rPr lang="en-US" altLang="ja-JP" dirty="0"/>
-              <a:t>/</a:t>
-            </a:r>
-            <a:r>
-              <a:rPr lang="ja-JP" altLang="en-US" dirty="0"/>
-              <a:t>即座に実装できるスキル</a:t>
-            </a:r>
-            <a:endParaRPr kumimoji="1" lang="en-US" altLang="ja-JP" dirty="0"/>
+            <a:endParaRPr lang="en-US" altLang="ja-JP" sz="2400" dirty="0"/>
+          </a:p>
+          <a:p>
+            <a:r>
+              <a:rPr kumimoji="1" lang="ja-JP" altLang="en-US" sz="2400" dirty="0"/>
+              <a:t>・</a:t>
+            </a:r>
+            <a:r>
+              <a:rPr kumimoji="1" lang="ja-JP" altLang="en-US" sz="2400" b="1" dirty="0">
+                <a:solidFill>
+                  <a:srgbClr val="FF0000"/>
+                </a:solidFill>
+              </a:rPr>
+              <a:t>サーバーサイド</a:t>
+            </a:r>
+            <a:r>
+              <a:rPr kumimoji="1" lang="ja-JP" altLang="en-US" sz="2400" dirty="0"/>
+              <a:t>の構築</a:t>
+            </a:r>
+            <a:endParaRPr kumimoji="1" lang="en-US" altLang="ja-JP" sz="2400" dirty="0"/>
+          </a:p>
+          <a:p>
+            <a:r>
+              <a:rPr lang="ja-JP" altLang="en-US" sz="2400" dirty="0"/>
+              <a:t>・業務効率につながるソフトウェアの</a:t>
+            </a:r>
+            <a:r>
+              <a:rPr lang="ja-JP" altLang="en-US" sz="2400" b="1" dirty="0">
+                <a:solidFill>
+                  <a:srgbClr val="FF0000"/>
+                </a:solidFill>
+              </a:rPr>
+              <a:t>企画</a:t>
+            </a:r>
+            <a:r>
+              <a:rPr lang="ja-JP" altLang="en-US" sz="2400" dirty="0"/>
+              <a:t>＆即座に</a:t>
+            </a:r>
+            <a:r>
+              <a:rPr lang="ja-JP" altLang="en-US" sz="2400" b="1" dirty="0">
+                <a:solidFill>
+                  <a:srgbClr val="FF0000"/>
+                </a:solidFill>
+              </a:rPr>
+              <a:t>実装</a:t>
+            </a:r>
+            <a:r>
+              <a:rPr lang="ja-JP" altLang="en-US" sz="2400" dirty="0"/>
+              <a:t>できるスキル</a:t>
+            </a:r>
+            <a:endParaRPr kumimoji="1" lang="en-US" altLang="ja-JP" sz="2400" dirty="0"/>
           </a:p>
         </p:txBody>
       </p:sp>
+      <p:graphicFrame>
+        <p:nvGraphicFramePr>
+          <p:cNvPr id="3" name="表 23">
+            <a:extLst>
+              <a:ext uri="{FF2B5EF4-FFF2-40B4-BE49-F238E27FC236}">
+                <a16:creationId xmlns:a16="http://schemas.microsoft.com/office/drawing/2014/main" id="{89C0DAB6-8F32-6DC4-B93D-F9EDF8E637A3}"/>
+              </a:ext>
+            </a:extLst>
+          </p:cNvPr>
+          <p:cNvGraphicFramePr>
+            <a:graphicFrameLocks noGrp="1"/>
+          </p:cNvGraphicFramePr>
+          <p:nvPr/>
+        </p:nvGraphicFramePr>
+        <p:xfrm>
+          <a:off x="12721225" y="3779520"/>
+          <a:ext cx="4442610" cy="3078480"/>
+        </p:xfrm>
+        <a:graphic>
+          <a:graphicData uri="http://schemas.openxmlformats.org/drawingml/2006/table">
+            <a:tbl>
+              <a:tblPr firstRow="1" bandRow="1">
+                <a:tableStyleId>{2D5ABB26-0587-4C30-8999-92F81FD0307C}</a:tableStyleId>
+              </a:tblPr>
+              <a:tblGrid>
+                <a:gridCol w="372895">
+                  <a:extLst>
+                    <a:ext uri="{9D8B030D-6E8A-4147-A177-3AD203B41FA5}">
+                      <a16:colId xmlns:a16="http://schemas.microsoft.com/office/drawing/2014/main" val="22906533"/>
+                    </a:ext>
+                  </a:extLst>
+                </a:gridCol>
+                <a:gridCol w="2541905">
+                  <a:extLst>
+                    <a:ext uri="{9D8B030D-6E8A-4147-A177-3AD203B41FA5}">
+                      <a16:colId xmlns:a16="http://schemas.microsoft.com/office/drawing/2014/main" val="2771603122"/>
+                    </a:ext>
+                  </a:extLst>
+                </a:gridCol>
+                <a:gridCol w="763905">
+                  <a:extLst>
+                    <a:ext uri="{9D8B030D-6E8A-4147-A177-3AD203B41FA5}">
+                      <a16:colId xmlns:a16="http://schemas.microsoft.com/office/drawing/2014/main" val="363395717"/>
+                    </a:ext>
+                  </a:extLst>
+                </a:gridCol>
+                <a:gridCol w="763905">
+                  <a:extLst>
+                    <a:ext uri="{9D8B030D-6E8A-4147-A177-3AD203B41FA5}">
+                      <a16:colId xmlns:a16="http://schemas.microsoft.com/office/drawing/2014/main" val="847816658"/>
+                    </a:ext>
+                  </a:extLst>
+                </a:gridCol>
+              </a:tblGrid>
+              <a:tr h="379155">
+                <a:tc>
+                  <a:txBody>
+                    <a:bodyPr/>
+                    <a:lstStyle/>
+                    <a:p>
+                      <a:endParaRPr kumimoji="1" lang="ja-JP" altLang="en-US" sz="2000" dirty="0"/>
+                    </a:p>
+                  </a:txBody>
+                  <a:tcPr>
+                    <a:lnL w="12700" cap="flat" cmpd="sng" algn="ctr">
+                      <a:solidFill>
+                        <a:schemeClr val="tx1"/>
+                      </a:solidFill>
+                      <a:prstDash val="solid"/>
+                      <a:round/>
+                      <a:headEnd type="none" w="med" len="med"/>
+                      <a:tailEnd type="none" w="med" len="med"/>
+                    </a:lnL>
+                    <a:lnR w="12700" cap="flat" cmpd="sng" algn="ctr">
+                      <a:solidFill>
+                        <a:schemeClr val="tx1"/>
+                      </a:solidFill>
+                      <a:prstDash val="solid"/>
+                      <a:round/>
+                      <a:headEnd type="none" w="med" len="med"/>
+                      <a:tailEnd type="none" w="med" len="med"/>
+                    </a:lnR>
+                    <a:lnT w="12700" cap="flat" cmpd="sng" algn="ctr">
+                      <a:solidFill>
+                        <a:schemeClr val="tx1"/>
+                      </a:solidFill>
+                      <a:prstDash val="solid"/>
+                      <a:round/>
+                      <a:headEnd type="none" w="med" len="med"/>
+                      <a:tailEnd type="none" w="med" len="med"/>
+                    </a:lnT>
+                    <a:lnB w="12700" cap="flat" cmpd="sng" algn="ctr">
+                      <a:solidFill>
+                        <a:schemeClr val="tx1"/>
+                      </a:solidFill>
+                      <a:prstDash val="solid"/>
+                      <a:round/>
+                      <a:headEnd type="none" w="med" len="med"/>
+                      <a:tailEnd type="none" w="med" len="med"/>
+                    </a:lnB>
+                  </a:tcPr>
+                </a:tc>
+                <a:tc rowSpan="2">
+                  <a:txBody>
+                    <a:bodyPr/>
+                    <a:lstStyle/>
+                    <a:p>
+                      <a:pPr algn="ctr"/>
+                      <a:r>
+                        <a:rPr kumimoji="1" lang="ja-JP" altLang="en-US" sz="2000" dirty="0"/>
+                        <a:t>工程</a:t>
+                      </a:r>
+                    </a:p>
+                  </a:txBody>
+                  <a:tcPr>
+                    <a:lnL w="12700" cap="flat" cmpd="sng" algn="ctr">
+                      <a:solidFill>
+                        <a:schemeClr val="tx1"/>
+                      </a:solidFill>
+                      <a:prstDash val="solid"/>
+                      <a:round/>
+                      <a:headEnd type="none" w="med" len="med"/>
+                      <a:tailEnd type="none" w="med" len="med"/>
+                    </a:lnL>
+                    <a:lnR w="12700" cap="flat" cmpd="sng" algn="ctr">
+                      <a:solidFill>
+                        <a:schemeClr val="tx1"/>
+                      </a:solidFill>
+                      <a:prstDash val="solid"/>
+                      <a:round/>
+                      <a:headEnd type="none" w="med" len="med"/>
+                      <a:tailEnd type="none" w="med" len="med"/>
+                    </a:lnR>
+                    <a:lnT w="12700" cap="flat" cmpd="sng" algn="ctr">
+                      <a:solidFill>
+                        <a:schemeClr val="tx1"/>
+                      </a:solidFill>
+                      <a:prstDash val="solid"/>
+                      <a:round/>
+                      <a:headEnd type="none" w="med" len="med"/>
+                      <a:tailEnd type="none" w="med" len="med"/>
+                    </a:lnT>
+                    <a:lnB w="12700" cap="flat" cmpd="sng" algn="ctr">
+                      <a:solidFill>
+                        <a:schemeClr val="tx1"/>
+                      </a:solidFill>
+                      <a:prstDash val="solid"/>
+                      <a:round/>
+                      <a:headEnd type="none" w="med" len="med"/>
+                      <a:tailEnd type="none" w="med" len="med"/>
+                    </a:lnB>
+                  </a:tcPr>
+                </a:tc>
+                <a:tc gridSpan="2">
+                  <a:txBody>
+                    <a:bodyPr/>
+                    <a:lstStyle/>
+                    <a:p>
+                      <a:pPr marL="0" marR="0" lvl="0" indent="0" algn="ctr" defTabSz="914400" rtl="0" eaLnBrk="1" fontAlgn="auto" latinLnBrk="0" hangingPunct="1">
+                        <a:lnSpc>
+                          <a:spcPct val="100000"/>
+                        </a:lnSpc>
+                        <a:spcBef>
+                          <a:spcPts val="0"/>
+                        </a:spcBef>
+                        <a:spcAft>
+                          <a:spcPts val="0"/>
+                        </a:spcAft>
+                        <a:buClrTx/>
+                        <a:buSzTx/>
+                        <a:buFontTx/>
+                        <a:buNone/>
+                        <a:tabLst/>
+                        <a:defRPr/>
+                      </a:pPr>
+                      <a:r>
+                        <a:rPr kumimoji="1" lang="ja-JP" altLang="en-US" sz="2000" dirty="0"/>
+                        <a:t>工数 </a:t>
+                      </a:r>
+                      <a:r>
+                        <a:rPr kumimoji="1" lang="en-US" altLang="ja-JP" sz="2000" dirty="0"/>
+                        <a:t>[s]</a:t>
+                      </a:r>
+                      <a:endParaRPr kumimoji="1" lang="ja-JP" altLang="en-US" sz="2000" dirty="0"/>
+                    </a:p>
+                  </a:txBody>
+                  <a:tcPr>
+                    <a:lnL w="12700" cap="flat" cmpd="sng" algn="ctr">
+                      <a:solidFill>
+                        <a:schemeClr val="tx1"/>
+                      </a:solidFill>
+                      <a:prstDash val="solid"/>
+                      <a:round/>
+                      <a:headEnd type="none" w="med" len="med"/>
+                      <a:tailEnd type="none" w="med" len="med"/>
+                    </a:lnL>
+                    <a:lnR w="12700" cap="flat" cmpd="sng" algn="ctr">
+                      <a:solidFill>
+                        <a:schemeClr val="tx1"/>
+                      </a:solidFill>
+                      <a:prstDash val="solid"/>
+                      <a:round/>
+                      <a:headEnd type="none" w="med" len="med"/>
+                      <a:tailEnd type="none" w="med" len="med"/>
+                    </a:lnR>
+                    <a:lnT w="12700" cap="flat" cmpd="sng" algn="ctr">
+                      <a:solidFill>
+                        <a:schemeClr val="tx1"/>
+                      </a:solidFill>
+                      <a:prstDash val="solid"/>
+                      <a:round/>
+                      <a:headEnd type="none" w="med" len="med"/>
+                      <a:tailEnd type="none" w="med" len="med"/>
+                    </a:lnT>
+                    <a:lnB w="12700" cap="flat" cmpd="sng" algn="ctr">
+                      <a:solidFill>
+                        <a:schemeClr val="tx1"/>
+                      </a:solidFill>
+                      <a:prstDash val="solid"/>
+                      <a:round/>
+                      <a:headEnd type="none" w="med" len="med"/>
+                      <a:tailEnd type="none" w="med" len="med"/>
+                    </a:lnB>
+                  </a:tcPr>
+                </a:tc>
+                <a:tc hMerge="1">
+                  <a:txBody>
+                    <a:bodyPr/>
+                    <a:lstStyle/>
+                    <a:p>
+                      <a:pPr algn="ctr"/>
+                      <a:endParaRPr kumimoji="1" lang="ja-JP" altLang="en-US" sz="2000" dirty="0"/>
+                    </a:p>
+                  </a:txBody>
+                  <a:tcPr>
+                    <a:lnL w="12700" cap="flat" cmpd="sng" algn="ctr">
+                      <a:solidFill>
+                        <a:schemeClr val="tx1"/>
+                      </a:solidFill>
+                      <a:prstDash val="solid"/>
+                      <a:round/>
+                      <a:headEnd type="none" w="med" len="med"/>
+                      <a:tailEnd type="none" w="med" len="med"/>
+                    </a:lnL>
+                    <a:lnR w="12700" cap="flat" cmpd="sng" algn="ctr">
+                      <a:solidFill>
+                        <a:schemeClr val="tx1"/>
+                      </a:solidFill>
+                      <a:prstDash val="solid"/>
+                      <a:round/>
+                      <a:headEnd type="none" w="med" len="med"/>
+                      <a:tailEnd type="none" w="med" len="med"/>
+                    </a:lnR>
+                    <a:lnT w="12700" cap="flat" cmpd="sng" algn="ctr">
+                      <a:solidFill>
+                        <a:schemeClr val="tx1"/>
+                      </a:solidFill>
+                      <a:prstDash val="solid"/>
+                      <a:round/>
+                      <a:headEnd type="none" w="med" len="med"/>
+                      <a:tailEnd type="none" w="med" len="med"/>
+                    </a:lnT>
+                    <a:lnB w="12700" cap="flat" cmpd="sng" algn="ctr">
+                      <a:solidFill>
+                        <a:schemeClr val="tx1"/>
+                      </a:solidFill>
+                      <a:prstDash val="solid"/>
+                      <a:round/>
+                      <a:headEnd type="none" w="med" len="med"/>
+                      <a:tailEnd type="none" w="med" len="med"/>
+                    </a:lnB>
+                  </a:tcPr>
+                </a:tc>
+                <a:extLst>
+                  <a:ext uri="{0D108BD9-81ED-4DB2-BD59-A6C34878D82A}">
+                    <a16:rowId xmlns:a16="http://schemas.microsoft.com/office/drawing/2014/main" val="1477331125"/>
+                  </a:ext>
+                </a:extLst>
+              </a:tr>
+              <a:tr h="379155">
+                <a:tc>
+                  <a:txBody>
+                    <a:bodyPr/>
+                    <a:lstStyle/>
+                    <a:p>
+                      <a:endParaRPr kumimoji="1" lang="ja-JP" altLang="en-US" sz="2000" dirty="0"/>
+                    </a:p>
+                  </a:txBody>
+                  <a:tcPr>
+                    <a:lnL w="12700" cap="flat" cmpd="sng" algn="ctr">
+                      <a:solidFill>
+                        <a:schemeClr val="tx1"/>
+                      </a:solidFill>
+                      <a:prstDash val="solid"/>
+                      <a:round/>
+                      <a:headEnd type="none" w="med" len="med"/>
+                      <a:tailEnd type="none" w="med" len="med"/>
+                    </a:lnL>
+                    <a:lnR w="12700" cap="flat" cmpd="sng" algn="ctr">
+                      <a:solidFill>
+                        <a:schemeClr val="tx1"/>
+                      </a:solidFill>
+                      <a:prstDash val="solid"/>
+                      <a:round/>
+                      <a:headEnd type="none" w="med" len="med"/>
+                      <a:tailEnd type="none" w="med" len="med"/>
+                    </a:lnR>
+                    <a:lnT w="12700" cap="flat" cmpd="sng" algn="ctr">
+                      <a:solidFill>
+                        <a:schemeClr val="tx1"/>
+                      </a:solidFill>
+                      <a:prstDash val="solid"/>
+                      <a:round/>
+                      <a:headEnd type="none" w="med" len="med"/>
+                      <a:tailEnd type="none" w="med" len="med"/>
+                    </a:lnT>
+                    <a:lnB w="12700" cap="flat" cmpd="sng" algn="ctr">
+                      <a:solidFill>
+                        <a:schemeClr val="tx1"/>
+                      </a:solidFill>
+                      <a:prstDash val="solid"/>
+                      <a:round/>
+                      <a:headEnd type="none" w="med" len="med"/>
+                      <a:tailEnd type="none" w="med" len="med"/>
+                    </a:lnB>
+                  </a:tcPr>
+                </a:tc>
+                <a:tc vMerge="1">
+                  <a:txBody>
+                    <a:bodyPr/>
+                    <a:lstStyle/>
+                    <a:p>
+                      <a:pPr algn="ctr"/>
+                      <a:r>
+                        <a:rPr kumimoji="1" lang="ja-JP" altLang="en-US" sz="2000" dirty="0"/>
+                        <a:t>工程</a:t>
+                      </a:r>
+                    </a:p>
+                  </a:txBody>
+                  <a:tcPr>
+                    <a:lnL w="12700" cap="flat" cmpd="sng" algn="ctr">
+                      <a:solidFill>
+                        <a:schemeClr val="tx1"/>
+                      </a:solidFill>
+                      <a:prstDash val="solid"/>
+                      <a:round/>
+                      <a:headEnd type="none" w="med" len="med"/>
+                      <a:tailEnd type="none" w="med" len="med"/>
+                    </a:lnL>
+                    <a:lnR w="12700" cap="flat" cmpd="sng" algn="ctr">
+                      <a:solidFill>
+                        <a:schemeClr val="tx1"/>
+                      </a:solidFill>
+                      <a:prstDash val="solid"/>
+                      <a:round/>
+                      <a:headEnd type="none" w="med" len="med"/>
+                      <a:tailEnd type="none" w="med" len="med"/>
+                    </a:lnR>
+                    <a:lnT w="12700" cap="flat" cmpd="sng" algn="ctr">
+                      <a:solidFill>
+                        <a:schemeClr val="tx1"/>
+                      </a:solidFill>
+                      <a:prstDash val="solid"/>
+                      <a:round/>
+                      <a:headEnd type="none" w="med" len="med"/>
+                      <a:tailEnd type="none" w="med" len="med"/>
+                    </a:lnT>
+                    <a:lnB w="12700" cap="flat" cmpd="sng" algn="ctr">
+                      <a:solidFill>
+                        <a:schemeClr val="tx1"/>
+                      </a:solidFill>
+                      <a:prstDash val="solid"/>
+                      <a:round/>
+                      <a:headEnd type="none" w="med" len="med"/>
+                      <a:tailEnd type="none" w="med" len="med"/>
+                    </a:lnB>
+                  </a:tcPr>
+                </a:tc>
+                <a:tc>
+                  <a:txBody>
+                    <a:bodyPr/>
+                    <a:lstStyle/>
+                    <a:p>
+                      <a:pPr marL="0" marR="0" lvl="0" indent="0" algn="ctr" defTabSz="914400" rtl="0" eaLnBrk="1" fontAlgn="auto" latinLnBrk="0" hangingPunct="1">
+                        <a:lnSpc>
+                          <a:spcPct val="100000"/>
+                        </a:lnSpc>
+                        <a:spcBef>
+                          <a:spcPts val="0"/>
+                        </a:spcBef>
+                        <a:spcAft>
+                          <a:spcPts val="0"/>
+                        </a:spcAft>
+                        <a:buClrTx/>
+                        <a:buSzTx/>
+                        <a:buFontTx/>
+                        <a:buNone/>
+                        <a:tabLst/>
+                        <a:defRPr/>
+                      </a:pPr>
+                      <a:r>
+                        <a:rPr kumimoji="1" lang="ja-JP" altLang="en-US" sz="2000" dirty="0"/>
+                        <a:t>従来</a:t>
+                      </a:r>
+                    </a:p>
+                  </a:txBody>
+                  <a:tcPr>
+                    <a:lnL w="12700" cap="flat" cmpd="sng" algn="ctr">
+                      <a:solidFill>
+                        <a:schemeClr val="tx1"/>
+                      </a:solidFill>
+                      <a:prstDash val="solid"/>
+                      <a:round/>
+                      <a:headEnd type="none" w="med" len="med"/>
+                      <a:tailEnd type="none" w="med" len="med"/>
+                    </a:lnL>
+                    <a:lnR w="12700" cap="flat" cmpd="sng" algn="ctr">
+                      <a:solidFill>
+                        <a:schemeClr val="tx1"/>
+                      </a:solidFill>
+                      <a:prstDash val="solid"/>
+                      <a:round/>
+                      <a:headEnd type="none" w="med" len="med"/>
+                      <a:tailEnd type="none" w="med" len="med"/>
+                    </a:lnR>
+                    <a:lnT w="12700" cap="flat" cmpd="sng" algn="ctr">
+                      <a:solidFill>
+                        <a:schemeClr val="tx1"/>
+                      </a:solidFill>
+                      <a:prstDash val="solid"/>
+                      <a:round/>
+                      <a:headEnd type="none" w="med" len="med"/>
+                      <a:tailEnd type="none" w="med" len="med"/>
+                    </a:lnT>
+                    <a:lnB w="12700" cap="flat" cmpd="sng" algn="ctr">
+                      <a:solidFill>
+                        <a:schemeClr val="tx1"/>
+                      </a:solidFill>
+                      <a:prstDash val="solid"/>
+                      <a:round/>
+                      <a:headEnd type="none" w="med" len="med"/>
+                      <a:tailEnd type="none" w="med" len="med"/>
+                    </a:lnB>
+                  </a:tcPr>
+                </a:tc>
+                <a:tc>
+                  <a:txBody>
+                    <a:bodyPr/>
+                    <a:lstStyle/>
+                    <a:p>
+                      <a:pPr marL="0" marR="0" lvl="0" indent="0" algn="ctr" defTabSz="914400" rtl="0" eaLnBrk="1" fontAlgn="auto" latinLnBrk="0" hangingPunct="1">
+                        <a:lnSpc>
+                          <a:spcPct val="100000"/>
+                        </a:lnSpc>
+                        <a:spcBef>
+                          <a:spcPts val="0"/>
+                        </a:spcBef>
+                        <a:spcAft>
+                          <a:spcPts val="0"/>
+                        </a:spcAft>
+                        <a:buClrTx/>
+                        <a:buSzTx/>
+                        <a:buFontTx/>
+                        <a:buNone/>
+                        <a:tabLst/>
+                        <a:defRPr/>
+                      </a:pPr>
+                      <a:r>
+                        <a:rPr kumimoji="1" lang="ja-JP" altLang="en-US" sz="2000" dirty="0"/>
+                        <a:t>今回</a:t>
+                      </a:r>
+                    </a:p>
+                  </a:txBody>
+                  <a:tcPr>
+                    <a:lnL w="12700" cap="flat" cmpd="sng" algn="ctr">
+                      <a:solidFill>
+                        <a:schemeClr val="tx1"/>
+                      </a:solidFill>
+                      <a:prstDash val="solid"/>
+                      <a:round/>
+                      <a:headEnd type="none" w="med" len="med"/>
+                      <a:tailEnd type="none" w="med" len="med"/>
+                    </a:lnL>
+                    <a:lnR w="12700" cap="flat" cmpd="sng" algn="ctr">
+                      <a:solidFill>
+                        <a:schemeClr val="tx1"/>
+                      </a:solidFill>
+                      <a:prstDash val="solid"/>
+                      <a:round/>
+                      <a:headEnd type="none" w="med" len="med"/>
+                      <a:tailEnd type="none" w="med" len="med"/>
+                    </a:lnR>
+                    <a:lnT w="12700" cap="flat" cmpd="sng" algn="ctr">
+                      <a:solidFill>
+                        <a:schemeClr val="tx1"/>
+                      </a:solidFill>
+                      <a:prstDash val="solid"/>
+                      <a:round/>
+                      <a:headEnd type="none" w="med" len="med"/>
+                      <a:tailEnd type="none" w="med" len="med"/>
+                    </a:lnT>
+                    <a:lnB w="12700" cap="flat" cmpd="sng" algn="ctr">
+                      <a:solidFill>
+                        <a:schemeClr val="tx1"/>
+                      </a:solidFill>
+                      <a:prstDash val="solid"/>
+                      <a:round/>
+                      <a:headEnd type="none" w="med" len="med"/>
+                      <a:tailEnd type="none" w="med" len="med"/>
+                    </a:lnB>
+                  </a:tcPr>
+                </a:tc>
+                <a:extLst>
+                  <a:ext uri="{0D108BD9-81ED-4DB2-BD59-A6C34878D82A}">
+                    <a16:rowId xmlns:a16="http://schemas.microsoft.com/office/drawing/2014/main" val="978597627"/>
+                  </a:ext>
+                </a:extLst>
+              </a:tr>
+              <a:tr h="379155">
+                <a:tc>
+                  <a:txBody>
+                    <a:bodyPr/>
+                    <a:lstStyle/>
+                    <a:p>
+                      <a:pPr algn="ctr"/>
+                      <a:r>
+                        <a:rPr kumimoji="1" lang="ja-JP" altLang="en-US" sz="2000" dirty="0"/>
+                        <a:t>①</a:t>
+                      </a:r>
+                    </a:p>
+                  </a:txBody>
+                  <a:tcPr>
+                    <a:lnL w="12700" cap="flat" cmpd="sng" algn="ctr">
+                      <a:solidFill>
+                        <a:schemeClr val="tx1"/>
+                      </a:solidFill>
+                      <a:prstDash val="solid"/>
+                      <a:round/>
+                      <a:headEnd type="none" w="med" len="med"/>
+                      <a:tailEnd type="none" w="med" len="med"/>
+                    </a:lnL>
+                    <a:lnR w="12700" cap="flat" cmpd="sng" algn="ctr">
+                      <a:solidFill>
+                        <a:schemeClr val="tx1"/>
+                      </a:solidFill>
+                      <a:prstDash val="solid"/>
+                      <a:round/>
+                      <a:headEnd type="none" w="med" len="med"/>
+                      <a:tailEnd type="none" w="med" len="med"/>
+                    </a:lnR>
+                    <a:lnT w="12700" cap="flat" cmpd="sng" algn="ctr">
+                      <a:solidFill>
+                        <a:schemeClr val="tx1"/>
+                      </a:solidFill>
+                      <a:prstDash val="solid"/>
+                      <a:round/>
+                      <a:headEnd type="none" w="med" len="med"/>
+                      <a:tailEnd type="none" w="med" len="med"/>
+                    </a:lnT>
+                    <a:lnB w="12700" cap="flat" cmpd="sng" algn="ctr">
+                      <a:solidFill>
+                        <a:schemeClr val="tx1"/>
+                      </a:solidFill>
+                      <a:prstDash val="solid"/>
+                      <a:round/>
+                      <a:headEnd type="none" w="med" len="med"/>
+                      <a:tailEnd type="none" w="med" len="med"/>
+                    </a:lnB>
+                  </a:tcPr>
+                </a:tc>
+                <a:tc>
+                  <a:txBody>
+                    <a:bodyPr/>
+                    <a:lstStyle/>
+                    <a:p>
+                      <a:r>
+                        <a:rPr kumimoji="1" lang="ja-JP" altLang="en-US" sz="2000" dirty="0"/>
+                        <a:t>パワポに貼る</a:t>
+                      </a:r>
+                    </a:p>
+                  </a:txBody>
+                  <a:tcPr>
+                    <a:lnL w="12700" cap="flat" cmpd="sng" algn="ctr">
+                      <a:solidFill>
+                        <a:schemeClr val="tx1"/>
+                      </a:solidFill>
+                      <a:prstDash val="solid"/>
+                      <a:round/>
+                      <a:headEnd type="none" w="med" len="med"/>
+                      <a:tailEnd type="none" w="med" len="med"/>
+                    </a:lnL>
+                    <a:lnR w="12700" cap="flat" cmpd="sng" algn="ctr">
+                      <a:solidFill>
+                        <a:schemeClr val="tx1"/>
+                      </a:solidFill>
+                      <a:prstDash val="solid"/>
+                      <a:round/>
+                      <a:headEnd type="none" w="med" len="med"/>
+                      <a:tailEnd type="none" w="med" len="med"/>
+                    </a:lnR>
+                    <a:lnT w="12700" cap="flat" cmpd="sng" algn="ctr">
+                      <a:solidFill>
+                        <a:schemeClr val="tx1"/>
+                      </a:solidFill>
+                      <a:prstDash val="solid"/>
+                      <a:round/>
+                      <a:headEnd type="none" w="med" len="med"/>
+                      <a:tailEnd type="none" w="med" len="med"/>
+                    </a:lnT>
+                    <a:lnB w="12700" cap="flat" cmpd="sng" algn="ctr">
+                      <a:solidFill>
+                        <a:schemeClr val="tx1"/>
+                      </a:solidFill>
+                      <a:prstDash val="solid"/>
+                      <a:round/>
+                      <a:headEnd type="none" w="med" len="med"/>
+                      <a:tailEnd type="none" w="med" len="med"/>
+                    </a:lnB>
+                  </a:tcPr>
+                </a:tc>
+                <a:tc>
+                  <a:txBody>
+                    <a:bodyPr/>
+                    <a:lstStyle/>
+                    <a:p>
+                      <a:pPr algn="ctr"/>
+                      <a:r>
+                        <a:rPr kumimoji="1" lang="en-US" altLang="ja-JP" sz="2000" dirty="0"/>
+                        <a:t>5</a:t>
+                      </a:r>
+                      <a:endParaRPr kumimoji="1" lang="ja-JP" altLang="en-US" sz="2000" dirty="0"/>
+                    </a:p>
+                  </a:txBody>
+                  <a:tcPr>
+                    <a:lnL w="12700" cap="flat" cmpd="sng" algn="ctr">
+                      <a:solidFill>
+                        <a:schemeClr val="tx1"/>
+                      </a:solidFill>
+                      <a:prstDash val="solid"/>
+                      <a:round/>
+                      <a:headEnd type="none" w="med" len="med"/>
+                      <a:tailEnd type="none" w="med" len="med"/>
+                    </a:lnL>
+                    <a:lnR w="12700" cap="flat" cmpd="sng" algn="ctr">
+                      <a:solidFill>
+                        <a:schemeClr val="tx1"/>
+                      </a:solidFill>
+                      <a:prstDash val="solid"/>
+                      <a:round/>
+                      <a:headEnd type="none" w="med" len="med"/>
+                      <a:tailEnd type="none" w="med" len="med"/>
+                    </a:lnR>
+                    <a:lnT w="12700" cap="flat" cmpd="sng" algn="ctr">
+                      <a:solidFill>
+                        <a:schemeClr val="tx1"/>
+                      </a:solidFill>
+                      <a:prstDash val="solid"/>
+                      <a:round/>
+                      <a:headEnd type="none" w="med" len="med"/>
+                      <a:tailEnd type="none" w="med" len="med"/>
+                    </a:lnT>
+                    <a:lnB w="12700" cap="flat" cmpd="sng" algn="ctr">
+                      <a:solidFill>
+                        <a:schemeClr val="tx1"/>
+                      </a:solidFill>
+                      <a:prstDash val="solid"/>
+                      <a:round/>
+                      <a:headEnd type="none" w="med" len="med"/>
+                      <a:tailEnd type="none" w="med" len="med"/>
+                    </a:lnB>
+                  </a:tcPr>
+                </a:tc>
+                <a:tc>
+                  <a:txBody>
+                    <a:bodyPr/>
+                    <a:lstStyle/>
+                    <a:p>
+                      <a:pPr algn="ctr"/>
+                      <a:r>
+                        <a:rPr kumimoji="1" lang="en-US" altLang="ja-JP" sz="2000" dirty="0"/>
+                        <a:t>5</a:t>
+                      </a:r>
+                      <a:endParaRPr kumimoji="1" lang="ja-JP" altLang="en-US" sz="2000" dirty="0"/>
+                    </a:p>
+                  </a:txBody>
+                  <a:tcPr>
+                    <a:lnL w="12700" cap="flat" cmpd="sng" algn="ctr">
+                      <a:solidFill>
+                        <a:schemeClr val="tx1"/>
+                      </a:solidFill>
+                      <a:prstDash val="solid"/>
+                      <a:round/>
+                      <a:headEnd type="none" w="med" len="med"/>
+                      <a:tailEnd type="none" w="med" len="med"/>
+                    </a:lnL>
+                    <a:lnR w="12700" cap="flat" cmpd="sng" algn="ctr">
+                      <a:solidFill>
+                        <a:schemeClr val="tx1"/>
+                      </a:solidFill>
+                      <a:prstDash val="solid"/>
+                      <a:round/>
+                      <a:headEnd type="none" w="med" len="med"/>
+                      <a:tailEnd type="none" w="med" len="med"/>
+                    </a:lnR>
+                    <a:lnT w="12700" cap="flat" cmpd="sng" algn="ctr">
+                      <a:solidFill>
+                        <a:schemeClr val="tx1"/>
+                      </a:solidFill>
+                      <a:prstDash val="solid"/>
+                      <a:round/>
+                      <a:headEnd type="none" w="med" len="med"/>
+                      <a:tailEnd type="none" w="med" len="med"/>
+                    </a:lnT>
+                    <a:lnB w="12700" cap="flat" cmpd="sng" algn="ctr">
+                      <a:solidFill>
+                        <a:schemeClr val="tx1"/>
+                      </a:solidFill>
+                      <a:prstDash val="solid"/>
+                      <a:round/>
+                      <a:headEnd type="none" w="med" len="med"/>
+                      <a:tailEnd type="none" w="med" len="med"/>
+                    </a:lnB>
+                  </a:tcPr>
+                </a:tc>
+                <a:extLst>
+                  <a:ext uri="{0D108BD9-81ED-4DB2-BD59-A6C34878D82A}">
+                    <a16:rowId xmlns:a16="http://schemas.microsoft.com/office/drawing/2014/main" val="2185962338"/>
+                  </a:ext>
+                </a:extLst>
+              </a:tr>
+              <a:tr h="437486">
+                <a:tc>
+                  <a:txBody>
+                    <a:bodyPr/>
+                    <a:lstStyle/>
+                    <a:p>
+                      <a:pPr algn="ctr"/>
+                      <a:r>
+                        <a:rPr kumimoji="1" lang="ja-JP" altLang="en-US" sz="2000" dirty="0"/>
+                        <a:t>②</a:t>
+                      </a:r>
+                    </a:p>
+                  </a:txBody>
+                  <a:tcPr>
+                    <a:lnL w="12700" cap="flat" cmpd="sng" algn="ctr">
+                      <a:solidFill>
+                        <a:schemeClr val="tx1"/>
+                      </a:solidFill>
+                      <a:prstDash val="solid"/>
+                      <a:round/>
+                      <a:headEnd type="none" w="med" len="med"/>
+                      <a:tailEnd type="none" w="med" len="med"/>
+                    </a:lnL>
+                    <a:lnR w="12700" cap="flat" cmpd="sng" algn="ctr">
+                      <a:solidFill>
+                        <a:schemeClr val="tx1"/>
+                      </a:solidFill>
+                      <a:prstDash val="solid"/>
+                      <a:round/>
+                      <a:headEnd type="none" w="med" len="med"/>
+                      <a:tailEnd type="none" w="med" len="med"/>
+                    </a:lnR>
+                    <a:lnT w="12700" cap="flat" cmpd="sng" algn="ctr">
+                      <a:solidFill>
+                        <a:schemeClr val="tx1"/>
+                      </a:solidFill>
+                      <a:prstDash val="solid"/>
+                      <a:round/>
+                      <a:headEnd type="none" w="med" len="med"/>
+                      <a:tailEnd type="none" w="med" len="med"/>
+                    </a:lnT>
+                    <a:lnB w="12700" cap="flat" cmpd="sng" algn="ctr">
+                      <a:solidFill>
+                        <a:schemeClr val="tx1"/>
+                      </a:solidFill>
+                      <a:prstDash val="solid"/>
+                      <a:round/>
+                      <a:headEnd type="none" w="med" len="med"/>
+                      <a:tailEnd type="none" w="med" len="med"/>
+                    </a:lnB>
+                  </a:tcPr>
+                </a:tc>
+                <a:tc>
+                  <a:txBody>
+                    <a:bodyPr/>
+                    <a:lstStyle/>
+                    <a:p>
+                      <a:r>
+                        <a:rPr kumimoji="1" lang="ja-JP" altLang="en-US" sz="2000" dirty="0"/>
+                        <a:t>既知の長さを測定</a:t>
+                      </a:r>
+                    </a:p>
+                  </a:txBody>
+                  <a:tcPr>
+                    <a:lnL w="12700" cap="flat" cmpd="sng" algn="ctr">
+                      <a:solidFill>
+                        <a:schemeClr val="tx1"/>
+                      </a:solidFill>
+                      <a:prstDash val="solid"/>
+                      <a:round/>
+                      <a:headEnd type="none" w="med" len="med"/>
+                      <a:tailEnd type="none" w="med" len="med"/>
+                    </a:lnL>
+                    <a:lnR w="12700" cap="flat" cmpd="sng" algn="ctr">
+                      <a:solidFill>
+                        <a:schemeClr val="tx1"/>
+                      </a:solidFill>
+                      <a:prstDash val="solid"/>
+                      <a:round/>
+                      <a:headEnd type="none" w="med" len="med"/>
+                      <a:tailEnd type="none" w="med" len="med"/>
+                    </a:lnR>
+                    <a:lnT w="12700" cap="flat" cmpd="sng" algn="ctr">
+                      <a:solidFill>
+                        <a:schemeClr val="tx1"/>
+                      </a:solidFill>
+                      <a:prstDash val="solid"/>
+                      <a:round/>
+                      <a:headEnd type="none" w="med" len="med"/>
+                      <a:tailEnd type="none" w="med" len="med"/>
+                    </a:lnT>
+                    <a:lnB w="12700" cap="flat" cmpd="sng" algn="ctr">
+                      <a:solidFill>
+                        <a:schemeClr val="tx1"/>
+                      </a:solidFill>
+                      <a:prstDash val="solid"/>
+                      <a:round/>
+                      <a:headEnd type="none" w="med" len="med"/>
+                      <a:tailEnd type="none" w="med" len="med"/>
+                    </a:lnB>
+                  </a:tcPr>
+                </a:tc>
+                <a:tc>
+                  <a:txBody>
+                    <a:bodyPr/>
+                    <a:lstStyle/>
+                    <a:p>
+                      <a:pPr algn="ctr"/>
+                      <a:r>
+                        <a:rPr kumimoji="1" lang="en-US" altLang="ja-JP" sz="2000" dirty="0"/>
+                        <a:t>30</a:t>
+                      </a:r>
+                      <a:endParaRPr kumimoji="1" lang="ja-JP" altLang="en-US" sz="2000" dirty="0"/>
+                    </a:p>
+                  </a:txBody>
+                  <a:tcPr>
+                    <a:lnL w="12700" cap="flat" cmpd="sng" algn="ctr">
+                      <a:solidFill>
+                        <a:schemeClr val="tx1"/>
+                      </a:solidFill>
+                      <a:prstDash val="solid"/>
+                      <a:round/>
+                      <a:headEnd type="none" w="med" len="med"/>
+                      <a:tailEnd type="none" w="med" len="med"/>
+                    </a:lnL>
+                    <a:lnR w="12700" cap="flat" cmpd="sng" algn="ctr">
+                      <a:solidFill>
+                        <a:schemeClr val="tx1"/>
+                      </a:solidFill>
+                      <a:prstDash val="solid"/>
+                      <a:round/>
+                      <a:headEnd type="none" w="med" len="med"/>
+                      <a:tailEnd type="none" w="med" len="med"/>
+                    </a:lnR>
+                    <a:lnT w="12700" cap="flat" cmpd="sng" algn="ctr">
+                      <a:solidFill>
+                        <a:schemeClr val="tx1"/>
+                      </a:solidFill>
+                      <a:prstDash val="solid"/>
+                      <a:round/>
+                      <a:headEnd type="none" w="med" len="med"/>
+                      <a:tailEnd type="none" w="med" len="med"/>
+                    </a:lnT>
+                    <a:lnB w="12700" cap="flat" cmpd="sng" algn="ctr">
+                      <a:solidFill>
+                        <a:schemeClr val="tx1"/>
+                      </a:solidFill>
+                      <a:prstDash val="solid"/>
+                      <a:round/>
+                      <a:headEnd type="none" w="med" len="med"/>
+                      <a:tailEnd type="none" w="med" len="med"/>
+                    </a:lnB>
+                  </a:tcPr>
+                </a:tc>
+                <a:tc>
+                  <a:txBody>
+                    <a:bodyPr/>
+                    <a:lstStyle/>
+                    <a:p>
+                      <a:pPr algn="ctr"/>
+                      <a:r>
+                        <a:rPr kumimoji="1" lang="en-US" altLang="ja-JP" sz="2400" b="1" dirty="0">
+                          <a:solidFill>
+                            <a:srgbClr val="FF0000"/>
+                          </a:solidFill>
+                        </a:rPr>
+                        <a:t>10</a:t>
+                      </a:r>
+                      <a:endParaRPr kumimoji="1" lang="ja-JP" altLang="en-US" sz="2400" b="1" dirty="0">
+                        <a:solidFill>
+                          <a:srgbClr val="FF0000"/>
+                        </a:solidFill>
+                      </a:endParaRPr>
+                    </a:p>
+                  </a:txBody>
+                  <a:tcPr>
+                    <a:lnL w="12700" cap="flat" cmpd="sng" algn="ctr">
+                      <a:solidFill>
+                        <a:schemeClr val="tx1"/>
+                      </a:solidFill>
+                      <a:prstDash val="solid"/>
+                      <a:round/>
+                      <a:headEnd type="none" w="med" len="med"/>
+                      <a:tailEnd type="none" w="med" len="med"/>
+                    </a:lnL>
+                    <a:lnR w="12700" cap="flat" cmpd="sng" algn="ctr">
+                      <a:solidFill>
+                        <a:schemeClr val="tx1"/>
+                      </a:solidFill>
+                      <a:prstDash val="solid"/>
+                      <a:round/>
+                      <a:headEnd type="none" w="med" len="med"/>
+                      <a:tailEnd type="none" w="med" len="med"/>
+                    </a:lnR>
+                    <a:lnT w="12700" cap="flat" cmpd="sng" algn="ctr">
+                      <a:solidFill>
+                        <a:schemeClr val="tx1"/>
+                      </a:solidFill>
+                      <a:prstDash val="solid"/>
+                      <a:round/>
+                      <a:headEnd type="none" w="med" len="med"/>
+                      <a:tailEnd type="none" w="med" len="med"/>
+                    </a:lnT>
+                    <a:lnB w="12700" cap="flat" cmpd="sng" algn="ctr">
+                      <a:solidFill>
+                        <a:schemeClr val="tx1"/>
+                      </a:solidFill>
+                      <a:prstDash val="solid"/>
+                      <a:round/>
+                      <a:headEnd type="none" w="med" len="med"/>
+                      <a:tailEnd type="none" w="med" len="med"/>
+                    </a:lnB>
+                  </a:tcPr>
+                </a:tc>
+                <a:extLst>
+                  <a:ext uri="{0D108BD9-81ED-4DB2-BD59-A6C34878D82A}">
+                    <a16:rowId xmlns:a16="http://schemas.microsoft.com/office/drawing/2014/main" val="2980847307"/>
+                  </a:ext>
+                </a:extLst>
+              </a:tr>
+              <a:tr h="437486">
+                <a:tc>
+                  <a:txBody>
+                    <a:bodyPr/>
+                    <a:lstStyle/>
+                    <a:p>
+                      <a:pPr algn="ctr"/>
+                      <a:r>
+                        <a:rPr kumimoji="1" lang="ja-JP" altLang="en-US" sz="2000" dirty="0"/>
+                        <a:t>③</a:t>
+                      </a:r>
+                    </a:p>
+                  </a:txBody>
+                  <a:tcPr>
+                    <a:lnL w="12700" cap="flat" cmpd="sng" algn="ctr">
+                      <a:solidFill>
+                        <a:schemeClr val="tx1"/>
+                      </a:solidFill>
+                      <a:prstDash val="solid"/>
+                      <a:round/>
+                      <a:headEnd type="none" w="med" len="med"/>
+                      <a:tailEnd type="none" w="med" len="med"/>
+                    </a:lnL>
+                    <a:lnR w="12700" cap="flat" cmpd="sng" algn="ctr">
+                      <a:solidFill>
+                        <a:schemeClr val="tx1"/>
+                      </a:solidFill>
+                      <a:prstDash val="solid"/>
+                      <a:round/>
+                      <a:headEnd type="none" w="med" len="med"/>
+                      <a:tailEnd type="none" w="med" len="med"/>
+                    </a:lnR>
+                    <a:lnT w="12700" cap="flat" cmpd="sng" algn="ctr">
+                      <a:solidFill>
+                        <a:schemeClr val="tx1"/>
+                      </a:solidFill>
+                      <a:prstDash val="solid"/>
+                      <a:round/>
+                      <a:headEnd type="none" w="med" len="med"/>
+                      <a:tailEnd type="none" w="med" len="med"/>
+                    </a:lnT>
+                    <a:lnB w="12700" cap="flat" cmpd="sng" algn="ctr">
+                      <a:solidFill>
+                        <a:schemeClr val="tx1"/>
+                      </a:solidFill>
+                      <a:prstDash val="solid"/>
+                      <a:round/>
+                      <a:headEnd type="none" w="med" len="med"/>
+                      <a:tailEnd type="none" w="med" len="med"/>
+                    </a:lnB>
+                  </a:tcPr>
+                </a:tc>
+                <a:tc>
+                  <a:txBody>
+                    <a:bodyPr/>
+                    <a:lstStyle/>
+                    <a:p>
+                      <a:r>
+                        <a:rPr kumimoji="1" lang="ja-JP" altLang="en-US" sz="2000" dirty="0"/>
+                        <a:t>知りたい長さを測定</a:t>
+                      </a:r>
+                    </a:p>
+                  </a:txBody>
+                  <a:tcPr>
+                    <a:lnL w="12700" cap="flat" cmpd="sng" algn="ctr">
+                      <a:solidFill>
+                        <a:schemeClr val="tx1"/>
+                      </a:solidFill>
+                      <a:prstDash val="solid"/>
+                      <a:round/>
+                      <a:headEnd type="none" w="med" len="med"/>
+                      <a:tailEnd type="none" w="med" len="med"/>
+                    </a:lnL>
+                    <a:lnR w="12700" cap="flat" cmpd="sng" algn="ctr">
+                      <a:solidFill>
+                        <a:schemeClr val="tx1"/>
+                      </a:solidFill>
+                      <a:prstDash val="solid"/>
+                      <a:round/>
+                      <a:headEnd type="none" w="med" len="med"/>
+                      <a:tailEnd type="none" w="med" len="med"/>
+                    </a:lnR>
+                    <a:lnT w="12700" cap="flat" cmpd="sng" algn="ctr">
+                      <a:solidFill>
+                        <a:schemeClr val="tx1"/>
+                      </a:solidFill>
+                      <a:prstDash val="solid"/>
+                      <a:round/>
+                      <a:headEnd type="none" w="med" len="med"/>
+                      <a:tailEnd type="none" w="med" len="med"/>
+                    </a:lnT>
+                    <a:lnB w="12700" cap="flat" cmpd="sng" algn="ctr">
+                      <a:solidFill>
+                        <a:schemeClr val="tx1"/>
+                      </a:solidFill>
+                      <a:prstDash val="solid"/>
+                      <a:round/>
+                      <a:headEnd type="none" w="med" len="med"/>
+                      <a:tailEnd type="none" w="med" len="med"/>
+                    </a:lnB>
+                  </a:tcPr>
+                </a:tc>
+                <a:tc>
+                  <a:txBody>
+                    <a:bodyPr/>
+                    <a:lstStyle/>
+                    <a:p>
+                      <a:pPr algn="ctr"/>
+                      <a:r>
+                        <a:rPr kumimoji="1" lang="en-US" altLang="ja-JP" sz="2000" dirty="0"/>
+                        <a:t>30</a:t>
+                      </a:r>
+                      <a:endParaRPr kumimoji="1" lang="ja-JP" altLang="en-US" sz="2000" dirty="0"/>
+                    </a:p>
+                  </a:txBody>
+                  <a:tcPr>
+                    <a:lnL w="12700" cap="flat" cmpd="sng" algn="ctr">
+                      <a:solidFill>
+                        <a:schemeClr val="tx1"/>
+                      </a:solidFill>
+                      <a:prstDash val="solid"/>
+                      <a:round/>
+                      <a:headEnd type="none" w="med" len="med"/>
+                      <a:tailEnd type="none" w="med" len="med"/>
+                    </a:lnL>
+                    <a:lnR w="12700" cap="flat" cmpd="sng" algn="ctr">
+                      <a:solidFill>
+                        <a:schemeClr val="tx1"/>
+                      </a:solidFill>
+                      <a:prstDash val="solid"/>
+                      <a:round/>
+                      <a:headEnd type="none" w="med" len="med"/>
+                      <a:tailEnd type="none" w="med" len="med"/>
+                    </a:lnR>
+                    <a:lnT w="12700" cap="flat" cmpd="sng" algn="ctr">
+                      <a:solidFill>
+                        <a:schemeClr val="tx1"/>
+                      </a:solidFill>
+                      <a:prstDash val="solid"/>
+                      <a:round/>
+                      <a:headEnd type="none" w="med" len="med"/>
+                      <a:tailEnd type="none" w="med" len="med"/>
+                    </a:lnT>
+                    <a:lnB w="12700" cap="flat" cmpd="sng" algn="ctr">
+                      <a:solidFill>
+                        <a:schemeClr val="tx1"/>
+                      </a:solidFill>
+                      <a:prstDash val="solid"/>
+                      <a:round/>
+                      <a:headEnd type="none" w="med" len="med"/>
+                      <a:tailEnd type="none" w="med" len="med"/>
+                    </a:lnB>
+                  </a:tcPr>
+                </a:tc>
+                <a:tc>
+                  <a:txBody>
+                    <a:bodyPr/>
+                    <a:lstStyle/>
+                    <a:p>
+                      <a:pPr algn="ctr"/>
+                      <a:r>
+                        <a:rPr kumimoji="1" lang="en-US" altLang="ja-JP" sz="2400" b="1" dirty="0">
+                          <a:solidFill>
+                            <a:srgbClr val="FF0000"/>
+                          </a:solidFill>
+                        </a:rPr>
+                        <a:t>10</a:t>
+                      </a:r>
+                      <a:endParaRPr kumimoji="1" lang="ja-JP" altLang="en-US" sz="2400" b="1" dirty="0">
+                        <a:solidFill>
+                          <a:srgbClr val="FF0000"/>
+                        </a:solidFill>
+                      </a:endParaRPr>
+                    </a:p>
+                  </a:txBody>
+                  <a:tcPr>
+                    <a:lnL w="12700" cap="flat" cmpd="sng" algn="ctr">
+                      <a:solidFill>
+                        <a:schemeClr val="tx1"/>
+                      </a:solidFill>
+                      <a:prstDash val="solid"/>
+                      <a:round/>
+                      <a:headEnd type="none" w="med" len="med"/>
+                      <a:tailEnd type="none" w="med" len="med"/>
+                    </a:lnL>
+                    <a:lnR w="12700" cap="flat" cmpd="sng" algn="ctr">
+                      <a:solidFill>
+                        <a:schemeClr val="tx1"/>
+                      </a:solidFill>
+                      <a:prstDash val="solid"/>
+                      <a:round/>
+                      <a:headEnd type="none" w="med" len="med"/>
+                      <a:tailEnd type="none" w="med" len="med"/>
+                    </a:lnR>
+                    <a:lnT w="12700" cap="flat" cmpd="sng" algn="ctr">
+                      <a:solidFill>
+                        <a:schemeClr val="tx1"/>
+                      </a:solidFill>
+                      <a:prstDash val="solid"/>
+                      <a:round/>
+                      <a:headEnd type="none" w="med" len="med"/>
+                      <a:tailEnd type="none" w="med" len="med"/>
+                    </a:lnT>
+                    <a:lnB w="12700" cap="flat" cmpd="sng" algn="ctr">
+                      <a:solidFill>
+                        <a:schemeClr val="tx1"/>
+                      </a:solidFill>
+                      <a:prstDash val="solid"/>
+                      <a:round/>
+                      <a:headEnd type="none" w="med" len="med"/>
+                      <a:tailEnd type="none" w="med" len="med"/>
+                    </a:lnB>
+                  </a:tcPr>
+                </a:tc>
+                <a:extLst>
+                  <a:ext uri="{0D108BD9-81ED-4DB2-BD59-A6C34878D82A}">
+                    <a16:rowId xmlns:a16="http://schemas.microsoft.com/office/drawing/2014/main" val="1131517548"/>
+                  </a:ext>
+                </a:extLst>
+              </a:tr>
+              <a:tr h="437486">
+                <a:tc>
+                  <a:txBody>
+                    <a:bodyPr/>
+                    <a:lstStyle/>
+                    <a:p>
+                      <a:pPr algn="ctr"/>
+                      <a:r>
+                        <a:rPr kumimoji="1" lang="ja-JP" altLang="en-US" sz="2000" dirty="0"/>
+                        <a:t>④</a:t>
+                      </a:r>
+                    </a:p>
+                  </a:txBody>
+                  <a:tcPr>
+                    <a:lnL w="12700" cap="flat" cmpd="sng" algn="ctr">
+                      <a:solidFill>
+                        <a:schemeClr val="tx1"/>
+                      </a:solidFill>
+                      <a:prstDash val="solid"/>
+                      <a:round/>
+                      <a:headEnd type="none" w="med" len="med"/>
+                      <a:tailEnd type="none" w="med" len="med"/>
+                    </a:lnL>
+                    <a:lnR w="12700" cap="flat" cmpd="sng" algn="ctr">
+                      <a:solidFill>
+                        <a:schemeClr val="tx1"/>
+                      </a:solidFill>
+                      <a:prstDash val="solid"/>
+                      <a:round/>
+                      <a:headEnd type="none" w="med" len="med"/>
+                      <a:tailEnd type="none" w="med" len="med"/>
+                    </a:lnR>
+                    <a:lnT w="12700" cap="flat" cmpd="sng" algn="ctr">
+                      <a:solidFill>
+                        <a:schemeClr val="tx1"/>
+                      </a:solidFill>
+                      <a:prstDash val="solid"/>
+                      <a:round/>
+                      <a:headEnd type="none" w="med" len="med"/>
+                      <a:tailEnd type="none" w="med" len="med"/>
+                    </a:lnT>
+                    <a:lnB w="12700" cap="flat" cmpd="sng" algn="ctr">
+                      <a:solidFill>
+                        <a:schemeClr val="tx1"/>
+                      </a:solidFill>
+                      <a:prstDash val="solid"/>
+                      <a:round/>
+                      <a:headEnd type="none" w="med" len="med"/>
+                      <a:tailEnd type="none" w="med" len="med"/>
+                    </a:lnB>
+                  </a:tcPr>
+                </a:tc>
+                <a:tc>
+                  <a:txBody>
+                    <a:bodyPr/>
+                    <a:lstStyle/>
+                    <a:p>
+                      <a:r>
+                        <a:rPr kumimoji="1" lang="ja-JP" altLang="en-US" sz="2000" dirty="0"/>
+                        <a:t>比率計算</a:t>
+                      </a:r>
+                    </a:p>
+                  </a:txBody>
+                  <a:tcPr>
+                    <a:lnL w="12700" cap="flat" cmpd="sng" algn="ctr">
+                      <a:solidFill>
+                        <a:schemeClr val="tx1"/>
+                      </a:solidFill>
+                      <a:prstDash val="solid"/>
+                      <a:round/>
+                      <a:headEnd type="none" w="med" len="med"/>
+                      <a:tailEnd type="none" w="med" len="med"/>
+                    </a:lnL>
+                    <a:lnR w="12700" cap="flat" cmpd="sng" algn="ctr">
+                      <a:solidFill>
+                        <a:schemeClr val="tx1"/>
+                      </a:solidFill>
+                      <a:prstDash val="solid"/>
+                      <a:round/>
+                      <a:headEnd type="none" w="med" len="med"/>
+                      <a:tailEnd type="none" w="med" len="med"/>
+                    </a:lnR>
+                    <a:lnT w="12700" cap="flat" cmpd="sng" algn="ctr">
+                      <a:solidFill>
+                        <a:schemeClr val="tx1"/>
+                      </a:solidFill>
+                      <a:prstDash val="solid"/>
+                      <a:round/>
+                      <a:headEnd type="none" w="med" len="med"/>
+                      <a:tailEnd type="none" w="med" len="med"/>
+                    </a:lnT>
+                    <a:lnB w="12700" cap="flat" cmpd="sng" algn="ctr">
+                      <a:solidFill>
+                        <a:schemeClr val="tx1"/>
+                      </a:solidFill>
+                      <a:prstDash val="solid"/>
+                      <a:round/>
+                      <a:headEnd type="none" w="med" len="med"/>
+                      <a:tailEnd type="none" w="med" len="med"/>
+                    </a:lnB>
+                  </a:tcPr>
+                </a:tc>
+                <a:tc>
+                  <a:txBody>
+                    <a:bodyPr/>
+                    <a:lstStyle/>
+                    <a:p>
+                      <a:pPr algn="ctr"/>
+                      <a:r>
+                        <a:rPr kumimoji="1" lang="en-US" altLang="ja-JP" sz="2000" dirty="0"/>
+                        <a:t>20</a:t>
+                      </a:r>
+                      <a:endParaRPr kumimoji="1" lang="ja-JP" altLang="en-US" sz="2000" dirty="0"/>
+                    </a:p>
+                  </a:txBody>
+                  <a:tcPr>
+                    <a:lnL w="12700" cap="flat" cmpd="sng" algn="ctr">
+                      <a:solidFill>
+                        <a:schemeClr val="tx1"/>
+                      </a:solidFill>
+                      <a:prstDash val="solid"/>
+                      <a:round/>
+                      <a:headEnd type="none" w="med" len="med"/>
+                      <a:tailEnd type="none" w="med" len="med"/>
+                    </a:lnL>
+                    <a:lnR w="12700" cap="flat" cmpd="sng" algn="ctr">
+                      <a:solidFill>
+                        <a:schemeClr val="tx1"/>
+                      </a:solidFill>
+                      <a:prstDash val="solid"/>
+                      <a:round/>
+                      <a:headEnd type="none" w="med" len="med"/>
+                      <a:tailEnd type="none" w="med" len="med"/>
+                    </a:lnR>
+                    <a:lnT w="12700" cap="flat" cmpd="sng" algn="ctr">
+                      <a:solidFill>
+                        <a:schemeClr val="tx1"/>
+                      </a:solidFill>
+                      <a:prstDash val="solid"/>
+                      <a:round/>
+                      <a:headEnd type="none" w="med" len="med"/>
+                      <a:tailEnd type="none" w="med" len="med"/>
+                    </a:lnT>
+                    <a:lnB w="12700" cap="flat" cmpd="sng" algn="ctr">
+                      <a:solidFill>
+                        <a:schemeClr val="tx1"/>
+                      </a:solidFill>
+                      <a:prstDash val="solid"/>
+                      <a:round/>
+                      <a:headEnd type="none" w="med" len="med"/>
+                      <a:tailEnd type="none" w="med" len="med"/>
+                    </a:lnB>
+                  </a:tcPr>
+                </a:tc>
+                <a:tc>
+                  <a:txBody>
+                    <a:bodyPr/>
+                    <a:lstStyle/>
+                    <a:p>
+                      <a:pPr algn="ctr"/>
+                      <a:r>
+                        <a:rPr kumimoji="1" lang="en-US" altLang="ja-JP" sz="2400" b="1" dirty="0">
+                          <a:solidFill>
+                            <a:srgbClr val="FF0000"/>
+                          </a:solidFill>
+                        </a:rPr>
+                        <a:t>0</a:t>
+                      </a:r>
+                      <a:endParaRPr kumimoji="1" lang="ja-JP" altLang="en-US" sz="2400" b="1" dirty="0">
+                        <a:solidFill>
+                          <a:srgbClr val="FF0000"/>
+                        </a:solidFill>
+                      </a:endParaRPr>
+                    </a:p>
+                  </a:txBody>
+                  <a:tcPr>
+                    <a:lnL w="12700" cap="flat" cmpd="sng" algn="ctr">
+                      <a:solidFill>
+                        <a:schemeClr val="tx1"/>
+                      </a:solidFill>
+                      <a:prstDash val="solid"/>
+                      <a:round/>
+                      <a:headEnd type="none" w="med" len="med"/>
+                      <a:tailEnd type="none" w="med" len="med"/>
+                    </a:lnL>
+                    <a:lnR w="12700" cap="flat" cmpd="sng" algn="ctr">
+                      <a:solidFill>
+                        <a:schemeClr val="tx1"/>
+                      </a:solidFill>
+                      <a:prstDash val="solid"/>
+                      <a:round/>
+                      <a:headEnd type="none" w="med" len="med"/>
+                      <a:tailEnd type="none" w="med" len="med"/>
+                    </a:lnR>
+                    <a:lnT w="12700" cap="flat" cmpd="sng" algn="ctr">
+                      <a:solidFill>
+                        <a:schemeClr val="tx1"/>
+                      </a:solidFill>
+                      <a:prstDash val="solid"/>
+                      <a:round/>
+                      <a:headEnd type="none" w="med" len="med"/>
+                      <a:tailEnd type="none" w="med" len="med"/>
+                    </a:lnT>
+                    <a:lnB w="12700" cap="flat" cmpd="sng" algn="ctr">
+                      <a:solidFill>
+                        <a:schemeClr val="tx1"/>
+                      </a:solidFill>
+                      <a:prstDash val="solid"/>
+                      <a:round/>
+                      <a:headEnd type="none" w="med" len="med"/>
+                      <a:tailEnd type="none" w="med" len="med"/>
+                    </a:lnB>
+                  </a:tcPr>
+                </a:tc>
+                <a:extLst>
+                  <a:ext uri="{0D108BD9-81ED-4DB2-BD59-A6C34878D82A}">
+                    <a16:rowId xmlns:a16="http://schemas.microsoft.com/office/drawing/2014/main" val="1912228583"/>
+                  </a:ext>
+                </a:extLst>
+              </a:tr>
+              <a:tr h="495818">
+                <a:tc gridSpan="2">
+                  <a:txBody>
+                    <a:bodyPr/>
+                    <a:lstStyle/>
+                    <a:p>
+                      <a:pPr algn="ctr"/>
+                      <a:r>
+                        <a:rPr kumimoji="1" lang="ja-JP" altLang="en-US" sz="2000" dirty="0"/>
+                        <a:t>合計時間</a:t>
+                      </a:r>
+                    </a:p>
+                  </a:txBody>
+                  <a:tcPr>
+                    <a:lnL w="12700" cap="flat" cmpd="sng" algn="ctr">
+                      <a:solidFill>
+                        <a:schemeClr val="tx1"/>
+                      </a:solidFill>
+                      <a:prstDash val="solid"/>
+                      <a:round/>
+                      <a:headEnd type="none" w="med" len="med"/>
+                      <a:tailEnd type="none" w="med" len="med"/>
+                    </a:lnL>
+                    <a:lnR w="12700" cap="flat" cmpd="sng" algn="ctr">
+                      <a:solidFill>
+                        <a:schemeClr val="tx1"/>
+                      </a:solidFill>
+                      <a:prstDash val="solid"/>
+                      <a:round/>
+                      <a:headEnd type="none" w="med" len="med"/>
+                      <a:tailEnd type="none" w="med" len="med"/>
+                    </a:lnR>
+                    <a:lnT w="12700" cap="flat" cmpd="sng" algn="ctr">
+                      <a:solidFill>
+                        <a:schemeClr val="tx1"/>
+                      </a:solidFill>
+                      <a:prstDash val="solid"/>
+                      <a:round/>
+                      <a:headEnd type="none" w="med" len="med"/>
+                      <a:tailEnd type="none" w="med" len="med"/>
+                    </a:lnT>
+                    <a:lnB w="12700" cap="flat" cmpd="sng" algn="ctr">
+                      <a:solidFill>
+                        <a:schemeClr val="tx1"/>
+                      </a:solidFill>
+                      <a:prstDash val="solid"/>
+                      <a:round/>
+                      <a:headEnd type="none" w="med" len="med"/>
+                      <a:tailEnd type="none" w="med" len="med"/>
+                    </a:lnB>
+                  </a:tcPr>
+                </a:tc>
+                <a:tc hMerge="1">
+                  <a:txBody>
+                    <a:bodyPr/>
+                    <a:lstStyle/>
+                    <a:p>
+                      <a:endParaRPr kumimoji="1" lang="ja-JP" altLang="en-US" sz="2000" dirty="0"/>
+                    </a:p>
+                  </a:txBody>
+                  <a:tcPr>
+                    <a:lnL w="12700" cap="flat" cmpd="sng" algn="ctr">
+                      <a:solidFill>
+                        <a:schemeClr val="tx1"/>
+                      </a:solidFill>
+                      <a:prstDash val="solid"/>
+                      <a:round/>
+                      <a:headEnd type="none" w="med" len="med"/>
+                      <a:tailEnd type="none" w="med" len="med"/>
+                    </a:lnL>
+                    <a:lnR w="12700" cap="flat" cmpd="sng" algn="ctr">
+                      <a:solidFill>
+                        <a:schemeClr val="tx1"/>
+                      </a:solidFill>
+                      <a:prstDash val="solid"/>
+                      <a:round/>
+                      <a:headEnd type="none" w="med" len="med"/>
+                      <a:tailEnd type="none" w="med" len="med"/>
+                    </a:lnR>
+                    <a:lnT w="12700" cap="flat" cmpd="sng" algn="ctr">
+                      <a:solidFill>
+                        <a:schemeClr val="tx1"/>
+                      </a:solidFill>
+                      <a:prstDash val="solid"/>
+                      <a:round/>
+                      <a:headEnd type="none" w="med" len="med"/>
+                      <a:tailEnd type="none" w="med" len="med"/>
+                    </a:lnT>
+                    <a:lnB w="12700" cap="flat" cmpd="sng" algn="ctr">
+                      <a:solidFill>
+                        <a:schemeClr val="tx1"/>
+                      </a:solidFill>
+                      <a:prstDash val="solid"/>
+                      <a:round/>
+                      <a:headEnd type="none" w="med" len="med"/>
+                      <a:tailEnd type="none" w="med" len="med"/>
+                    </a:lnB>
+                  </a:tcPr>
+                </a:tc>
+                <a:tc>
+                  <a:txBody>
+                    <a:bodyPr/>
+                    <a:lstStyle/>
+                    <a:p>
+                      <a:pPr algn="ctr"/>
+                      <a:r>
+                        <a:rPr kumimoji="1" lang="en-US" altLang="ja-JP" sz="2000" dirty="0"/>
+                        <a:t>85</a:t>
+                      </a:r>
+                      <a:endParaRPr kumimoji="1" lang="ja-JP" altLang="en-US" sz="2000" dirty="0"/>
+                    </a:p>
+                  </a:txBody>
+                  <a:tcPr>
+                    <a:lnL w="12700" cap="flat" cmpd="sng" algn="ctr">
+                      <a:solidFill>
+                        <a:schemeClr val="tx1"/>
+                      </a:solidFill>
+                      <a:prstDash val="solid"/>
+                      <a:round/>
+                      <a:headEnd type="none" w="med" len="med"/>
+                      <a:tailEnd type="none" w="med" len="med"/>
+                    </a:lnL>
+                    <a:lnR w="12700" cap="flat" cmpd="sng" algn="ctr">
+                      <a:solidFill>
+                        <a:schemeClr val="tx1"/>
+                      </a:solidFill>
+                      <a:prstDash val="solid"/>
+                      <a:round/>
+                      <a:headEnd type="none" w="med" len="med"/>
+                      <a:tailEnd type="none" w="med" len="med"/>
+                    </a:lnR>
+                    <a:lnT w="12700" cap="flat" cmpd="sng" algn="ctr">
+                      <a:solidFill>
+                        <a:schemeClr val="tx1"/>
+                      </a:solidFill>
+                      <a:prstDash val="solid"/>
+                      <a:round/>
+                      <a:headEnd type="none" w="med" len="med"/>
+                      <a:tailEnd type="none" w="med" len="med"/>
+                    </a:lnT>
+                    <a:lnB w="12700" cap="flat" cmpd="sng" algn="ctr">
+                      <a:solidFill>
+                        <a:schemeClr val="tx1"/>
+                      </a:solidFill>
+                      <a:prstDash val="solid"/>
+                      <a:round/>
+                      <a:headEnd type="none" w="med" len="med"/>
+                      <a:tailEnd type="none" w="med" len="med"/>
+                    </a:lnB>
+                  </a:tcPr>
+                </a:tc>
+                <a:tc>
+                  <a:txBody>
+                    <a:bodyPr/>
+                    <a:lstStyle/>
+                    <a:p>
+                      <a:pPr algn="ctr"/>
+                      <a:r>
+                        <a:rPr kumimoji="1" lang="en-US" altLang="ja-JP" sz="2800" b="1" dirty="0">
+                          <a:solidFill>
+                            <a:srgbClr val="FF0000"/>
+                          </a:solidFill>
+                        </a:rPr>
+                        <a:t>25</a:t>
+                      </a:r>
+                      <a:endParaRPr kumimoji="1" lang="ja-JP" altLang="en-US" sz="2800" b="1" dirty="0">
+                        <a:solidFill>
+                          <a:srgbClr val="FF0000"/>
+                        </a:solidFill>
+                      </a:endParaRPr>
+                    </a:p>
+                  </a:txBody>
+                  <a:tcPr>
+                    <a:lnL w="12700" cap="flat" cmpd="sng" algn="ctr">
+                      <a:solidFill>
+                        <a:schemeClr val="tx1"/>
+                      </a:solidFill>
+                      <a:prstDash val="solid"/>
+                      <a:round/>
+                      <a:headEnd type="none" w="med" len="med"/>
+                      <a:tailEnd type="none" w="med" len="med"/>
+                    </a:lnL>
+                    <a:lnR w="12700" cap="flat" cmpd="sng" algn="ctr">
+                      <a:solidFill>
+                        <a:schemeClr val="tx1"/>
+                      </a:solidFill>
+                      <a:prstDash val="solid"/>
+                      <a:round/>
+                      <a:headEnd type="none" w="med" len="med"/>
+                      <a:tailEnd type="none" w="med" len="med"/>
+                    </a:lnR>
+                    <a:lnT w="12700" cap="flat" cmpd="sng" algn="ctr">
+                      <a:solidFill>
+                        <a:schemeClr val="tx1"/>
+                      </a:solidFill>
+                      <a:prstDash val="solid"/>
+                      <a:round/>
+                      <a:headEnd type="none" w="med" len="med"/>
+                      <a:tailEnd type="none" w="med" len="med"/>
+                    </a:lnT>
+                    <a:lnB w="12700" cap="flat" cmpd="sng" algn="ctr">
+                      <a:solidFill>
+                        <a:schemeClr val="tx1"/>
+                      </a:solidFill>
+                      <a:prstDash val="solid"/>
+                      <a:round/>
+                      <a:headEnd type="none" w="med" len="med"/>
+                      <a:tailEnd type="none" w="med" len="med"/>
+                    </a:lnB>
+                  </a:tcPr>
+                </a:tc>
+                <a:extLst>
+                  <a:ext uri="{0D108BD9-81ED-4DB2-BD59-A6C34878D82A}">
+                    <a16:rowId xmlns:a16="http://schemas.microsoft.com/office/drawing/2014/main" val="3065581765"/>
+                  </a:ext>
+                </a:extLst>
+              </a:tr>
+            </a:tbl>
+          </a:graphicData>
+        </a:graphic>
+      </p:graphicFrame>
     </p:spTree>
     <p:extLst>
       <p:ext uri="{BB962C8B-B14F-4D97-AF65-F5344CB8AC3E}">
-        <p14:creationId xmlns:p14="http://schemas.microsoft.com/office/powerpoint/2010/main" val="81742309"/>
+        <p14:creationId xmlns:p14="http://schemas.microsoft.com/office/powerpoint/2010/main" val="1058676683"/>
       </p:ext>
     </p:extLst>
   </p:cSld>
@@ -10866,7 +14435,7 @@
         </p:nvSpPr>
         <p:spPr>
           <a:xfrm flipH="1">
-            <a:off x="461553" y="487680"/>
+            <a:off x="293259" y="470850"/>
             <a:ext cx="11199223" cy="4031873"/>
           </a:xfrm>
           <a:prstGeom prst="rect">
@@ -10948,6 +14517,211 @@
 </file>
 
 <file path=ppt/slides/slide6.xml><?xml version="1.0" encoding="utf-8"?>
+<p:sld xmlns:a="http://schemas.openxmlformats.org/drawingml/2006/main" xmlns:r="http://schemas.openxmlformats.org/officeDocument/2006/relationships" xmlns:p="http://schemas.openxmlformats.org/presentationml/2006/main">
+  <p:cSld>
+    <p:spTree>
+      <p:nvGrpSpPr>
+        <p:cNvPr id="1" name=""/>
+        <p:cNvGrpSpPr/>
+        <p:nvPr/>
+      </p:nvGrpSpPr>
+      <p:grpSpPr>
+        <a:xfrm>
+          <a:off x="0" y="0"/>
+          <a:ext cx="0" cy="0"/>
+          <a:chOff x="0" y="0"/>
+          <a:chExt cx="0" cy="0"/>
+        </a:xfrm>
+      </p:grpSpPr>
+      <p:sp>
+        <p:nvSpPr>
+          <p:cNvPr id="2" name="テキスト ボックス 1">
+            <a:extLst>
+              <a:ext uri="{FF2B5EF4-FFF2-40B4-BE49-F238E27FC236}">
+                <a16:creationId xmlns:a16="http://schemas.microsoft.com/office/drawing/2014/main" id="{18A3300E-64B7-5885-9171-619CCF386B78}"/>
+              </a:ext>
+            </a:extLst>
+          </p:cNvPr>
+          <p:cNvSpPr txBox="1"/>
+          <p:nvPr/>
+        </p:nvSpPr>
+        <p:spPr>
+          <a:xfrm flipH="1">
+            <a:off x="461553" y="487680"/>
+            <a:ext cx="11199223" cy="5170646"/>
+          </a:xfrm>
+          <a:prstGeom prst="rect">
+            <a:avLst/>
+          </a:prstGeom>
+          <a:noFill/>
+        </p:spPr>
+        <p:txBody>
+          <a:bodyPr wrap="square" rtlCol="0">
+            <a:spAutoFit/>
+          </a:bodyPr>
+          <a:lstStyle/>
+          <a:p>
+            <a:r>
+              <a:rPr lang="ja-JP" altLang="en-US" sz="4800" b="1" dirty="0"/>
+              <a:t>◆学んだこと</a:t>
+            </a:r>
+            <a:endParaRPr lang="en-US" altLang="ja-JP" sz="4800" b="1" dirty="0"/>
+          </a:p>
+          <a:p>
+            <a:endParaRPr kumimoji="1" lang="en-US" altLang="ja-JP" b="1" dirty="0"/>
+          </a:p>
+          <a:p>
+            <a:r>
+              <a:rPr lang="ja-JP" altLang="en-US" sz="2400" dirty="0"/>
+              <a:t>・</a:t>
+            </a:r>
+            <a:r>
+              <a:rPr lang="en-US" altLang="ja-JP" sz="2400" dirty="0"/>
+              <a:t>TDD</a:t>
+            </a:r>
+          </a:p>
+          <a:p>
+            <a:r>
+              <a:rPr lang="ja-JP" altLang="en-US" sz="2400" dirty="0"/>
+              <a:t>・</a:t>
+            </a:r>
+            <a:r>
+              <a:rPr lang="en-US" altLang="ja-JP" sz="2400" dirty="0"/>
+              <a:t>DOM</a:t>
+            </a:r>
+            <a:r>
+              <a:rPr lang="ja-JP" altLang="en-US" sz="2400" dirty="0"/>
+              <a:t>操作</a:t>
+            </a:r>
+            <a:endParaRPr lang="en-US" altLang="ja-JP" sz="2400" dirty="0"/>
+          </a:p>
+          <a:p>
+            <a:r>
+              <a:rPr lang="ja-JP" altLang="en-US" sz="2400" dirty="0"/>
+              <a:t>・</a:t>
+            </a:r>
+            <a:r>
+              <a:rPr lang="ja-JP" altLang="en-US" sz="2400" b="1" dirty="0">
+                <a:solidFill>
+                  <a:srgbClr val="FF0000"/>
+                </a:solidFill>
+              </a:rPr>
+              <a:t>プログラミングって楽しい</a:t>
+            </a:r>
+            <a:r>
+              <a:rPr lang="ja-JP" altLang="en-US" sz="2400" dirty="0"/>
+              <a:t>んだ！！</a:t>
+            </a:r>
+            <a:endParaRPr lang="en-US" altLang="ja-JP" dirty="0"/>
+          </a:p>
+          <a:p>
+            <a:endParaRPr lang="en-US" altLang="ja-JP" dirty="0"/>
+          </a:p>
+          <a:p>
+            <a:endParaRPr lang="en-US" altLang="ja-JP" dirty="0"/>
+          </a:p>
+          <a:p>
+            <a:endParaRPr lang="en-US" altLang="ja-JP" dirty="0"/>
+          </a:p>
+          <a:p>
+            <a:r>
+              <a:rPr lang="ja-JP" altLang="en-US" sz="4800" b="1" dirty="0"/>
+              <a:t>◆今後伸ばしたいこと</a:t>
+            </a:r>
+            <a:endParaRPr lang="en-US" altLang="ja-JP" sz="4800" b="1" dirty="0"/>
+          </a:p>
+          <a:p>
+            <a:endParaRPr lang="en-US" altLang="ja-JP" b="1" dirty="0"/>
+          </a:p>
+          <a:p>
+            <a:r>
+              <a:rPr lang="ja-JP" altLang="en-US" sz="2400" dirty="0"/>
+              <a:t>・</a:t>
+            </a:r>
+            <a:r>
+              <a:rPr lang="en-US" altLang="ja-JP" sz="2400" dirty="0"/>
+              <a:t>Html</a:t>
+            </a:r>
+            <a:r>
+              <a:rPr lang="ja-JP" altLang="en-US" sz="2400" dirty="0"/>
+              <a:t>、</a:t>
+            </a:r>
+            <a:r>
+              <a:rPr lang="en-US" altLang="ja-JP" sz="2400" dirty="0"/>
+              <a:t>CSS</a:t>
+            </a:r>
+            <a:r>
+              <a:rPr lang="ja-JP" altLang="en-US" sz="2400" dirty="0"/>
+              <a:t>を駆使したレイアウト（突貫工事）</a:t>
+            </a:r>
+            <a:endParaRPr lang="en-US" altLang="ja-JP" sz="2400" dirty="0"/>
+          </a:p>
+          <a:p>
+            <a:r>
+              <a:rPr kumimoji="1" lang="ja-JP" altLang="en-US" sz="2400" dirty="0"/>
+              <a:t>・</a:t>
+            </a:r>
+            <a:r>
+              <a:rPr kumimoji="1" lang="ja-JP" altLang="en-US" sz="2400" b="1" dirty="0">
+                <a:solidFill>
+                  <a:srgbClr val="FF0000"/>
+                </a:solidFill>
+              </a:rPr>
+              <a:t>サーバーサイド</a:t>
+            </a:r>
+            <a:r>
+              <a:rPr kumimoji="1" lang="ja-JP" altLang="en-US" sz="2400" dirty="0"/>
+              <a:t>の構築</a:t>
+            </a:r>
+            <a:endParaRPr kumimoji="1" lang="en-US" altLang="ja-JP" sz="2400" dirty="0"/>
+          </a:p>
+          <a:p>
+            <a:r>
+              <a:rPr lang="ja-JP" altLang="en-US" sz="2400" dirty="0"/>
+              <a:t>・業務効率につながるソフトウェアの</a:t>
+            </a:r>
+            <a:r>
+              <a:rPr lang="ja-JP" altLang="en-US" sz="2400" b="1" dirty="0">
+                <a:solidFill>
+                  <a:srgbClr val="FF0000"/>
+                </a:solidFill>
+              </a:rPr>
+              <a:t>企画</a:t>
+            </a:r>
+            <a:r>
+              <a:rPr lang="ja-JP" altLang="en-US" sz="2400" dirty="0"/>
+              <a:t>＆即座に</a:t>
+            </a:r>
+            <a:r>
+              <a:rPr lang="ja-JP" altLang="en-US" sz="2400" b="1" dirty="0">
+                <a:solidFill>
+                  <a:srgbClr val="FF0000"/>
+                </a:solidFill>
+              </a:rPr>
+              <a:t>実装</a:t>
+            </a:r>
+            <a:r>
+              <a:rPr lang="ja-JP" altLang="en-US" sz="2400" dirty="0"/>
+              <a:t>できるスキル</a:t>
+            </a:r>
+            <a:endParaRPr kumimoji="1" lang="en-US" altLang="ja-JP" sz="2400" dirty="0"/>
+          </a:p>
+        </p:txBody>
+      </p:sp>
+    </p:spTree>
+    <p:extLst>
+      <p:ext uri="{BB962C8B-B14F-4D97-AF65-F5344CB8AC3E}">
+        <p14:creationId xmlns:p14="http://schemas.microsoft.com/office/powerpoint/2010/main" val="81742309"/>
+      </p:ext>
+    </p:extLst>
+  </p:cSld>
+  <p:clrMapOvr>
+    <a:masterClrMapping/>
+  </p:clrMapOvr>
+</p:sld>
+</file>
+
+<file path=ppt/slides/slide7.xml><?xml version="1.0" encoding="utf-8"?>
 <p:sld xmlns:a="http://schemas.openxmlformats.org/drawingml/2006/main" xmlns:r="http://schemas.openxmlformats.org/officeDocument/2006/relationships" xmlns:p="http://schemas.openxmlformats.org/presentationml/2006/main">
   <p:cSld>
     <p:spTree>
@@ -11103,7 +14877,7 @@
 </p:sld>
 </file>
 
-<file path=ppt/slides/slide7.xml><?xml version="1.0" encoding="utf-8"?>
+<file path=ppt/slides/slide8.xml><?xml version="1.0" encoding="utf-8"?>
 <p:sld xmlns:a="http://schemas.openxmlformats.org/drawingml/2006/main" xmlns:r="http://schemas.openxmlformats.org/officeDocument/2006/relationships" xmlns:p="http://schemas.openxmlformats.org/presentationml/2006/main">
   <p:cSld>
     <p:spTree>
@@ -12844,7 +16618,7 @@
 </p:sld>
 </file>
 
-<file path=ppt/slides/slide8.xml><?xml version="1.0" encoding="utf-8"?>
+<file path=ppt/slides/slide9.xml><?xml version="1.0" encoding="utf-8"?>
 <p:sld xmlns:a="http://schemas.openxmlformats.org/drawingml/2006/main" xmlns:r="http://schemas.openxmlformats.org/officeDocument/2006/relationships" xmlns:p="http://schemas.openxmlformats.org/presentationml/2006/main">
   <p:cSld>
     <p:spTree>
@@ -14391,1964 +18165,6 @@
     <p:extLst>
       <p:ext uri="{BB962C8B-B14F-4D97-AF65-F5344CB8AC3E}">
         <p14:creationId xmlns:p14="http://schemas.microsoft.com/office/powerpoint/2010/main" val="3001828065"/>
-      </p:ext>
-    </p:extLst>
-  </p:cSld>
-  <p:clrMapOvr>
-    <a:masterClrMapping/>
-  </p:clrMapOvr>
-</p:sld>
-</file>
-
-<file path=ppt/slides/slide9.xml><?xml version="1.0" encoding="utf-8"?>
-<p:sld xmlns:a="http://schemas.openxmlformats.org/drawingml/2006/main" xmlns:r="http://schemas.openxmlformats.org/officeDocument/2006/relationships" xmlns:p="http://schemas.openxmlformats.org/presentationml/2006/main">
-  <p:cSld>
-    <p:spTree>
-      <p:nvGrpSpPr>
-        <p:cNvPr id="1" name=""/>
-        <p:cNvGrpSpPr/>
-        <p:nvPr/>
-      </p:nvGrpSpPr>
-      <p:grpSpPr>
-        <a:xfrm>
-          <a:off x="0" y="0"/>
-          <a:ext cx="0" cy="0"/>
-          <a:chOff x="0" y="0"/>
-          <a:chExt cx="0" cy="0"/>
-        </a:xfrm>
-      </p:grpSpPr>
-      <p:grpSp>
-        <p:nvGrpSpPr>
-          <p:cNvPr id="20" name="グループ化 19">
-            <a:extLst>
-              <a:ext uri="{FF2B5EF4-FFF2-40B4-BE49-F238E27FC236}">
-                <a16:creationId xmlns:a16="http://schemas.microsoft.com/office/drawing/2014/main" id="{6D6F9C7A-7057-2093-F8C2-2FAAD92E8BAE}"/>
-              </a:ext>
-            </a:extLst>
-          </p:cNvPr>
-          <p:cNvGrpSpPr/>
-          <p:nvPr/>
-        </p:nvGrpSpPr>
-        <p:grpSpPr>
-          <a:xfrm>
-            <a:off x="1902149" y="93749"/>
-            <a:ext cx="8974857" cy="6736035"/>
-            <a:chOff x="1902149" y="93750"/>
-            <a:chExt cx="7565701" cy="5678400"/>
-          </a:xfrm>
-        </p:grpSpPr>
-        <p:sp>
-          <p:nvSpPr>
-            <p:cNvPr id="2" name="正方形/長方形 1">
-              <a:extLst>
-                <a:ext uri="{FF2B5EF4-FFF2-40B4-BE49-F238E27FC236}">
-                  <a16:creationId xmlns:a16="http://schemas.microsoft.com/office/drawing/2014/main" id="{4DB57607-F25E-C4E9-768E-86D9524E018A}"/>
-                </a:ext>
-              </a:extLst>
-            </p:cNvPr>
-            <p:cNvSpPr/>
-            <p:nvPr/>
-          </p:nvSpPr>
-          <p:spPr>
-            <a:xfrm>
-              <a:off x="3682909" y="828675"/>
-              <a:ext cx="3422469" cy="2379073"/>
-            </a:xfrm>
-            <a:prstGeom prst="rect">
-              <a:avLst/>
-            </a:prstGeom>
-            <a:noFill/>
-            <a:ln w="28575">
-              <a:solidFill>
-                <a:schemeClr val="tx1"/>
-              </a:solidFill>
-            </a:ln>
-          </p:spPr>
-          <p:style>
-            <a:lnRef idx="2">
-              <a:schemeClr val="accent1">
-                <a:shade val="50000"/>
-              </a:schemeClr>
-            </a:lnRef>
-            <a:fillRef idx="1">
-              <a:schemeClr val="accent1"/>
-            </a:fillRef>
-            <a:effectRef idx="0">
-              <a:schemeClr val="accent1"/>
-            </a:effectRef>
-            <a:fontRef idx="minor">
-              <a:schemeClr val="lt1"/>
-            </a:fontRef>
-          </p:style>
-          <p:txBody>
-            <a:bodyPr rtlCol="0" anchor="ctr"/>
-            <a:lstStyle/>
-            <a:p>
-              <a:pPr algn="ctr"/>
-              <a:endParaRPr kumimoji="1" lang="ja-JP" altLang="en-US"/>
-            </a:p>
-          </p:txBody>
-        </p:sp>
-        <p:sp>
-          <p:nvSpPr>
-            <p:cNvPr id="3" name="正方形/長方形 2">
-              <a:extLst>
-                <a:ext uri="{FF2B5EF4-FFF2-40B4-BE49-F238E27FC236}">
-                  <a16:creationId xmlns:a16="http://schemas.microsoft.com/office/drawing/2014/main" id="{DA8E6B9C-ACFA-8BFC-FAF7-C7FCFDC74536}"/>
-                </a:ext>
-              </a:extLst>
-            </p:cNvPr>
-            <p:cNvSpPr/>
-            <p:nvPr/>
-          </p:nvSpPr>
-          <p:spPr>
-            <a:xfrm>
-              <a:off x="3682909" y="828674"/>
-              <a:ext cx="592183" cy="2379074"/>
-            </a:xfrm>
-            <a:prstGeom prst="rect">
-              <a:avLst/>
-            </a:prstGeom>
-            <a:noFill/>
-            <a:ln w="28575">
-              <a:solidFill>
-                <a:schemeClr val="tx1"/>
-              </a:solidFill>
-            </a:ln>
-          </p:spPr>
-          <p:style>
-            <a:lnRef idx="2">
-              <a:schemeClr val="accent1">
-                <a:shade val="50000"/>
-              </a:schemeClr>
-            </a:lnRef>
-            <a:fillRef idx="1">
-              <a:schemeClr val="accent1"/>
-            </a:fillRef>
-            <a:effectRef idx="0">
-              <a:schemeClr val="accent1"/>
-            </a:effectRef>
-            <a:fontRef idx="minor">
-              <a:schemeClr val="lt1"/>
-            </a:fontRef>
-          </p:style>
-          <p:txBody>
-            <a:bodyPr rtlCol="0" anchor="ctr"/>
-            <a:lstStyle/>
-            <a:p>
-              <a:pPr algn="ctr"/>
-              <a:endParaRPr kumimoji="1" lang="ja-JP" altLang="en-US"/>
-            </a:p>
-          </p:txBody>
-        </p:sp>
-        <p:sp>
-          <p:nvSpPr>
-            <p:cNvPr id="4" name="正方形/長方形 3">
-              <a:extLst>
-                <a:ext uri="{FF2B5EF4-FFF2-40B4-BE49-F238E27FC236}">
-                  <a16:creationId xmlns:a16="http://schemas.microsoft.com/office/drawing/2014/main" id="{793EE186-2968-0096-8C6B-439D128A5612}"/>
-                </a:ext>
-              </a:extLst>
-            </p:cNvPr>
-            <p:cNvSpPr/>
-            <p:nvPr/>
-          </p:nvSpPr>
-          <p:spPr>
-            <a:xfrm>
-              <a:off x="3682909" y="4331154"/>
-              <a:ext cx="592183" cy="984068"/>
-            </a:xfrm>
-            <a:prstGeom prst="rect">
-              <a:avLst/>
-            </a:prstGeom>
-            <a:noFill/>
-            <a:ln w="28575">
-              <a:solidFill>
-                <a:schemeClr val="tx1"/>
-              </a:solidFill>
-            </a:ln>
-          </p:spPr>
-          <p:style>
-            <a:lnRef idx="2">
-              <a:schemeClr val="accent1">
-                <a:shade val="50000"/>
-              </a:schemeClr>
-            </a:lnRef>
-            <a:fillRef idx="1">
-              <a:schemeClr val="accent1"/>
-            </a:fillRef>
-            <a:effectRef idx="0">
-              <a:schemeClr val="accent1"/>
-            </a:effectRef>
-            <a:fontRef idx="minor">
-              <a:schemeClr val="lt1"/>
-            </a:fontRef>
-          </p:style>
-          <p:txBody>
-            <a:bodyPr rtlCol="0" anchor="ctr"/>
-            <a:lstStyle/>
-            <a:p>
-              <a:pPr algn="ctr"/>
-              <a:endParaRPr kumimoji="1" lang="ja-JP" altLang="en-US"/>
-            </a:p>
-          </p:txBody>
-        </p:sp>
-        <p:sp>
-          <p:nvSpPr>
-            <p:cNvPr id="5" name="正方形/長方形 4">
-              <a:extLst>
-                <a:ext uri="{FF2B5EF4-FFF2-40B4-BE49-F238E27FC236}">
-                  <a16:creationId xmlns:a16="http://schemas.microsoft.com/office/drawing/2014/main" id="{BB7E20F9-A390-E420-6C1C-34B87D868B93}"/>
-                </a:ext>
-              </a:extLst>
-            </p:cNvPr>
-            <p:cNvSpPr/>
-            <p:nvPr/>
-          </p:nvSpPr>
-          <p:spPr>
-            <a:xfrm>
-              <a:off x="4275092" y="4871084"/>
-              <a:ext cx="2830286" cy="444137"/>
-            </a:xfrm>
-            <a:prstGeom prst="rect">
-              <a:avLst/>
-            </a:prstGeom>
-            <a:noFill/>
-            <a:ln w="28575">
-              <a:solidFill>
-                <a:schemeClr val="tx1"/>
-              </a:solidFill>
-            </a:ln>
-          </p:spPr>
-          <p:style>
-            <a:lnRef idx="2">
-              <a:schemeClr val="accent1">
-                <a:shade val="50000"/>
-              </a:schemeClr>
-            </a:lnRef>
-            <a:fillRef idx="1">
-              <a:schemeClr val="accent1"/>
-            </a:fillRef>
-            <a:effectRef idx="0">
-              <a:schemeClr val="accent1"/>
-            </a:effectRef>
-            <a:fontRef idx="minor">
-              <a:schemeClr val="lt1"/>
-            </a:fontRef>
-          </p:style>
-          <p:txBody>
-            <a:bodyPr rtlCol="0" anchor="ctr"/>
-            <a:lstStyle/>
-            <a:p>
-              <a:pPr algn="ctr"/>
-              <a:endParaRPr kumimoji="1" lang="ja-JP" altLang="en-US"/>
-            </a:p>
-          </p:txBody>
-        </p:sp>
-        <p:sp>
-          <p:nvSpPr>
-            <p:cNvPr id="6" name="正方形/長方形 5">
-              <a:extLst>
-                <a:ext uri="{FF2B5EF4-FFF2-40B4-BE49-F238E27FC236}">
-                  <a16:creationId xmlns:a16="http://schemas.microsoft.com/office/drawing/2014/main" id="{9071A62F-35CC-AAF1-7B5F-0839E68129A2}"/>
-                </a:ext>
-              </a:extLst>
-            </p:cNvPr>
-            <p:cNvSpPr/>
-            <p:nvPr/>
-          </p:nvSpPr>
-          <p:spPr>
-            <a:xfrm>
-              <a:off x="4179298" y="4902833"/>
-              <a:ext cx="200297" cy="383542"/>
-            </a:xfrm>
-            <a:prstGeom prst="rect">
-              <a:avLst/>
-            </a:prstGeom>
-            <a:solidFill>
-              <a:schemeClr val="bg1"/>
-            </a:solidFill>
-            <a:ln>
-              <a:solidFill>
-                <a:schemeClr val="bg1"/>
-              </a:solidFill>
-            </a:ln>
-          </p:spPr>
-          <p:style>
-            <a:lnRef idx="2">
-              <a:schemeClr val="accent1">
-                <a:shade val="50000"/>
-              </a:schemeClr>
-            </a:lnRef>
-            <a:fillRef idx="1">
-              <a:schemeClr val="accent1"/>
-            </a:fillRef>
-            <a:effectRef idx="0">
-              <a:schemeClr val="accent1"/>
-            </a:effectRef>
-            <a:fontRef idx="minor">
-              <a:schemeClr val="lt1"/>
-            </a:fontRef>
-          </p:style>
-          <p:txBody>
-            <a:bodyPr rtlCol="0" anchor="ctr"/>
-            <a:lstStyle/>
-            <a:p>
-              <a:pPr algn="ctr"/>
-              <a:endParaRPr kumimoji="1" lang="ja-JP" altLang="en-US"/>
-            </a:p>
-          </p:txBody>
-        </p:sp>
-        <p:sp>
-          <p:nvSpPr>
-            <p:cNvPr id="7" name="正方形/長方形 6">
-              <a:extLst>
-                <a:ext uri="{FF2B5EF4-FFF2-40B4-BE49-F238E27FC236}">
-                  <a16:creationId xmlns:a16="http://schemas.microsoft.com/office/drawing/2014/main" id="{B458BE5D-C30F-26DB-72C0-F492C4E723F4}"/>
-                </a:ext>
-              </a:extLst>
-            </p:cNvPr>
-            <p:cNvSpPr/>
-            <p:nvPr/>
-          </p:nvSpPr>
-          <p:spPr>
-            <a:xfrm>
-              <a:off x="8162924" y="828674"/>
-              <a:ext cx="982800" cy="2379074"/>
-            </a:xfrm>
-            <a:prstGeom prst="rect">
-              <a:avLst/>
-            </a:prstGeom>
-            <a:noFill/>
-            <a:ln w="28575">
-              <a:solidFill>
-                <a:schemeClr val="tx1"/>
-              </a:solidFill>
-            </a:ln>
-          </p:spPr>
-          <p:style>
-            <a:lnRef idx="2">
-              <a:schemeClr val="accent1">
-                <a:shade val="50000"/>
-              </a:schemeClr>
-            </a:lnRef>
-            <a:fillRef idx="1">
-              <a:schemeClr val="accent1"/>
-            </a:fillRef>
-            <a:effectRef idx="0">
-              <a:schemeClr val="accent1"/>
-            </a:effectRef>
-            <a:fontRef idx="minor">
-              <a:schemeClr val="lt1"/>
-            </a:fontRef>
-          </p:style>
-          <p:txBody>
-            <a:bodyPr rtlCol="0" anchor="ctr"/>
-            <a:lstStyle/>
-            <a:p>
-              <a:pPr algn="ctr"/>
-              <a:endParaRPr kumimoji="1" lang="ja-JP" altLang="en-US"/>
-            </a:p>
-          </p:txBody>
-        </p:sp>
-        <p:sp>
-          <p:nvSpPr>
-            <p:cNvPr id="8" name="正方形/長方形 7">
-              <a:extLst>
-                <a:ext uri="{FF2B5EF4-FFF2-40B4-BE49-F238E27FC236}">
-                  <a16:creationId xmlns:a16="http://schemas.microsoft.com/office/drawing/2014/main" id="{3A2B13F5-D9E3-707E-00FC-5DE057A45746}"/>
-                </a:ext>
-              </a:extLst>
-            </p:cNvPr>
-            <p:cNvSpPr/>
-            <p:nvPr/>
-          </p:nvSpPr>
-          <p:spPr>
-            <a:xfrm>
-              <a:off x="8705849" y="828674"/>
-              <a:ext cx="442800" cy="2379074"/>
-            </a:xfrm>
-            <a:prstGeom prst="rect">
-              <a:avLst/>
-            </a:prstGeom>
-            <a:noFill/>
-            <a:ln w="28575">
-              <a:solidFill>
-                <a:schemeClr val="tx1"/>
-              </a:solidFill>
-            </a:ln>
-          </p:spPr>
-          <p:style>
-            <a:lnRef idx="2">
-              <a:schemeClr val="accent1">
-                <a:shade val="50000"/>
-              </a:schemeClr>
-            </a:lnRef>
-            <a:fillRef idx="1">
-              <a:schemeClr val="accent1"/>
-            </a:fillRef>
-            <a:effectRef idx="0">
-              <a:schemeClr val="accent1"/>
-            </a:effectRef>
-            <a:fontRef idx="minor">
-              <a:schemeClr val="lt1"/>
-            </a:fontRef>
-          </p:style>
-          <p:txBody>
-            <a:bodyPr rtlCol="0" anchor="ctr"/>
-            <a:lstStyle/>
-            <a:p>
-              <a:pPr algn="ctr"/>
-              <a:endParaRPr kumimoji="1" lang="ja-JP" altLang="en-US"/>
-            </a:p>
-          </p:txBody>
-        </p:sp>
-        <p:cxnSp>
-          <p:nvCxnSpPr>
-            <p:cNvPr id="12" name="直線コネクタ 11">
-              <a:extLst>
-                <a:ext uri="{FF2B5EF4-FFF2-40B4-BE49-F238E27FC236}">
-                  <a16:creationId xmlns:a16="http://schemas.microsoft.com/office/drawing/2014/main" id="{BC8C1C69-3E78-7A19-30E3-9CCEFD47D7CC}"/>
-                </a:ext>
-              </a:extLst>
-            </p:cNvPr>
-            <p:cNvCxnSpPr/>
-            <p:nvPr/>
-          </p:nvCxnSpPr>
-          <p:spPr>
-            <a:xfrm>
-              <a:off x="3481523" y="438150"/>
-              <a:ext cx="0" cy="5334000"/>
-            </a:xfrm>
-            <a:prstGeom prst="line">
-              <a:avLst/>
-            </a:prstGeom>
-            <a:ln>
-              <a:solidFill>
-                <a:schemeClr val="tx1"/>
-              </a:solidFill>
-            </a:ln>
-          </p:spPr>
-          <p:style>
-            <a:lnRef idx="1">
-              <a:schemeClr val="accent1"/>
-            </a:lnRef>
-            <a:fillRef idx="0">
-              <a:schemeClr val="accent1"/>
-            </a:fillRef>
-            <a:effectRef idx="0">
-              <a:schemeClr val="accent1"/>
-            </a:effectRef>
-            <a:fontRef idx="minor">
-              <a:schemeClr val="tx1"/>
-            </a:fontRef>
-          </p:style>
-        </p:cxnSp>
-        <p:cxnSp>
-          <p:nvCxnSpPr>
-            <p:cNvPr id="13" name="直線コネクタ 12">
-              <a:extLst>
-                <a:ext uri="{FF2B5EF4-FFF2-40B4-BE49-F238E27FC236}">
-                  <a16:creationId xmlns:a16="http://schemas.microsoft.com/office/drawing/2014/main" id="{7498423C-B603-CB15-F260-D3CB17A96F6B}"/>
-                </a:ext>
-              </a:extLst>
-            </p:cNvPr>
-            <p:cNvCxnSpPr/>
-            <p:nvPr/>
-          </p:nvCxnSpPr>
-          <p:spPr>
-            <a:xfrm>
-              <a:off x="5192758" y="438150"/>
-              <a:ext cx="0" cy="5334000"/>
-            </a:xfrm>
-            <a:prstGeom prst="line">
-              <a:avLst/>
-            </a:prstGeom>
-            <a:ln>
-              <a:solidFill>
-                <a:schemeClr val="tx1"/>
-              </a:solidFill>
-            </a:ln>
-          </p:spPr>
-          <p:style>
-            <a:lnRef idx="1">
-              <a:schemeClr val="accent1"/>
-            </a:lnRef>
-            <a:fillRef idx="0">
-              <a:schemeClr val="accent1"/>
-            </a:fillRef>
-            <a:effectRef idx="0">
-              <a:schemeClr val="accent1"/>
-            </a:effectRef>
-            <a:fontRef idx="minor">
-              <a:schemeClr val="tx1"/>
-            </a:fontRef>
-          </p:style>
-        </p:cxnSp>
-        <p:cxnSp>
-          <p:nvCxnSpPr>
-            <p:cNvPr id="15" name="直線コネクタ 14">
-              <a:extLst>
-                <a:ext uri="{FF2B5EF4-FFF2-40B4-BE49-F238E27FC236}">
-                  <a16:creationId xmlns:a16="http://schemas.microsoft.com/office/drawing/2014/main" id="{1B3997BE-5A50-C725-C0F1-54C6BE46DDA3}"/>
-                </a:ext>
-              </a:extLst>
-            </p:cNvPr>
-            <p:cNvCxnSpPr/>
-            <p:nvPr/>
-          </p:nvCxnSpPr>
-          <p:spPr>
-            <a:xfrm>
-              <a:off x="6903993" y="438150"/>
-              <a:ext cx="0" cy="5334000"/>
-            </a:xfrm>
-            <a:prstGeom prst="line">
-              <a:avLst/>
-            </a:prstGeom>
-            <a:ln>
-              <a:solidFill>
-                <a:schemeClr val="tx1"/>
-              </a:solidFill>
-            </a:ln>
-          </p:spPr>
-          <p:style>
-            <a:lnRef idx="1">
-              <a:schemeClr val="accent1"/>
-            </a:lnRef>
-            <a:fillRef idx="0">
-              <a:schemeClr val="accent1"/>
-            </a:fillRef>
-            <a:effectRef idx="0">
-              <a:schemeClr val="accent1"/>
-            </a:effectRef>
-            <a:fontRef idx="minor">
-              <a:schemeClr val="tx1"/>
-            </a:fontRef>
-          </p:style>
-        </p:cxnSp>
-        <p:cxnSp>
-          <p:nvCxnSpPr>
-            <p:cNvPr id="17" name="直線コネクタ 16">
-              <a:extLst>
-                <a:ext uri="{FF2B5EF4-FFF2-40B4-BE49-F238E27FC236}">
-                  <a16:creationId xmlns:a16="http://schemas.microsoft.com/office/drawing/2014/main" id="{C600F649-26D9-ADF4-7F8D-51FB6C6E7E0D}"/>
-                </a:ext>
-              </a:extLst>
-            </p:cNvPr>
-            <p:cNvCxnSpPr>
-              <a:cxnSpLocks/>
-            </p:cNvCxnSpPr>
-            <p:nvPr/>
-          </p:nvCxnSpPr>
-          <p:spPr>
-            <a:xfrm>
-              <a:off x="2486025" y="1072588"/>
-              <a:ext cx="6981825" cy="0"/>
-            </a:xfrm>
-            <a:prstGeom prst="line">
-              <a:avLst/>
-            </a:prstGeom>
-            <a:ln>
-              <a:solidFill>
-                <a:schemeClr val="tx1"/>
-              </a:solidFill>
-            </a:ln>
-          </p:spPr>
-          <p:style>
-            <a:lnRef idx="1">
-              <a:schemeClr val="accent1"/>
-            </a:lnRef>
-            <a:fillRef idx="0">
-              <a:schemeClr val="accent1"/>
-            </a:fillRef>
-            <a:effectRef idx="0">
-              <a:schemeClr val="accent1"/>
-            </a:effectRef>
-            <a:fontRef idx="minor">
-              <a:schemeClr val="tx1"/>
-            </a:fontRef>
-          </p:style>
-        </p:cxnSp>
-        <p:cxnSp>
-          <p:nvCxnSpPr>
-            <p:cNvPr id="19" name="直線コネクタ 18">
-              <a:extLst>
-                <a:ext uri="{FF2B5EF4-FFF2-40B4-BE49-F238E27FC236}">
-                  <a16:creationId xmlns:a16="http://schemas.microsoft.com/office/drawing/2014/main" id="{BAA62C0B-8620-3B8C-96DC-C25327878964}"/>
-                </a:ext>
-              </a:extLst>
-            </p:cNvPr>
-            <p:cNvCxnSpPr>
-              <a:cxnSpLocks/>
-            </p:cNvCxnSpPr>
-            <p:nvPr/>
-          </p:nvCxnSpPr>
-          <p:spPr>
-            <a:xfrm>
-              <a:off x="2657475" y="2782588"/>
-              <a:ext cx="6810375" cy="0"/>
-            </a:xfrm>
-            <a:prstGeom prst="line">
-              <a:avLst/>
-            </a:prstGeom>
-            <a:ln>
-              <a:solidFill>
-                <a:schemeClr val="tx1"/>
-              </a:solidFill>
-            </a:ln>
-          </p:spPr>
-          <p:style>
-            <a:lnRef idx="1">
-              <a:schemeClr val="accent1"/>
-            </a:lnRef>
-            <a:fillRef idx="0">
-              <a:schemeClr val="accent1"/>
-            </a:fillRef>
-            <a:effectRef idx="0">
-              <a:schemeClr val="accent1"/>
-            </a:effectRef>
-            <a:fontRef idx="minor">
-              <a:schemeClr val="tx1"/>
-            </a:fontRef>
-          </p:style>
-        </p:cxnSp>
-        <p:sp>
-          <p:nvSpPr>
-            <p:cNvPr id="23" name="楕円 22">
-              <a:extLst>
-                <a:ext uri="{FF2B5EF4-FFF2-40B4-BE49-F238E27FC236}">
-                  <a16:creationId xmlns:a16="http://schemas.microsoft.com/office/drawing/2014/main" id="{D6F17E38-3403-D6BB-143F-5A1E92B9E500}"/>
-                </a:ext>
-              </a:extLst>
-            </p:cNvPr>
-            <p:cNvSpPr/>
-            <p:nvPr/>
-          </p:nvSpPr>
-          <p:spPr>
-            <a:xfrm>
-              <a:off x="4726256" y="1790701"/>
-              <a:ext cx="418653" cy="418653"/>
-            </a:xfrm>
-            <a:prstGeom prst="ellipse">
-              <a:avLst/>
-            </a:prstGeom>
-            <a:noFill/>
-            <a:ln w="28575">
-              <a:solidFill>
-                <a:schemeClr val="tx1"/>
-              </a:solidFill>
-            </a:ln>
-          </p:spPr>
-          <p:style>
-            <a:lnRef idx="2">
-              <a:schemeClr val="accent1">
-                <a:shade val="50000"/>
-              </a:schemeClr>
-            </a:lnRef>
-            <a:fillRef idx="1">
-              <a:schemeClr val="accent1"/>
-            </a:fillRef>
-            <a:effectRef idx="0">
-              <a:schemeClr val="accent1"/>
-            </a:effectRef>
-            <a:fontRef idx="minor">
-              <a:schemeClr val="lt1"/>
-            </a:fontRef>
-          </p:style>
-          <p:txBody>
-            <a:bodyPr rtlCol="0" anchor="ctr"/>
-            <a:lstStyle/>
-            <a:p>
-              <a:pPr algn="ctr"/>
-              <a:endParaRPr kumimoji="1" lang="ja-JP" altLang="en-US"/>
-            </a:p>
-          </p:txBody>
-        </p:sp>
-        <p:sp>
-          <p:nvSpPr>
-            <p:cNvPr id="25" name="楕円 24">
-              <a:extLst>
-                <a:ext uri="{FF2B5EF4-FFF2-40B4-BE49-F238E27FC236}">
-                  <a16:creationId xmlns:a16="http://schemas.microsoft.com/office/drawing/2014/main" id="{024CD2FE-89CC-5CED-65EF-E79F8620455D}"/>
-                </a:ext>
-              </a:extLst>
-            </p:cNvPr>
-            <p:cNvSpPr/>
-            <p:nvPr/>
-          </p:nvSpPr>
-          <p:spPr>
-            <a:xfrm>
-              <a:off x="6437316" y="1790701"/>
-              <a:ext cx="418653" cy="418653"/>
-            </a:xfrm>
-            <a:prstGeom prst="ellipse">
-              <a:avLst/>
-            </a:prstGeom>
-            <a:noFill/>
-            <a:ln w="28575">
-              <a:solidFill>
-                <a:schemeClr val="tx1"/>
-              </a:solidFill>
-            </a:ln>
-          </p:spPr>
-          <p:style>
-            <a:lnRef idx="2">
-              <a:schemeClr val="accent1">
-                <a:shade val="50000"/>
-              </a:schemeClr>
-            </a:lnRef>
-            <a:fillRef idx="1">
-              <a:schemeClr val="accent1"/>
-            </a:fillRef>
-            <a:effectRef idx="0">
-              <a:schemeClr val="accent1"/>
-            </a:effectRef>
-            <a:fontRef idx="minor">
-              <a:schemeClr val="lt1"/>
-            </a:fontRef>
-          </p:style>
-          <p:txBody>
-            <a:bodyPr rtlCol="0" anchor="ctr"/>
-            <a:lstStyle/>
-            <a:p>
-              <a:pPr algn="ctr"/>
-              <a:endParaRPr kumimoji="1" lang="ja-JP" altLang="en-US"/>
-            </a:p>
-          </p:txBody>
-        </p:sp>
-        <p:sp>
-          <p:nvSpPr>
-            <p:cNvPr id="26" name="正方形/長方形 25">
-              <a:extLst>
-                <a:ext uri="{FF2B5EF4-FFF2-40B4-BE49-F238E27FC236}">
-                  <a16:creationId xmlns:a16="http://schemas.microsoft.com/office/drawing/2014/main" id="{2873AF15-9EF9-3E08-3353-6C74C643ACD4}"/>
-                </a:ext>
-              </a:extLst>
-            </p:cNvPr>
-            <p:cNvSpPr/>
-            <p:nvPr/>
-          </p:nvSpPr>
-          <p:spPr>
-            <a:xfrm>
-              <a:off x="8702924" y="1790700"/>
-              <a:ext cx="442800" cy="418651"/>
-            </a:xfrm>
-            <a:prstGeom prst="rect">
-              <a:avLst/>
-            </a:prstGeom>
-            <a:noFill/>
-            <a:ln w="28575">
-              <a:solidFill>
-                <a:schemeClr val="tx1"/>
-              </a:solidFill>
-            </a:ln>
-          </p:spPr>
-          <p:style>
-            <a:lnRef idx="2">
-              <a:schemeClr val="accent1">
-                <a:shade val="50000"/>
-              </a:schemeClr>
-            </a:lnRef>
-            <a:fillRef idx="1">
-              <a:schemeClr val="accent1"/>
-            </a:fillRef>
-            <a:effectRef idx="0">
-              <a:schemeClr val="accent1"/>
-            </a:effectRef>
-            <a:fontRef idx="minor">
-              <a:schemeClr val="lt1"/>
-            </a:fontRef>
-          </p:style>
-          <p:txBody>
-            <a:bodyPr rtlCol="0" anchor="ctr"/>
-            <a:lstStyle/>
-            <a:p>
-              <a:pPr algn="ctr"/>
-              <a:endParaRPr kumimoji="1" lang="ja-JP" altLang="en-US"/>
-            </a:p>
-          </p:txBody>
-        </p:sp>
-        <p:sp>
-          <p:nvSpPr>
-            <p:cNvPr id="27" name="正方形/長方形 26">
-              <a:extLst>
-                <a:ext uri="{FF2B5EF4-FFF2-40B4-BE49-F238E27FC236}">
-                  <a16:creationId xmlns:a16="http://schemas.microsoft.com/office/drawing/2014/main" id="{5DB27AA3-345B-A34E-1A01-EB5CA1BB2054}"/>
-                </a:ext>
-              </a:extLst>
-            </p:cNvPr>
-            <p:cNvSpPr/>
-            <p:nvPr/>
-          </p:nvSpPr>
-          <p:spPr>
-            <a:xfrm rot="5400000">
-              <a:off x="4713505" y="4880609"/>
-              <a:ext cx="442800" cy="418651"/>
-            </a:xfrm>
-            <a:prstGeom prst="rect">
-              <a:avLst/>
-            </a:prstGeom>
-            <a:noFill/>
-            <a:ln w="28575">
-              <a:solidFill>
-                <a:schemeClr val="tx1"/>
-              </a:solidFill>
-            </a:ln>
-          </p:spPr>
-          <p:style>
-            <a:lnRef idx="2">
-              <a:schemeClr val="accent1">
-                <a:shade val="50000"/>
-              </a:schemeClr>
-            </a:lnRef>
-            <a:fillRef idx="1">
-              <a:schemeClr val="accent1"/>
-            </a:fillRef>
-            <a:effectRef idx="0">
-              <a:schemeClr val="accent1"/>
-            </a:effectRef>
-            <a:fontRef idx="minor">
-              <a:schemeClr val="lt1"/>
-            </a:fontRef>
-          </p:style>
-          <p:txBody>
-            <a:bodyPr rtlCol="0" anchor="ctr"/>
-            <a:lstStyle/>
-            <a:p>
-              <a:pPr algn="ctr"/>
-              <a:endParaRPr kumimoji="1" lang="ja-JP" altLang="en-US"/>
-            </a:p>
-          </p:txBody>
-        </p:sp>
-        <p:sp>
-          <p:nvSpPr>
-            <p:cNvPr id="28" name="正方形/長方形 27">
-              <a:extLst>
-                <a:ext uri="{FF2B5EF4-FFF2-40B4-BE49-F238E27FC236}">
-                  <a16:creationId xmlns:a16="http://schemas.microsoft.com/office/drawing/2014/main" id="{9BF00707-EA19-990A-DB27-0500F14E4A93}"/>
-                </a:ext>
-              </a:extLst>
-            </p:cNvPr>
-            <p:cNvSpPr/>
-            <p:nvPr/>
-          </p:nvSpPr>
-          <p:spPr>
-            <a:xfrm rot="5400000">
-              <a:off x="6424739" y="4880610"/>
-              <a:ext cx="442800" cy="418651"/>
-            </a:xfrm>
-            <a:prstGeom prst="rect">
-              <a:avLst/>
-            </a:prstGeom>
-            <a:noFill/>
-            <a:ln w="28575">
-              <a:solidFill>
-                <a:schemeClr val="tx1"/>
-              </a:solidFill>
-            </a:ln>
-          </p:spPr>
-          <p:style>
-            <a:lnRef idx="2">
-              <a:schemeClr val="accent1">
-                <a:shade val="50000"/>
-              </a:schemeClr>
-            </a:lnRef>
-            <a:fillRef idx="1">
-              <a:schemeClr val="accent1"/>
-            </a:fillRef>
-            <a:effectRef idx="0">
-              <a:schemeClr val="accent1"/>
-            </a:effectRef>
-            <a:fontRef idx="minor">
-              <a:schemeClr val="lt1"/>
-            </a:fontRef>
-          </p:style>
-          <p:txBody>
-            <a:bodyPr rtlCol="0" anchor="ctr"/>
-            <a:lstStyle/>
-            <a:p>
-              <a:pPr algn="ctr"/>
-              <a:endParaRPr kumimoji="1" lang="ja-JP" altLang="en-US"/>
-            </a:p>
-          </p:txBody>
-        </p:sp>
-        <p:cxnSp>
-          <p:nvCxnSpPr>
-            <p:cNvPr id="30" name="直線コネクタ 29">
-              <a:extLst>
-                <a:ext uri="{FF2B5EF4-FFF2-40B4-BE49-F238E27FC236}">
-                  <a16:creationId xmlns:a16="http://schemas.microsoft.com/office/drawing/2014/main" id="{7EB04F2E-5481-D647-D752-96ECAC36A42C}"/>
-                </a:ext>
-              </a:extLst>
-            </p:cNvPr>
-            <p:cNvCxnSpPr>
-              <a:cxnSpLocks/>
-            </p:cNvCxnSpPr>
-            <p:nvPr/>
-          </p:nvCxnSpPr>
-          <p:spPr>
-            <a:xfrm>
-              <a:off x="4476750" y="2000025"/>
-              <a:ext cx="917393" cy="0"/>
-            </a:xfrm>
-            <a:prstGeom prst="line">
-              <a:avLst/>
-            </a:prstGeom>
-            <a:ln>
-              <a:solidFill>
-                <a:schemeClr val="tx1"/>
-              </a:solidFill>
-              <a:prstDash val="lgDashDot"/>
-            </a:ln>
-          </p:spPr>
-          <p:style>
-            <a:lnRef idx="1">
-              <a:schemeClr val="accent1"/>
-            </a:lnRef>
-            <a:fillRef idx="0">
-              <a:schemeClr val="accent1"/>
-            </a:fillRef>
-            <a:effectRef idx="0">
-              <a:schemeClr val="accent1"/>
-            </a:effectRef>
-            <a:fontRef idx="minor">
-              <a:schemeClr val="tx1"/>
-            </a:fontRef>
-          </p:style>
-        </p:cxnSp>
-        <p:cxnSp>
-          <p:nvCxnSpPr>
-            <p:cNvPr id="32" name="直線コネクタ 31">
-              <a:extLst>
-                <a:ext uri="{FF2B5EF4-FFF2-40B4-BE49-F238E27FC236}">
-                  <a16:creationId xmlns:a16="http://schemas.microsoft.com/office/drawing/2014/main" id="{7A131E2A-6FAE-86F7-29FB-C48FA6E463F5}"/>
-                </a:ext>
-              </a:extLst>
-            </p:cNvPr>
-            <p:cNvCxnSpPr>
-              <a:cxnSpLocks/>
-            </p:cNvCxnSpPr>
-            <p:nvPr/>
-          </p:nvCxnSpPr>
-          <p:spPr>
-            <a:xfrm>
-              <a:off x="6187985" y="2000025"/>
-              <a:ext cx="917393" cy="0"/>
-            </a:xfrm>
-            <a:prstGeom prst="line">
-              <a:avLst/>
-            </a:prstGeom>
-            <a:ln>
-              <a:solidFill>
-                <a:schemeClr val="tx1"/>
-              </a:solidFill>
-              <a:prstDash val="lgDashDot"/>
-            </a:ln>
-          </p:spPr>
-          <p:style>
-            <a:lnRef idx="1">
-              <a:schemeClr val="accent1"/>
-            </a:lnRef>
-            <a:fillRef idx="0">
-              <a:schemeClr val="accent1"/>
-            </a:fillRef>
-            <a:effectRef idx="0">
-              <a:schemeClr val="accent1"/>
-            </a:effectRef>
-            <a:fontRef idx="minor">
-              <a:schemeClr val="tx1"/>
-            </a:fontRef>
-          </p:style>
-        </p:cxnSp>
-        <p:cxnSp>
-          <p:nvCxnSpPr>
-            <p:cNvPr id="33" name="直線コネクタ 32">
-              <a:extLst>
-                <a:ext uri="{FF2B5EF4-FFF2-40B4-BE49-F238E27FC236}">
-                  <a16:creationId xmlns:a16="http://schemas.microsoft.com/office/drawing/2014/main" id="{8168459F-91D9-6E70-E67F-DAE4DEA426D5}"/>
-                </a:ext>
-              </a:extLst>
-            </p:cNvPr>
-            <p:cNvCxnSpPr>
-              <a:cxnSpLocks/>
-            </p:cNvCxnSpPr>
-            <p:nvPr/>
-          </p:nvCxnSpPr>
-          <p:spPr>
-            <a:xfrm>
-              <a:off x="8465627" y="2000025"/>
-              <a:ext cx="917393" cy="0"/>
-            </a:xfrm>
-            <a:prstGeom prst="line">
-              <a:avLst/>
-            </a:prstGeom>
-            <a:ln>
-              <a:solidFill>
-                <a:schemeClr val="tx1"/>
-              </a:solidFill>
-              <a:prstDash val="lgDashDot"/>
-            </a:ln>
-          </p:spPr>
-          <p:style>
-            <a:lnRef idx="1">
-              <a:schemeClr val="accent1"/>
-            </a:lnRef>
-            <a:fillRef idx="0">
-              <a:schemeClr val="accent1"/>
-            </a:fillRef>
-            <a:effectRef idx="0">
-              <a:schemeClr val="accent1"/>
-            </a:effectRef>
-            <a:fontRef idx="minor">
-              <a:schemeClr val="tx1"/>
-            </a:fontRef>
-          </p:style>
-        </p:cxnSp>
-        <p:cxnSp>
-          <p:nvCxnSpPr>
-            <p:cNvPr id="34" name="直線コネクタ 33">
-              <a:extLst>
-                <a:ext uri="{FF2B5EF4-FFF2-40B4-BE49-F238E27FC236}">
-                  <a16:creationId xmlns:a16="http://schemas.microsoft.com/office/drawing/2014/main" id="{69E23056-8BE4-C7A9-2A67-B56026FD25A5}"/>
-                </a:ext>
-              </a:extLst>
-            </p:cNvPr>
-            <p:cNvCxnSpPr>
-              <a:cxnSpLocks/>
-            </p:cNvCxnSpPr>
-            <p:nvPr/>
-          </p:nvCxnSpPr>
-          <p:spPr>
-            <a:xfrm>
-              <a:off x="6646139" y="1634129"/>
-              <a:ext cx="0" cy="768163"/>
-            </a:xfrm>
-            <a:prstGeom prst="line">
-              <a:avLst/>
-            </a:prstGeom>
-            <a:ln>
-              <a:solidFill>
-                <a:schemeClr val="tx1"/>
-              </a:solidFill>
-              <a:prstDash val="lgDashDot"/>
-            </a:ln>
-          </p:spPr>
-          <p:style>
-            <a:lnRef idx="1">
-              <a:schemeClr val="accent1"/>
-            </a:lnRef>
-            <a:fillRef idx="0">
-              <a:schemeClr val="accent1"/>
-            </a:fillRef>
-            <a:effectRef idx="0">
-              <a:schemeClr val="accent1"/>
-            </a:effectRef>
-            <a:fontRef idx="minor">
-              <a:schemeClr val="tx1"/>
-            </a:fontRef>
-          </p:style>
-        </p:cxnSp>
-        <p:cxnSp>
-          <p:nvCxnSpPr>
-            <p:cNvPr id="38" name="直線コネクタ 37">
-              <a:extLst>
-                <a:ext uri="{FF2B5EF4-FFF2-40B4-BE49-F238E27FC236}">
-                  <a16:creationId xmlns:a16="http://schemas.microsoft.com/office/drawing/2014/main" id="{17AE14D7-D5EB-CB44-BCB7-B662E78B9403}"/>
-                </a:ext>
-              </a:extLst>
-            </p:cNvPr>
-            <p:cNvCxnSpPr>
-              <a:cxnSpLocks/>
-            </p:cNvCxnSpPr>
-            <p:nvPr/>
-          </p:nvCxnSpPr>
-          <p:spPr>
-            <a:xfrm>
-              <a:off x="4934905" y="1634129"/>
-              <a:ext cx="0" cy="768163"/>
-            </a:xfrm>
-            <a:prstGeom prst="line">
-              <a:avLst/>
-            </a:prstGeom>
-            <a:ln>
-              <a:solidFill>
-                <a:schemeClr val="tx1"/>
-              </a:solidFill>
-              <a:prstDash val="lgDashDot"/>
-            </a:ln>
-          </p:spPr>
-          <p:style>
-            <a:lnRef idx="1">
-              <a:schemeClr val="accent1"/>
-            </a:lnRef>
-            <a:fillRef idx="0">
-              <a:schemeClr val="accent1"/>
-            </a:fillRef>
-            <a:effectRef idx="0">
-              <a:schemeClr val="accent1"/>
-            </a:effectRef>
-            <a:fontRef idx="minor">
-              <a:schemeClr val="tx1"/>
-            </a:fontRef>
-          </p:style>
-        </p:cxnSp>
-        <p:cxnSp>
-          <p:nvCxnSpPr>
-            <p:cNvPr id="39" name="直線コネクタ 38">
-              <a:extLst>
-                <a:ext uri="{FF2B5EF4-FFF2-40B4-BE49-F238E27FC236}">
-                  <a16:creationId xmlns:a16="http://schemas.microsoft.com/office/drawing/2014/main" id="{C2C5AEB5-9192-0027-F4F4-4DD2EE90C9CF}"/>
-                </a:ext>
-              </a:extLst>
-            </p:cNvPr>
-            <p:cNvCxnSpPr>
-              <a:cxnSpLocks/>
-            </p:cNvCxnSpPr>
-            <p:nvPr/>
-          </p:nvCxnSpPr>
-          <p:spPr>
-            <a:xfrm>
-              <a:off x="6646139" y="4705852"/>
-              <a:ext cx="0" cy="768163"/>
-            </a:xfrm>
-            <a:prstGeom prst="line">
-              <a:avLst/>
-            </a:prstGeom>
-            <a:ln>
-              <a:solidFill>
-                <a:schemeClr val="tx1"/>
-              </a:solidFill>
-              <a:prstDash val="lgDashDot"/>
-            </a:ln>
-          </p:spPr>
-          <p:style>
-            <a:lnRef idx="1">
-              <a:schemeClr val="accent1"/>
-            </a:lnRef>
-            <a:fillRef idx="0">
-              <a:schemeClr val="accent1"/>
-            </a:fillRef>
-            <a:effectRef idx="0">
-              <a:schemeClr val="accent1"/>
-            </a:effectRef>
-            <a:fontRef idx="minor">
-              <a:schemeClr val="tx1"/>
-            </a:fontRef>
-          </p:style>
-        </p:cxnSp>
-        <p:cxnSp>
-          <p:nvCxnSpPr>
-            <p:cNvPr id="40" name="直線コネクタ 39">
-              <a:extLst>
-                <a:ext uri="{FF2B5EF4-FFF2-40B4-BE49-F238E27FC236}">
-                  <a16:creationId xmlns:a16="http://schemas.microsoft.com/office/drawing/2014/main" id="{3DD33349-951A-270A-0130-872E5BE96F5E}"/>
-                </a:ext>
-              </a:extLst>
-            </p:cNvPr>
-            <p:cNvCxnSpPr>
-              <a:cxnSpLocks/>
-            </p:cNvCxnSpPr>
-            <p:nvPr/>
-          </p:nvCxnSpPr>
-          <p:spPr>
-            <a:xfrm>
-              <a:off x="4934905" y="4705852"/>
-              <a:ext cx="0" cy="768163"/>
-            </a:xfrm>
-            <a:prstGeom prst="line">
-              <a:avLst/>
-            </a:prstGeom>
-            <a:ln>
-              <a:solidFill>
-                <a:schemeClr val="tx1"/>
-              </a:solidFill>
-              <a:prstDash val="lgDashDot"/>
-            </a:ln>
-          </p:spPr>
-          <p:style>
-            <a:lnRef idx="1">
-              <a:schemeClr val="accent1"/>
-            </a:lnRef>
-            <a:fillRef idx="0">
-              <a:schemeClr val="accent1"/>
-            </a:fillRef>
-            <a:effectRef idx="0">
-              <a:schemeClr val="accent1"/>
-            </a:effectRef>
-            <a:fontRef idx="minor">
-              <a:schemeClr val="tx1"/>
-            </a:fontRef>
-          </p:style>
-        </p:cxnSp>
-        <p:cxnSp>
-          <p:nvCxnSpPr>
-            <p:cNvPr id="42" name="直線コネクタ 41">
-              <a:extLst>
-                <a:ext uri="{FF2B5EF4-FFF2-40B4-BE49-F238E27FC236}">
-                  <a16:creationId xmlns:a16="http://schemas.microsoft.com/office/drawing/2014/main" id="{1ACBCEB9-6094-AD86-E5F4-0EE5698ABE16}"/>
-                </a:ext>
-              </a:extLst>
-            </p:cNvPr>
-            <p:cNvCxnSpPr>
-              <a:cxnSpLocks/>
-            </p:cNvCxnSpPr>
-            <p:nvPr/>
-          </p:nvCxnSpPr>
-          <p:spPr>
-            <a:xfrm>
-              <a:off x="3682909" y="561975"/>
-              <a:ext cx="0" cy="266699"/>
-            </a:xfrm>
-            <a:prstGeom prst="line">
-              <a:avLst/>
-            </a:prstGeom>
-            <a:ln w="9525">
-              <a:solidFill>
-                <a:schemeClr val="tx1"/>
-              </a:solidFill>
-            </a:ln>
-          </p:spPr>
-          <p:style>
-            <a:lnRef idx="1">
-              <a:schemeClr val="accent1"/>
-            </a:lnRef>
-            <a:fillRef idx="0">
-              <a:schemeClr val="accent1"/>
-            </a:fillRef>
-            <a:effectRef idx="0">
-              <a:schemeClr val="accent1"/>
-            </a:effectRef>
-            <a:fontRef idx="minor">
-              <a:schemeClr val="tx1"/>
-            </a:fontRef>
-          </p:style>
-        </p:cxnSp>
-        <p:cxnSp>
-          <p:nvCxnSpPr>
-            <p:cNvPr id="44" name="直線コネクタ 43">
-              <a:extLst>
-                <a:ext uri="{FF2B5EF4-FFF2-40B4-BE49-F238E27FC236}">
-                  <a16:creationId xmlns:a16="http://schemas.microsoft.com/office/drawing/2014/main" id="{D3BCE461-52FA-8F78-E4BB-659BD3CF00A3}"/>
-                </a:ext>
-              </a:extLst>
-            </p:cNvPr>
-            <p:cNvCxnSpPr>
-              <a:cxnSpLocks/>
-            </p:cNvCxnSpPr>
-            <p:nvPr/>
-          </p:nvCxnSpPr>
-          <p:spPr>
-            <a:xfrm>
-              <a:off x="7105378" y="561975"/>
-              <a:ext cx="0" cy="266699"/>
-            </a:xfrm>
-            <a:prstGeom prst="line">
-              <a:avLst/>
-            </a:prstGeom>
-            <a:ln w="9525">
-              <a:solidFill>
-                <a:schemeClr val="tx1"/>
-              </a:solidFill>
-            </a:ln>
-          </p:spPr>
-          <p:style>
-            <a:lnRef idx="1">
-              <a:schemeClr val="accent1"/>
-            </a:lnRef>
-            <a:fillRef idx="0">
-              <a:schemeClr val="accent1"/>
-            </a:fillRef>
-            <a:effectRef idx="0">
-              <a:schemeClr val="accent1"/>
-            </a:effectRef>
-            <a:fontRef idx="minor">
-              <a:schemeClr val="tx1"/>
-            </a:fontRef>
-          </p:style>
-        </p:cxnSp>
-        <p:cxnSp>
-          <p:nvCxnSpPr>
-            <p:cNvPr id="46" name="直線コネクタ 45">
-              <a:extLst>
-                <a:ext uri="{FF2B5EF4-FFF2-40B4-BE49-F238E27FC236}">
-                  <a16:creationId xmlns:a16="http://schemas.microsoft.com/office/drawing/2014/main" id="{6ED0A5BD-E7A0-90DD-9F35-868CE9370280}"/>
-                </a:ext>
-              </a:extLst>
-            </p:cNvPr>
-            <p:cNvCxnSpPr/>
-            <p:nvPr/>
-          </p:nvCxnSpPr>
-          <p:spPr>
-            <a:xfrm>
-              <a:off x="3682909" y="695324"/>
-              <a:ext cx="3422469" cy="0"/>
-            </a:xfrm>
-            <a:prstGeom prst="line">
-              <a:avLst/>
-            </a:prstGeom>
-            <a:ln w="9525">
-              <a:solidFill>
-                <a:schemeClr val="tx1"/>
-              </a:solidFill>
-              <a:headEnd type="arrow"/>
-              <a:tailEnd type="arrow"/>
-            </a:ln>
-          </p:spPr>
-          <p:style>
-            <a:lnRef idx="1">
-              <a:schemeClr val="accent1"/>
-            </a:lnRef>
-            <a:fillRef idx="0">
-              <a:schemeClr val="accent1"/>
-            </a:fillRef>
-            <a:effectRef idx="0">
-              <a:schemeClr val="accent1"/>
-            </a:effectRef>
-            <a:fontRef idx="minor">
-              <a:schemeClr val="tx1"/>
-            </a:fontRef>
-          </p:style>
-        </p:cxnSp>
-        <p:sp>
-          <p:nvSpPr>
-            <p:cNvPr id="47" name="テキスト ボックス 46">
-              <a:extLst>
-                <a:ext uri="{FF2B5EF4-FFF2-40B4-BE49-F238E27FC236}">
-                  <a16:creationId xmlns:a16="http://schemas.microsoft.com/office/drawing/2014/main" id="{41AEC420-FCBB-1F44-EC02-A5112A7B6932}"/>
-                </a:ext>
-              </a:extLst>
-            </p:cNvPr>
-            <p:cNvSpPr txBox="1"/>
-            <p:nvPr/>
-          </p:nvSpPr>
-          <p:spPr>
-            <a:xfrm>
-              <a:off x="5235619" y="410506"/>
-              <a:ext cx="583814" cy="369332"/>
-            </a:xfrm>
-            <a:prstGeom prst="rect">
-              <a:avLst/>
-            </a:prstGeom>
-            <a:noFill/>
-          </p:spPr>
-          <p:txBody>
-            <a:bodyPr wrap="none" rtlCol="0">
-              <a:spAutoFit/>
-            </a:bodyPr>
-            <a:lstStyle/>
-            <a:p>
-              <a:r>
-                <a:rPr kumimoji="1" lang="en-US" altLang="ja-JP" b="1" dirty="0"/>
-                <a:t>200</a:t>
-              </a:r>
-              <a:endParaRPr kumimoji="1" lang="ja-JP" altLang="en-US" b="1" dirty="0"/>
-            </a:p>
-          </p:txBody>
-        </p:sp>
-        <p:cxnSp>
-          <p:nvCxnSpPr>
-            <p:cNvPr id="48" name="直線コネクタ 47">
-              <a:extLst>
-                <a:ext uri="{FF2B5EF4-FFF2-40B4-BE49-F238E27FC236}">
-                  <a16:creationId xmlns:a16="http://schemas.microsoft.com/office/drawing/2014/main" id="{B5125F43-9BB5-39A1-260E-DC43A8B3AB28}"/>
-                </a:ext>
-              </a:extLst>
-            </p:cNvPr>
-            <p:cNvCxnSpPr>
-              <a:cxnSpLocks/>
-            </p:cNvCxnSpPr>
-            <p:nvPr/>
-          </p:nvCxnSpPr>
-          <p:spPr>
-            <a:xfrm>
-              <a:off x="3682909" y="3074399"/>
-              <a:ext cx="0" cy="583201"/>
-            </a:xfrm>
-            <a:prstGeom prst="line">
-              <a:avLst/>
-            </a:prstGeom>
-            <a:ln w="9525">
-              <a:solidFill>
-                <a:schemeClr val="tx1"/>
-              </a:solidFill>
-            </a:ln>
-          </p:spPr>
-          <p:style>
-            <a:lnRef idx="1">
-              <a:schemeClr val="accent1"/>
-            </a:lnRef>
-            <a:fillRef idx="0">
-              <a:schemeClr val="accent1"/>
-            </a:fillRef>
-            <a:effectRef idx="0">
-              <a:schemeClr val="accent1"/>
-            </a:effectRef>
-            <a:fontRef idx="minor">
-              <a:schemeClr val="tx1"/>
-            </a:fontRef>
-          </p:style>
-        </p:cxnSp>
-        <p:cxnSp>
-          <p:nvCxnSpPr>
-            <p:cNvPr id="49" name="直線コネクタ 48">
-              <a:extLst>
-                <a:ext uri="{FF2B5EF4-FFF2-40B4-BE49-F238E27FC236}">
-                  <a16:creationId xmlns:a16="http://schemas.microsoft.com/office/drawing/2014/main" id="{6BCF6D91-926A-F302-6BF7-6FB8F83A3FEF}"/>
-                </a:ext>
-              </a:extLst>
-            </p:cNvPr>
-            <p:cNvCxnSpPr>
-              <a:cxnSpLocks/>
-            </p:cNvCxnSpPr>
-            <p:nvPr/>
-          </p:nvCxnSpPr>
-          <p:spPr>
-            <a:xfrm>
-              <a:off x="3682908" y="3607798"/>
-              <a:ext cx="592184" cy="0"/>
-            </a:xfrm>
-            <a:prstGeom prst="line">
-              <a:avLst/>
-            </a:prstGeom>
-            <a:ln w="57150">
-              <a:solidFill>
-                <a:srgbClr val="FF0000"/>
-              </a:solidFill>
-              <a:headEnd type="arrow"/>
-              <a:tailEnd type="arrow"/>
-            </a:ln>
-          </p:spPr>
-          <p:style>
-            <a:lnRef idx="1">
-              <a:schemeClr val="accent1"/>
-            </a:lnRef>
-            <a:fillRef idx="0">
-              <a:schemeClr val="accent1"/>
-            </a:fillRef>
-            <a:effectRef idx="0">
-              <a:schemeClr val="accent1"/>
-            </a:effectRef>
-            <a:fontRef idx="minor">
-              <a:schemeClr val="tx1"/>
-            </a:fontRef>
-          </p:style>
-        </p:cxnSp>
-        <p:cxnSp>
-          <p:nvCxnSpPr>
-            <p:cNvPr id="52" name="直線コネクタ 51">
-              <a:extLst>
-                <a:ext uri="{FF2B5EF4-FFF2-40B4-BE49-F238E27FC236}">
-                  <a16:creationId xmlns:a16="http://schemas.microsoft.com/office/drawing/2014/main" id="{142B5AB1-E279-29B9-810D-7620B27AEF59}"/>
-                </a:ext>
-              </a:extLst>
-            </p:cNvPr>
-            <p:cNvCxnSpPr>
-              <a:cxnSpLocks/>
-            </p:cNvCxnSpPr>
-            <p:nvPr/>
-          </p:nvCxnSpPr>
-          <p:spPr>
-            <a:xfrm>
-              <a:off x="4274820" y="3232649"/>
-              <a:ext cx="0" cy="424951"/>
-            </a:xfrm>
-            <a:prstGeom prst="line">
-              <a:avLst/>
-            </a:prstGeom>
-            <a:ln w="9525">
-              <a:solidFill>
-                <a:schemeClr val="tx1"/>
-              </a:solidFill>
-            </a:ln>
-          </p:spPr>
-          <p:style>
-            <a:lnRef idx="1">
-              <a:schemeClr val="accent1"/>
-            </a:lnRef>
-            <a:fillRef idx="0">
-              <a:schemeClr val="accent1"/>
-            </a:fillRef>
-            <a:effectRef idx="0">
-              <a:schemeClr val="accent1"/>
-            </a:effectRef>
-            <a:fontRef idx="minor">
-              <a:schemeClr val="tx1"/>
-            </a:fontRef>
-          </p:style>
-        </p:cxnSp>
-        <p:sp>
-          <p:nvSpPr>
-            <p:cNvPr id="54" name="テキスト ボックス 53">
-              <a:extLst>
-                <a:ext uri="{FF2B5EF4-FFF2-40B4-BE49-F238E27FC236}">
-                  <a16:creationId xmlns:a16="http://schemas.microsoft.com/office/drawing/2014/main" id="{A1823864-633F-F144-6259-1EE95E16B095}"/>
-                </a:ext>
-              </a:extLst>
-            </p:cNvPr>
-            <p:cNvSpPr txBox="1"/>
-            <p:nvPr/>
-          </p:nvSpPr>
-          <p:spPr>
-            <a:xfrm>
-              <a:off x="3829782" y="3188665"/>
-              <a:ext cx="316112" cy="369332"/>
-            </a:xfrm>
-            <a:prstGeom prst="rect">
-              <a:avLst/>
-            </a:prstGeom>
-            <a:noFill/>
-          </p:spPr>
-          <p:txBody>
-            <a:bodyPr wrap="none" rtlCol="0">
-              <a:spAutoFit/>
-            </a:bodyPr>
-            <a:lstStyle/>
-            <a:p>
-              <a:r>
-                <a:rPr kumimoji="1" lang="en-US" altLang="ja-JP" b="1" dirty="0">
-                  <a:solidFill>
-                    <a:srgbClr val="FF0000"/>
-                  </a:solidFill>
-                </a:rPr>
-                <a:t>?</a:t>
-              </a:r>
-            </a:p>
-          </p:txBody>
-        </p:sp>
-        <p:cxnSp>
-          <p:nvCxnSpPr>
-            <p:cNvPr id="55" name="直線コネクタ 54">
-              <a:extLst>
-                <a:ext uri="{FF2B5EF4-FFF2-40B4-BE49-F238E27FC236}">
-                  <a16:creationId xmlns:a16="http://schemas.microsoft.com/office/drawing/2014/main" id="{1D7A3A58-A7C5-3F60-D15C-C2CD1BEA9642}"/>
-                </a:ext>
-              </a:extLst>
-            </p:cNvPr>
-            <p:cNvCxnSpPr>
-              <a:cxnSpLocks/>
-            </p:cNvCxnSpPr>
-            <p:nvPr/>
-          </p:nvCxnSpPr>
-          <p:spPr>
-            <a:xfrm flipH="1">
-              <a:off x="7677150" y="828674"/>
-              <a:ext cx="485774" cy="0"/>
-            </a:xfrm>
-            <a:prstGeom prst="line">
-              <a:avLst/>
-            </a:prstGeom>
-            <a:ln w="9525">
-              <a:solidFill>
-                <a:schemeClr val="tx1"/>
-              </a:solidFill>
-            </a:ln>
-          </p:spPr>
-          <p:style>
-            <a:lnRef idx="1">
-              <a:schemeClr val="accent1"/>
-            </a:lnRef>
-            <a:fillRef idx="0">
-              <a:schemeClr val="accent1"/>
-            </a:fillRef>
-            <a:effectRef idx="0">
-              <a:schemeClr val="accent1"/>
-            </a:effectRef>
-            <a:fontRef idx="minor">
-              <a:schemeClr val="tx1"/>
-            </a:fontRef>
-          </p:style>
-        </p:cxnSp>
-        <p:cxnSp>
-          <p:nvCxnSpPr>
-            <p:cNvPr id="56" name="直線コネクタ 55">
-              <a:extLst>
-                <a:ext uri="{FF2B5EF4-FFF2-40B4-BE49-F238E27FC236}">
-                  <a16:creationId xmlns:a16="http://schemas.microsoft.com/office/drawing/2014/main" id="{DBF7CB01-E2D4-73F6-D09E-9431C097F7A2}"/>
-                </a:ext>
-              </a:extLst>
-            </p:cNvPr>
-            <p:cNvCxnSpPr>
-              <a:cxnSpLocks/>
-            </p:cNvCxnSpPr>
-            <p:nvPr/>
-          </p:nvCxnSpPr>
-          <p:spPr>
-            <a:xfrm flipH="1">
-              <a:off x="7677150" y="3207715"/>
-              <a:ext cx="474344" cy="0"/>
-            </a:xfrm>
-            <a:prstGeom prst="line">
-              <a:avLst/>
-            </a:prstGeom>
-            <a:ln w="9525">
-              <a:solidFill>
-                <a:schemeClr val="tx1"/>
-              </a:solidFill>
-            </a:ln>
-          </p:spPr>
-          <p:style>
-            <a:lnRef idx="1">
-              <a:schemeClr val="accent1"/>
-            </a:lnRef>
-            <a:fillRef idx="0">
-              <a:schemeClr val="accent1"/>
-            </a:fillRef>
-            <a:effectRef idx="0">
-              <a:schemeClr val="accent1"/>
-            </a:effectRef>
-            <a:fontRef idx="minor">
-              <a:schemeClr val="tx1"/>
-            </a:fontRef>
-          </p:style>
-        </p:cxnSp>
-        <p:cxnSp>
-          <p:nvCxnSpPr>
-            <p:cNvPr id="59" name="直線コネクタ 58">
-              <a:extLst>
-                <a:ext uri="{FF2B5EF4-FFF2-40B4-BE49-F238E27FC236}">
-                  <a16:creationId xmlns:a16="http://schemas.microsoft.com/office/drawing/2014/main" id="{F901F00A-EEEF-7109-4B58-25D89B6EE36E}"/>
-                </a:ext>
-              </a:extLst>
-            </p:cNvPr>
-            <p:cNvCxnSpPr>
-              <a:cxnSpLocks/>
-            </p:cNvCxnSpPr>
-            <p:nvPr/>
-          </p:nvCxnSpPr>
-          <p:spPr>
-            <a:xfrm>
-              <a:off x="7970792" y="828674"/>
-              <a:ext cx="0" cy="2379041"/>
-            </a:xfrm>
-            <a:prstGeom prst="line">
-              <a:avLst/>
-            </a:prstGeom>
-            <a:ln w="57150">
-              <a:solidFill>
-                <a:srgbClr val="FF0000"/>
-              </a:solidFill>
-              <a:headEnd type="arrow"/>
-              <a:tailEnd type="arrow"/>
-            </a:ln>
-          </p:spPr>
-          <p:style>
-            <a:lnRef idx="1">
-              <a:schemeClr val="accent1"/>
-            </a:lnRef>
-            <a:fillRef idx="0">
-              <a:schemeClr val="accent1"/>
-            </a:fillRef>
-            <a:effectRef idx="0">
-              <a:schemeClr val="accent1"/>
-            </a:effectRef>
-            <a:fontRef idx="minor">
-              <a:schemeClr val="tx1"/>
-            </a:fontRef>
-          </p:style>
-        </p:cxnSp>
-        <p:sp>
-          <p:nvSpPr>
-            <p:cNvPr id="62" name="テキスト ボックス 61">
-              <a:extLst>
-                <a:ext uri="{FF2B5EF4-FFF2-40B4-BE49-F238E27FC236}">
-                  <a16:creationId xmlns:a16="http://schemas.microsoft.com/office/drawing/2014/main" id="{F6CE58D3-03DA-EA94-CED3-1CDFFF82F072}"/>
-                </a:ext>
-              </a:extLst>
-            </p:cNvPr>
-            <p:cNvSpPr txBox="1"/>
-            <p:nvPr/>
-          </p:nvSpPr>
-          <p:spPr>
-            <a:xfrm rot="16200000">
-              <a:off x="7572644" y="1833528"/>
-              <a:ext cx="316112" cy="369332"/>
-            </a:xfrm>
-            <a:prstGeom prst="rect">
-              <a:avLst/>
-            </a:prstGeom>
-            <a:noFill/>
-          </p:spPr>
-          <p:txBody>
-            <a:bodyPr wrap="none" rtlCol="0">
-              <a:spAutoFit/>
-            </a:bodyPr>
-            <a:lstStyle/>
-            <a:p>
-              <a:r>
-                <a:rPr kumimoji="1" lang="en-US" altLang="ja-JP" b="1" dirty="0">
-                  <a:solidFill>
-                    <a:srgbClr val="FF0000"/>
-                  </a:solidFill>
-                </a:rPr>
-                <a:t>?</a:t>
-              </a:r>
-            </a:p>
-          </p:txBody>
-        </p:sp>
-        <p:cxnSp>
-          <p:nvCxnSpPr>
-            <p:cNvPr id="64" name="直線コネクタ 63">
-              <a:extLst>
-                <a:ext uri="{FF2B5EF4-FFF2-40B4-BE49-F238E27FC236}">
-                  <a16:creationId xmlns:a16="http://schemas.microsoft.com/office/drawing/2014/main" id="{20679719-E5ED-0CE2-A57E-9BFD967E18D8}"/>
-                </a:ext>
-              </a:extLst>
-            </p:cNvPr>
-            <p:cNvCxnSpPr>
-              <a:cxnSpLocks/>
-            </p:cNvCxnSpPr>
-            <p:nvPr/>
-          </p:nvCxnSpPr>
-          <p:spPr>
-            <a:xfrm>
-              <a:off x="2657475" y="5254735"/>
-              <a:ext cx="4610100" cy="0"/>
-            </a:xfrm>
-            <a:prstGeom prst="line">
-              <a:avLst/>
-            </a:prstGeom>
-            <a:ln>
-              <a:solidFill>
-                <a:schemeClr val="tx1"/>
-              </a:solidFill>
-            </a:ln>
-          </p:spPr>
-          <p:style>
-            <a:lnRef idx="1">
-              <a:schemeClr val="accent1"/>
-            </a:lnRef>
-            <a:fillRef idx="0">
-              <a:schemeClr val="accent1"/>
-            </a:fillRef>
-            <a:effectRef idx="0">
-              <a:schemeClr val="accent1"/>
-            </a:effectRef>
-            <a:fontRef idx="minor">
-              <a:schemeClr val="tx1"/>
-            </a:fontRef>
-          </p:style>
-        </p:cxnSp>
-        <p:sp>
-          <p:nvSpPr>
-            <p:cNvPr id="9" name="テキスト ボックス 8">
-              <a:extLst>
-                <a:ext uri="{FF2B5EF4-FFF2-40B4-BE49-F238E27FC236}">
-                  <a16:creationId xmlns:a16="http://schemas.microsoft.com/office/drawing/2014/main" id="{79739A97-FBC8-3EB5-FA70-303A5B0F0531}"/>
-                </a:ext>
-              </a:extLst>
-            </p:cNvPr>
-            <p:cNvSpPr txBox="1"/>
-            <p:nvPr/>
-          </p:nvSpPr>
-          <p:spPr>
-            <a:xfrm>
-              <a:off x="3192020" y="93750"/>
-              <a:ext cx="579005" cy="369332"/>
-            </a:xfrm>
-            <a:prstGeom prst="rect">
-              <a:avLst/>
-            </a:prstGeom>
-            <a:noFill/>
-          </p:spPr>
-          <p:txBody>
-            <a:bodyPr wrap="none" rtlCol="0">
-              <a:spAutoFit/>
-            </a:bodyPr>
-            <a:lstStyle/>
-            <a:p>
-              <a:r>
-                <a:rPr kumimoji="1" lang="en-US" altLang="ja-JP" dirty="0"/>
-                <a:t>L10</a:t>
-              </a:r>
-              <a:endParaRPr kumimoji="1" lang="ja-JP" altLang="en-US" dirty="0"/>
-            </a:p>
-          </p:txBody>
-        </p:sp>
-        <p:sp>
-          <p:nvSpPr>
-            <p:cNvPr id="10" name="テキスト ボックス 9">
-              <a:extLst>
-                <a:ext uri="{FF2B5EF4-FFF2-40B4-BE49-F238E27FC236}">
-                  <a16:creationId xmlns:a16="http://schemas.microsoft.com/office/drawing/2014/main" id="{0D07D8E3-CF90-65C6-8265-A12CE52B80B5}"/>
-                </a:ext>
-              </a:extLst>
-            </p:cNvPr>
-            <p:cNvSpPr txBox="1"/>
-            <p:nvPr/>
-          </p:nvSpPr>
-          <p:spPr>
-            <a:xfrm>
-              <a:off x="4855585" y="93750"/>
-              <a:ext cx="579005" cy="369332"/>
-            </a:xfrm>
-            <a:prstGeom prst="rect">
-              <a:avLst/>
-            </a:prstGeom>
-            <a:noFill/>
-          </p:spPr>
-          <p:txBody>
-            <a:bodyPr wrap="none" rtlCol="0">
-              <a:spAutoFit/>
-            </a:bodyPr>
-            <a:lstStyle/>
-            <a:p>
-              <a:r>
-                <a:rPr kumimoji="1" lang="en-US" altLang="ja-JP" dirty="0"/>
-                <a:t>L11</a:t>
-              </a:r>
-              <a:endParaRPr kumimoji="1" lang="ja-JP" altLang="en-US" dirty="0"/>
-            </a:p>
-          </p:txBody>
-        </p:sp>
-        <p:sp>
-          <p:nvSpPr>
-            <p:cNvPr id="11" name="テキスト ボックス 10">
-              <a:extLst>
-                <a:ext uri="{FF2B5EF4-FFF2-40B4-BE49-F238E27FC236}">
-                  <a16:creationId xmlns:a16="http://schemas.microsoft.com/office/drawing/2014/main" id="{155699D6-735F-0FD3-1080-3925F99C43CB}"/>
-                </a:ext>
-              </a:extLst>
-            </p:cNvPr>
-            <p:cNvSpPr txBox="1"/>
-            <p:nvPr/>
-          </p:nvSpPr>
-          <p:spPr>
-            <a:xfrm>
-              <a:off x="6641298" y="93750"/>
-              <a:ext cx="579005" cy="369332"/>
-            </a:xfrm>
-            <a:prstGeom prst="rect">
-              <a:avLst/>
-            </a:prstGeom>
-            <a:noFill/>
-          </p:spPr>
-          <p:txBody>
-            <a:bodyPr wrap="none" rtlCol="0">
-              <a:spAutoFit/>
-            </a:bodyPr>
-            <a:lstStyle/>
-            <a:p>
-              <a:r>
-                <a:rPr kumimoji="1" lang="en-US" altLang="ja-JP" dirty="0"/>
-                <a:t>L12</a:t>
-              </a:r>
-              <a:endParaRPr kumimoji="1" lang="ja-JP" altLang="en-US" dirty="0"/>
-            </a:p>
-          </p:txBody>
-        </p:sp>
-        <p:sp>
-          <p:nvSpPr>
-            <p:cNvPr id="14" name="テキスト ボックス 13">
-              <a:extLst>
-                <a:ext uri="{FF2B5EF4-FFF2-40B4-BE49-F238E27FC236}">
-                  <a16:creationId xmlns:a16="http://schemas.microsoft.com/office/drawing/2014/main" id="{4476FA6F-D223-5C4E-1ACD-50CEF1836890}"/>
-                </a:ext>
-              </a:extLst>
-            </p:cNvPr>
-            <p:cNvSpPr txBox="1"/>
-            <p:nvPr/>
-          </p:nvSpPr>
-          <p:spPr>
-            <a:xfrm>
-              <a:off x="1902149" y="887922"/>
-              <a:ext cx="681597" cy="369332"/>
-            </a:xfrm>
-            <a:prstGeom prst="rect">
-              <a:avLst/>
-            </a:prstGeom>
-            <a:noFill/>
-          </p:spPr>
-          <p:txBody>
-            <a:bodyPr wrap="none" rtlCol="0">
-              <a:spAutoFit/>
-            </a:bodyPr>
-            <a:lstStyle/>
-            <a:p>
-              <a:r>
-                <a:rPr kumimoji="1" lang="en-US" altLang="ja-JP" dirty="0"/>
-                <a:t>W3R</a:t>
-              </a:r>
-              <a:endParaRPr kumimoji="1" lang="ja-JP" altLang="en-US" dirty="0"/>
-            </a:p>
-          </p:txBody>
-        </p:sp>
-        <p:sp>
-          <p:nvSpPr>
-            <p:cNvPr id="16" name="テキスト ボックス 15">
-              <a:extLst>
-                <a:ext uri="{FF2B5EF4-FFF2-40B4-BE49-F238E27FC236}">
-                  <a16:creationId xmlns:a16="http://schemas.microsoft.com/office/drawing/2014/main" id="{28496E6A-5AB8-E3F7-6720-60B97E4AADF6}"/>
-                </a:ext>
-              </a:extLst>
-            </p:cNvPr>
-            <p:cNvSpPr txBox="1"/>
-            <p:nvPr/>
-          </p:nvSpPr>
-          <p:spPr>
-            <a:xfrm>
-              <a:off x="1902149" y="2609664"/>
-              <a:ext cx="681597" cy="369332"/>
-            </a:xfrm>
-            <a:prstGeom prst="rect">
-              <a:avLst/>
-            </a:prstGeom>
-            <a:noFill/>
-          </p:spPr>
-          <p:txBody>
-            <a:bodyPr wrap="none" rtlCol="0">
-              <a:spAutoFit/>
-            </a:bodyPr>
-            <a:lstStyle/>
-            <a:p>
-              <a:r>
-                <a:rPr kumimoji="1" lang="en-US" altLang="ja-JP" dirty="0"/>
-                <a:t>W2R</a:t>
-              </a:r>
-              <a:endParaRPr kumimoji="1" lang="ja-JP" altLang="en-US" dirty="0"/>
-            </a:p>
-          </p:txBody>
-        </p:sp>
-        <p:sp>
-          <p:nvSpPr>
-            <p:cNvPr id="18" name="テキスト ボックス 17">
-              <a:extLst>
-                <a:ext uri="{FF2B5EF4-FFF2-40B4-BE49-F238E27FC236}">
-                  <a16:creationId xmlns:a16="http://schemas.microsoft.com/office/drawing/2014/main" id="{8188B26F-4840-A0FE-840D-687AE3F095E7}"/>
-                </a:ext>
-              </a:extLst>
-            </p:cNvPr>
-            <p:cNvSpPr txBox="1"/>
-            <p:nvPr/>
-          </p:nvSpPr>
-          <p:spPr>
-            <a:xfrm>
-              <a:off x="1902149" y="5089933"/>
-              <a:ext cx="612668" cy="369332"/>
-            </a:xfrm>
-            <a:prstGeom prst="rect">
-              <a:avLst/>
-            </a:prstGeom>
-            <a:noFill/>
-          </p:spPr>
-          <p:txBody>
-            <a:bodyPr wrap="none" rtlCol="0">
-              <a:spAutoFit/>
-            </a:bodyPr>
-            <a:lstStyle/>
-            <a:p>
-              <a:r>
-                <a:rPr kumimoji="1" lang="en-US" altLang="ja-JP" dirty="0"/>
-                <a:t>H15</a:t>
-              </a:r>
-              <a:endParaRPr kumimoji="1" lang="ja-JP" altLang="en-US" dirty="0"/>
-            </a:p>
-          </p:txBody>
-        </p:sp>
-      </p:grpSp>
-    </p:spTree>
-    <p:extLst>
-      <p:ext uri="{BB962C8B-B14F-4D97-AF65-F5344CB8AC3E}">
-        <p14:creationId xmlns:p14="http://schemas.microsoft.com/office/powerpoint/2010/main" val="1429438145"/>
       </p:ext>
     </p:extLst>
   </p:cSld>

--- a/digfinalpresentation/explanation/image/slide_master.pptx
+++ b/digfinalpresentation/explanation/image/slide_master.pptx
@@ -10653,7 +10653,7 @@
           <a:p>
             <a:r>
               <a:rPr lang="ja-JP" altLang="en-US" sz="2400" dirty="0"/>
-              <a:t>使い続けたいと思える</a:t>
+              <a:t>・使い続けたいと思える</a:t>
             </a:r>
             <a:endParaRPr lang="en-US" altLang="ja-JP" sz="2400" dirty="0"/>
           </a:p>
@@ -10714,7 +10714,7 @@
           </a:p>
           <a:p>
             <a:r>
-              <a:rPr lang="ja-JP" altLang="en-US" dirty="0"/>
+              <a:rPr lang="ja-JP" altLang="en-US" sz="2400" dirty="0"/>
               <a:t>・測定結果を</a:t>
             </a:r>
             <a:r>
@@ -10726,10 +10726,10 @@
               <a:t>任意の位置にドラッグ</a:t>
             </a:r>
             <a:r>
-              <a:rPr lang="ja-JP" altLang="en-US" dirty="0"/>
+              <a:rPr lang="ja-JP" altLang="en-US" sz="2400" dirty="0"/>
               <a:t>できる</a:t>
             </a:r>
-            <a:endParaRPr lang="en-US" altLang="ja-JP" dirty="0"/>
+            <a:endParaRPr lang="en-US" altLang="ja-JP" sz="2400" dirty="0"/>
           </a:p>
           <a:p>
             <a:endParaRPr lang="en-US" altLang="ja-JP" dirty="0"/>

--- a/digfinalpresentation/explanation/image/slide_master.pptx
+++ b/digfinalpresentation/explanation/image/slide_master.pptx
@@ -130,7 +130,7 @@
 <file path=ppt/revisionInfo.xml><?xml version="1.0" encoding="utf-8"?>
 <p1510:revInfo xmlns:a="http://schemas.openxmlformats.org/drawingml/2006/main" xmlns:r="http://schemas.openxmlformats.org/officeDocument/2006/relationships" xmlns:p1510="http://schemas.microsoft.com/office/powerpoint/2015/10/main">
   <p1510:revLst>
-    <p1510:client id="{0C8EFB15-30FB-4D9E-9F76-1DD8E9D546D5}" v="127" dt="2023-02-18T23:19:55.217"/>
+    <p1510:client id="{0C8EFB15-30FB-4D9E-9F76-1DD8E9D546D5}" v="139" dt="2023-02-19T12:20:39.421"/>
   </p1510:revLst>
 </p1510:revInfo>
 </file>
@@ -208,7 +208,7 @@
   <pc:docChgLst>
     <pc:chgData name="緒方 和義" userId="f76643218ff399e9" providerId="LiveId" clId="{0C8EFB15-30FB-4D9E-9F76-1DD8E9D546D5}"/>
     <pc:docChg chg="undo custSel addSld delSld modSld sldOrd">
-      <pc:chgData name="緒方 和義" userId="f76643218ff399e9" providerId="LiveId" clId="{0C8EFB15-30FB-4D9E-9F76-1DD8E9D546D5}" dt="2023-02-18T23:26:28.514" v="4298"/>
+      <pc:chgData name="緒方 和義" userId="f76643218ff399e9" providerId="LiveId" clId="{0C8EFB15-30FB-4D9E-9F76-1DD8E9D546D5}" dt="2023-02-19T13:12:44.829" v="4316" actId="1076"/>
       <pc:docMkLst>
         <pc:docMk/>
       </pc:docMkLst>
@@ -838,13 +838,13 @@
         </pc:cxnChg>
       </pc:sldChg>
       <pc:sldChg chg="addSp delSp modSp add mod">
-        <pc:chgData name="緒方 和義" userId="f76643218ff399e9" providerId="LiveId" clId="{0C8EFB15-30FB-4D9E-9F76-1DD8E9D546D5}" dt="2023-02-18T23:22:54.781" v="4296" actId="20577"/>
+        <pc:chgData name="緒方 和義" userId="f76643218ff399e9" providerId="LiveId" clId="{0C8EFB15-30FB-4D9E-9F76-1DD8E9D546D5}" dt="2023-02-19T13:12:44.829" v="4316" actId="1076"/>
         <pc:sldMkLst>
           <pc:docMk/>
           <pc:sldMk cId="3552498260" sldId="264"/>
         </pc:sldMkLst>
         <pc:spChg chg="add mod">
-          <ac:chgData name="緒方 和義" userId="f76643218ff399e9" providerId="LiveId" clId="{0C8EFB15-30FB-4D9E-9F76-1DD8E9D546D5}" dt="2023-02-18T23:22:54.781" v="4296" actId="20577"/>
+          <ac:chgData name="緒方 和義" userId="f76643218ff399e9" providerId="LiveId" clId="{0C8EFB15-30FB-4D9E-9F76-1DD8E9D546D5}" dt="2023-02-19T12:20:40.449" v="4314" actId="1076"/>
           <ac:spMkLst>
             <pc:docMk/>
             <pc:sldMk cId="3552498260" sldId="264"/>
@@ -852,7 +852,7 @@
           </ac:spMkLst>
         </pc:spChg>
         <pc:spChg chg="add mod">
-          <ac:chgData name="緒方 和義" userId="f76643218ff399e9" providerId="LiveId" clId="{0C8EFB15-30FB-4D9E-9F76-1DD8E9D546D5}" dt="2023-02-18T23:20:07.441" v="4217" actId="1076"/>
+          <ac:chgData name="緒方 和義" userId="f76643218ff399e9" providerId="LiveId" clId="{0C8EFB15-30FB-4D9E-9F76-1DD8E9D546D5}" dt="2023-02-19T13:12:44.829" v="4316" actId="1076"/>
           <ac:spMkLst>
             <pc:docMk/>
             <pc:sldMk cId="3552498260" sldId="264"/>
@@ -900,7 +900,7 @@
           </ac:graphicFrameMkLst>
         </pc:graphicFrameChg>
         <pc:graphicFrameChg chg="add mod">
-          <ac:chgData name="緒方 和義" userId="f76643218ff399e9" providerId="LiveId" clId="{0C8EFB15-30FB-4D9E-9F76-1DD8E9D546D5}" dt="2023-02-18T23:20:07.441" v="4217" actId="1076"/>
+          <ac:chgData name="緒方 和義" userId="f76643218ff399e9" providerId="LiveId" clId="{0C8EFB15-30FB-4D9E-9F76-1DD8E9D546D5}" dt="2023-02-19T12:20:39.420" v="4313"/>
           <ac:graphicFrameMkLst>
             <pc:docMk/>
             <pc:sldMk cId="3552498260" sldId="264"/>
@@ -1430,7 +1430,7 @@
             <c:v>従来</c:v>
           </c:tx>
           <c:spPr>
-            <a:ln w="19050" cap="rnd">
+            <a:ln w="76200" cap="rnd">
               <a:solidFill>
                 <a:schemeClr val="accent1"/>
               </a:solidFill>
@@ -1551,7 +1551,7 @@
             <c:v>今回</c:v>
           </c:tx>
           <c:spPr>
-            <a:ln w="19050" cap="rnd">
+            <a:ln w="76200" cap="rnd">
               <a:solidFill>
                 <a:schemeClr val="accent2"/>
               </a:solidFill>
@@ -1869,8 +1869,8 @@
             <c:manualLayout>
               <c:xMode val="edge"/>
               <c:yMode val="edge"/>
-              <c:x val="1.1211421848131054E-2"/>
-              <c:y val="0.35382578643945167"/>
+              <c:x val="0"/>
+              <c:y val="0.28427504151131866"/>
             </c:manualLayout>
           </c:layout>
           <c:overlay val="0"/>
@@ -1980,7 +1980,7 @@
         <a:lstStyle/>
         <a:p>
           <a:pPr>
-            <a:defRPr sz="1400" b="1" i="0" u="none" strike="noStrike" kern="1200" baseline="0">
+            <a:defRPr sz="2000" b="1" i="0" u="none" strike="noStrike" kern="1200" baseline="0">
               <a:solidFill>
                 <a:schemeClr val="tx1">
                   <a:lumMod val="65000"/>
@@ -15282,8 +15282,8 @@
         </p:nvSpPr>
         <p:spPr>
           <a:xfrm flipH="1">
-            <a:off x="165541" y="35334"/>
-            <a:ext cx="11199223" cy="7201972"/>
+            <a:off x="197702" y="25360"/>
+            <a:ext cx="11199223" cy="6832640"/>
           </a:xfrm>
           <a:prstGeom prst="rect">
             <a:avLst/>
@@ -15352,15 +15352,6 @@
               </a:rPr>
               <a:t>インタラクティブ</a:t>
             </a:r>
-            <a:endParaRPr lang="en-US" altLang="ja-JP" sz="2400" b="1" dirty="0">
-              <a:solidFill>
-                <a:srgbClr val="FF0000"/>
-              </a:solidFill>
-              <a:latin typeface="メイリオ" panose="020B0604030504040204" pitchFamily="50" charset="-128"/>
-              <a:ea typeface="メイリオ" panose="020B0604030504040204" pitchFamily="50" charset="-128"/>
-            </a:endParaRPr>
-          </a:p>
-          <a:p>
             <a:endParaRPr lang="en-US" altLang="ja-JP" sz="2400" dirty="0">
               <a:latin typeface="メイリオ" panose="020B0604030504040204" pitchFamily="50" charset="-128"/>
               <a:ea typeface="メイリオ" panose="020B0604030504040204" pitchFamily="50" charset="-128"/>
@@ -15472,7 +15463,7 @@
             </a:endParaRPr>
           </a:p>
           <a:p>
-            <a:endParaRPr lang="en-US" altLang="ja-JP" sz="2400" b="1" dirty="0">
+            <a:endParaRPr lang="en-US" altLang="ja-JP" b="1" dirty="0">
               <a:latin typeface="メイリオ" panose="020B0604030504040204" pitchFamily="50" charset="-128"/>
               <a:ea typeface="メイリオ" panose="020B0604030504040204" pitchFamily="50" charset="-128"/>
             </a:endParaRPr>
@@ -17197,7 +17188,7 @@
           <p:nvPr>
             <p:extLst>
               <p:ext uri="{D42A27DB-BD31-4B8C-83A1-F6EECF244321}">
-                <p14:modId xmlns:p14="http://schemas.microsoft.com/office/powerpoint/2010/main" val="3700492774"/>
+                <p14:modId xmlns:p14="http://schemas.microsoft.com/office/powerpoint/2010/main" val="1592695112"/>
               </p:ext>
             </p:extLst>
           </p:nvPr>
@@ -17226,8 +17217,8 @@
         </p:nvSpPr>
         <p:spPr>
           <a:xfrm>
-            <a:off x="6426848" y="213797"/>
-            <a:ext cx="4940776" cy="400110"/>
+            <a:off x="6047563" y="121464"/>
+            <a:ext cx="5889754" cy="461665"/>
           </a:xfrm>
           <a:prstGeom prst="rect">
             <a:avLst/>
@@ -17241,14 +17232,14 @@
           <a:lstStyle/>
           <a:p>
             <a:r>
-              <a:rPr kumimoji="1" lang="ja-JP" altLang="en-US" sz="2000" b="1" dirty="0">
+              <a:rPr kumimoji="1" lang="ja-JP" altLang="en-US" sz="2400" b="1" dirty="0">
                 <a:latin typeface="メイリオ" panose="020B0604030504040204" pitchFamily="50" charset="-128"/>
                 <a:ea typeface="メイリオ" panose="020B0604030504040204" pitchFamily="50" charset="-128"/>
               </a:rPr>
               <a:t>例）　</a:t>
             </a:r>
             <a:r>
-              <a:rPr kumimoji="1" lang="en-US" altLang="ja-JP" sz="2000" b="1" dirty="0">
+              <a:rPr kumimoji="1" lang="en-US" altLang="ja-JP" sz="2400" b="1" dirty="0">
                 <a:latin typeface="Segoe UI" panose="020B0502040204020203" pitchFamily="34" charset="0"/>
                 <a:ea typeface="メイリオ" panose="020B0604030504040204" pitchFamily="50" charset="-128"/>
                 <a:cs typeface="Segoe UI" panose="020B0502040204020203" pitchFamily="34" charset="0"/>
@@ -17256,14 +17247,14 @@
               <a:t>25</a:t>
             </a:r>
             <a:r>
-              <a:rPr kumimoji="1" lang="ja-JP" altLang="en-US" sz="2000" b="1" dirty="0">
+              <a:rPr kumimoji="1" lang="ja-JP" altLang="en-US" sz="2400" b="1" dirty="0">
                 <a:latin typeface="メイリオ" panose="020B0604030504040204" pitchFamily="50" charset="-128"/>
                 <a:ea typeface="メイリオ" panose="020B0604030504040204" pitchFamily="50" charset="-128"/>
               </a:rPr>
               <a:t>名、</a:t>
             </a:r>
             <a:r>
-              <a:rPr kumimoji="1" lang="en-US" altLang="ja-JP" sz="2000" b="1" dirty="0">
+              <a:rPr kumimoji="1" lang="en-US" altLang="ja-JP" sz="2400" b="1" dirty="0">
                 <a:latin typeface="Segoe UI" panose="020B0502040204020203" pitchFamily="34" charset="0"/>
                 <a:ea typeface="メイリオ" panose="020B0604030504040204" pitchFamily="50" charset="-128"/>
                 <a:cs typeface="Segoe UI" panose="020B0502040204020203" pitchFamily="34" charset="0"/>
@@ -17271,28 +17262,28 @@
               <a:t>0.5</a:t>
             </a:r>
             <a:r>
-              <a:rPr kumimoji="1" lang="ja-JP" altLang="en-US" sz="2000" b="1" dirty="0">
+              <a:rPr kumimoji="1" lang="ja-JP" altLang="en-US" sz="2400" b="1" dirty="0">
                 <a:latin typeface="メイリオ" panose="020B0604030504040204" pitchFamily="50" charset="-128"/>
                 <a:ea typeface="メイリオ" panose="020B0604030504040204" pitchFamily="50" charset="-128"/>
               </a:rPr>
               <a:t>回</a:t>
             </a:r>
             <a:r>
-              <a:rPr kumimoji="1" lang="en-US" altLang="ja-JP" sz="2000" b="1" dirty="0">
+              <a:rPr kumimoji="1" lang="en-US" altLang="ja-JP" sz="2400" b="1" dirty="0">
                 <a:latin typeface="メイリオ" panose="020B0604030504040204" pitchFamily="50" charset="-128"/>
                 <a:ea typeface="メイリオ" panose="020B0604030504040204" pitchFamily="50" charset="-128"/>
               </a:rPr>
               <a:t>/</a:t>
             </a:r>
             <a:r>
-              <a:rPr kumimoji="1" lang="ja-JP" altLang="en-US" sz="2000" b="1" dirty="0">
+              <a:rPr kumimoji="1" lang="ja-JP" altLang="en-US" sz="2400" b="1" dirty="0">
                 <a:latin typeface="メイリオ" panose="020B0604030504040204" pitchFamily="50" charset="-128"/>
                 <a:ea typeface="メイリオ" panose="020B0604030504040204" pitchFamily="50" charset="-128"/>
               </a:rPr>
               <a:t>日、</a:t>
             </a:r>
             <a:r>
-              <a:rPr kumimoji="1" lang="en-US" altLang="ja-JP" sz="2000" b="1" dirty="0">
+              <a:rPr kumimoji="1" lang="en-US" altLang="ja-JP" sz="2400" b="1" dirty="0">
                 <a:latin typeface="Segoe UI" panose="020B0502040204020203" pitchFamily="34" charset="0"/>
                 <a:ea typeface="メイリオ" panose="020B0604030504040204" pitchFamily="50" charset="-128"/>
                 <a:cs typeface="Segoe UI" panose="020B0502040204020203" pitchFamily="34" charset="0"/>
@@ -17300,7 +17291,7 @@
               <a:t>1min</a:t>
             </a:r>
             <a:r>
-              <a:rPr kumimoji="1" lang="ja-JP" altLang="en-US" sz="2000" b="1" dirty="0">
+              <a:rPr kumimoji="1" lang="ja-JP" altLang="en-US" sz="2400" b="1" dirty="0">
                 <a:latin typeface="メイリオ" panose="020B0604030504040204" pitchFamily="50" charset="-128"/>
                 <a:ea typeface="メイリオ" panose="020B0604030504040204" pitchFamily="50" charset="-128"/>
               </a:rPr>
